--- a/Document/presentation/nam/wear.pptx
+++ b/Document/presentation/nam/wear.pptx
@@ -5,17 +5,21 @@
     <p:sldMasterId id="2147483660" r:id="rId1"/>
   </p:sldMasterIdLst>
   <p:notesMasterIdLst>
-    <p:notesMasterId r:id="rId10"/>
+    <p:notesMasterId r:id="rId14"/>
   </p:notesMasterIdLst>
   <p:sldIdLst>
     <p:sldId id="323" r:id="rId2"/>
     <p:sldId id="324" r:id="rId3"/>
     <p:sldId id="325" r:id="rId4"/>
-    <p:sldId id="326" r:id="rId5"/>
-    <p:sldId id="327" r:id="rId6"/>
-    <p:sldId id="328" r:id="rId7"/>
-    <p:sldId id="329" r:id="rId8"/>
-    <p:sldId id="330" r:id="rId9"/>
+    <p:sldId id="338" r:id="rId5"/>
+    <p:sldId id="339" r:id="rId6"/>
+    <p:sldId id="340" r:id="rId7"/>
+    <p:sldId id="341" r:id="rId8"/>
+    <p:sldId id="327" r:id="rId9"/>
+    <p:sldId id="343" r:id="rId10"/>
+    <p:sldId id="344" r:id="rId11"/>
+    <p:sldId id="345" r:id="rId12"/>
+    <p:sldId id="330" r:id="rId13"/>
   </p:sldIdLst>
   <p:sldSz cx="9144000" cy="6858000" type="screen4x3"/>
   <p:notesSz cx="6858000" cy="9144000"/>
@@ -116,7 +120,7 @@
   </p:defaultTextStyle>
   <p:extLst>
     <p:ext uri="{EFAFB233-063F-42B5-8137-9DF3F51BA10A}">
-      <p15:sldGuideLst xmlns:p15="http://schemas.microsoft.com/office/powerpoint/2012/main"/>
+      <p15:sldGuideLst xmlns:p15="http://schemas.microsoft.com/office/powerpoint/2012/main" xmlns=""/>
     </p:ext>
   </p:extLst>
 </p:presentation>
@@ -204,7 +208,7 @@
           <a:p>
             <a:fld id="{E6892A0F-7C57-3346-8BD8-BD37E7DB7057}" type="datetimeFigureOut">
               <a:rPr lang="en-US" smtClean="0"/>
-              <a:t>12/11/15</a:t>
+              <a:t>12/12/2015</a:t>
             </a:fld>
             <a:endParaRPr lang="en-US"/>
           </a:p>
@@ -573,6 +577,298 @@
 </p:notes>
 </file>
 
+<file path=ppt/notesSlides/notesSlide10.xml><?xml version="1.0" encoding="utf-8"?>
+<p:notes xmlns:a="http://schemas.openxmlformats.org/drawingml/2006/main" xmlns:r="http://schemas.openxmlformats.org/officeDocument/2006/relationships" xmlns:p="http://schemas.openxmlformats.org/presentationml/2006/main">
+  <p:cSld>
+    <p:spTree>
+      <p:nvGrpSpPr>
+        <p:cNvPr id="1" name=""/>
+        <p:cNvGrpSpPr/>
+        <p:nvPr/>
+      </p:nvGrpSpPr>
+      <p:grpSpPr>
+        <a:xfrm>
+          <a:off x="0" y="0"/>
+          <a:ext cx="0" cy="0"/>
+          <a:chOff x="0" y="0"/>
+          <a:chExt cx="0" cy="0"/>
+        </a:xfrm>
+      </p:grpSpPr>
+      <p:sp>
+        <p:nvSpPr>
+          <p:cNvPr id="2" name="Slide Image Placeholder 1"/>
+          <p:cNvSpPr>
+            <a:spLocks noGrp="1" noRot="1" noChangeAspect="1"/>
+          </p:cNvSpPr>
+          <p:nvPr>
+            <p:ph type="sldImg"/>
+          </p:nvPr>
+        </p:nvSpPr>
+        <p:spPr/>
+      </p:sp>
+      <p:sp>
+        <p:nvSpPr>
+          <p:cNvPr id="3" name="Notes Placeholder 2"/>
+          <p:cNvSpPr>
+            <a:spLocks noGrp="1"/>
+          </p:cNvSpPr>
+          <p:nvPr>
+            <p:ph type="body" idx="1"/>
+          </p:nvPr>
+        </p:nvSpPr>
+        <p:spPr/>
+        <p:txBody>
+          <a:bodyPr/>
+          <a:lstStyle/>
+          <a:p>
+            <a:r>
+              <a:rPr lang="vi-VN" dirty="0" smtClean="0"/>
+              <a:t>Việc trao nhận dữ liệu có thể sử dụng MessageAPI. </a:t>
+            </a:r>
+          </a:p>
+          <a:p>
+            <a:r>
+              <a:rPr lang="vi-VN" dirty="0" smtClean="0"/>
+              <a:t>MessageAPI là một giao thức tin cậy. </a:t>
+            </a:r>
+          </a:p>
+          <a:p>
+            <a:r>
+              <a:rPr lang="vi-VN" dirty="0" smtClean="0"/>
+              <a:t>Khi điện thoai và đồng hồ mất kết nối,</a:t>
+            </a:r>
+            <a:r>
+              <a:rPr lang="vi-VN" baseline="0" dirty="0" smtClean="0"/>
+              <a:t> dữ liệu sẽ được tự động lưu trữ và tự động gửi lại khi việc kết nối thành công.</a:t>
+            </a:r>
+            <a:endParaRPr lang="en-US" dirty="0"/>
+          </a:p>
+        </p:txBody>
+      </p:sp>
+      <p:sp>
+        <p:nvSpPr>
+          <p:cNvPr id="4" name="Slide Number Placeholder 3"/>
+          <p:cNvSpPr>
+            <a:spLocks noGrp="1"/>
+          </p:cNvSpPr>
+          <p:nvPr>
+            <p:ph type="sldNum" sz="quarter" idx="10"/>
+          </p:nvPr>
+        </p:nvSpPr>
+        <p:spPr/>
+        <p:txBody>
+          <a:bodyPr/>
+          <a:lstStyle/>
+          <a:p>
+            <a:fld id="{91FD8968-C20D-B548-8F38-158084641085}" type="slidenum">
+              <a:rPr lang="en-US" smtClean="0"/>
+              <a:t>10</a:t>
+            </a:fld>
+            <a:endParaRPr lang="en-US"/>
+          </a:p>
+        </p:txBody>
+      </p:sp>
+    </p:spTree>
+    <p:extLst>
+      <p:ext uri="{BB962C8B-B14F-4D97-AF65-F5344CB8AC3E}">
+        <p14:creationId xmlns:p14="http://schemas.microsoft.com/office/powerpoint/2010/main" val="65743516"/>
+      </p:ext>
+    </p:extLst>
+  </p:cSld>
+  <p:clrMapOvr>
+    <a:masterClrMapping/>
+  </p:clrMapOvr>
+</p:notes>
+</file>
+
+<file path=ppt/notesSlides/notesSlide11.xml><?xml version="1.0" encoding="utf-8"?>
+<p:notes xmlns:a="http://schemas.openxmlformats.org/drawingml/2006/main" xmlns:r="http://schemas.openxmlformats.org/officeDocument/2006/relationships" xmlns:p="http://schemas.openxmlformats.org/presentationml/2006/main">
+  <p:cSld>
+    <p:spTree>
+      <p:nvGrpSpPr>
+        <p:cNvPr id="1" name=""/>
+        <p:cNvGrpSpPr/>
+        <p:nvPr/>
+      </p:nvGrpSpPr>
+      <p:grpSpPr>
+        <a:xfrm>
+          <a:off x="0" y="0"/>
+          <a:ext cx="0" cy="0"/>
+          <a:chOff x="0" y="0"/>
+          <a:chExt cx="0" cy="0"/>
+        </a:xfrm>
+      </p:grpSpPr>
+      <p:sp>
+        <p:nvSpPr>
+          <p:cNvPr id="2" name="Slide Image Placeholder 1"/>
+          <p:cNvSpPr>
+            <a:spLocks noGrp="1" noRot="1" noChangeAspect="1"/>
+          </p:cNvSpPr>
+          <p:nvPr>
+            <p:ph type="sldImg"/>
+          </p:nvPr>
+        </p:nvSpPr>
+        <p:spPr/>
+      </p:sp>
+      <p:sp>
+        <p:nvSpPr>
+          <p:cNvPr id="3" name="Notes Placeholder 2"/>
+          <p:cNvSpPr>
+            <a:spLocks noGrp="1"/>
+          </p:cNvSpPr>
+          <p:nvPr>
+            <p:ph type="body" idx="1"/>
+          </p:nvPr>
+        </p:nvSpPr>
+        <p:spPr/>
+        <p:txBody>
+          <a:bodyPr/>
+          <a:lstStyle/>
+          <a:p>
+            <a:r>
+              <a:rPr lang="vi-VN" dirty="0" smtClean="0"/>
+              <a:t>Việc trao nhận dữ liệu có thể sử dụng MessageAPI. </a:t>
+            </a:r>
+          </a:p>
+          <a:p>
+            <a:r>
+              <a:rPr lang="vi-VN" dirty="0" smtClean="0"/>
+              <a:t>MessageAPI là một giao thức tin cậy. </a:t>
+            </a:r>
+          </a:p>
+          <a:p>
+            <a:r>
+              <a:rPr lang="vi-VN" dirty="0" smtClean="0"/>
+              <a:t>Khi điện thoai và đồng hồ mất kết nối,</a:t>
+            </a:r>
+            <a:r>
+              <a:rPr lang="vi-VN" baseline="0" dirty="0" smtClean="0"/>
+              <a:t> dữ liệu sẽ được tự động lưu trữ và tự động gửi lại khi việc kết nối thành công.</a:t>
+            </a:r>
+            <a:endParaRPr lang="en-US" dirty="0"/>
+          </a:p>
+        </p:txBody>
+      </p:sp>
+      <p:sp>
+        <p:nvSpPr>
+          <p:cNvPr id="4" name="Slide Number Placeholder 3"/>
+          <p:cNvSpPr>
+            <a:spLocks noGrp="1"/>
+          </p:cNvSpPr>
+          <p:nvPr>
+            <p:ph type="sldNum" sz="quarter" idx="10"/>
+          </p:nvPr>
+        </p:nvSpPr>
+        <p:spPr/>
+        <p:txBody>
+          <a:bodyPr/>
+          <a:lstStyle/>
+          <a:p>
+            <a:fld id="{91FD8968-C20D-B548-8F38-158084641085}" type="slidenum">
+              <a:rPr lang="en-US" smtClean="0"/>
+              <a:t>11</a:t>
+            </a:fld>
+            <a:endParaRPr lang="en-US"/>
+          </a:p>
+        </p:txBody>
+      </p:sp>
+    </p:spTree>
+    <p:extLst>
+      <p:ext uri="{BB962C8B-B14F-4D97-AF65-F5344CB8AC3E}">
+        <p14:creationId xmlns:p14="http://schemas.microsoft.com/office/powerpoint/2010/main" val="65743516"/>
+      </p:ext>
+    </p:extLst>
+  </p:cSld>
+  <p:clrMapOvr>
+    <a:masterClrMapping/>
+  </p:clrMapOvr>
+</p:notes>
+</file>
+
+<file path=ppt/notesSlides/notesSlide12.xml><?xml version="1.0" encoding="utf-8"?>
+<p:notes xmlns:a="http://schemas.openxmlformats.org/drawingml/2006/main" xmlns:r="http://schemas.openxmlformats.org/officeDocument/2006/relationships" xmlns:p="http://schemas.openxmlformats.org/presentationml/2006/main">
+  <p:cSld>
+    <p:spTree>
+      <p:nvGrpSpPr>
+        <p:cNvPr id="1" name=""/>
+        <p:cNvGrpSpPr/>
+        <p:nvPr/>
+      </p:nvGrpSpPr>
+      <p:grpSpPr>
+        <a:xfrm>
+          <a:off x="0" y="0"/>
+          <a:ext cx="0" cy="0"/>
+          <a:chOff x="0" y="0"/>
+          <a:chExt cx="0" cy="0"/>
+        </a:xfrm>
+      </p:grpSpPr>
+      <p:sp>
+        <p:nvSpPr>
+          <p:cNvPr id="2" name="Slide Image Placeholder 1"/>
+          <p:cNvSpPr>
+            <a:spLocks noGrp="1" noRot="1" noChangeAspect="1"/>
+          </p:cNvSpPr>
+          <p:nvPr>
+            <p:ph type="sldImg"/>
+          </p:nvPr>
+        </p:nvSpPr>
+        <p:spPr/>
+      </p:sp>
+      <p:sp>
+        <p:nvSpPr>
+          <p:cNvPr id="3" name="Notes Placeholder 2"/>
+          <p:cNvSpPr>
+            <a:spLocks noGrp="1"/>
+          </p:cNvSpPr>
+          <p:nvPr>
+            <p:ph type="body" idx="1"/>
+          </p:nvPr>
+        </p:nvSpPr>
+        <p:spPr/>
+        <p:txBody>
+          <a:bodyPr/>
+          <a:lstStyle/>
+          <a:p>
+            <a:endParaRPr lang="en-US" dirty="0"/>
+          </a:p>
+        </p:txBody>
+      </p:sp>
+      <p:sp>
+        <p:nvSpPr>
+          <p:cNvPr id="4" name="Slide Number Placeholder 3"/>
+          <p:cNvSpPr>
+            <a:spLocks noGrp="1"/>
+          </p:cNvSpPr>
+          <p:nvPr>
+            <p:ph type="sldNum" sz="quarter" idx="10"/>
+          </p:nvPr>
+        </p:nvSpPr>
+        <p:spPr/>
+        <p:txBody>
+          <a:bodyPr/>
+          <a:lstStyle/>
+          <a:p>
+            <a:fld id="{91FD8968-C20D-B548-8F38-158084641085}" type="slidenum">
+              <a:rPr lang="en-US" smtClean="0"/>
+              <a:t>12</a:t>
+            </a:fld>
+            <a:endParaRPr lang="en-US"/>
+          </a:p>
+        </p:txBody>
+      </p:sp>
+    </p:spTree>
+    <p:extLst>
+      <p:ext uri="{BB962C8B-B14F-4D97-AF65-F5344CB8AC3E}">
+        <p14:creationId xmlns:p14="http://schemas.microsoft.com/office/powerpoint/2010/main" val="1993064984"/>
+      </p:ext>
+    </p:extLst>
+  </p:cSld>
+  <p:clrMapOvr>
+    <a:masterClrMapping/>
+  </p:clrMapOvr>
+</p:notes>
+</file>
+
 <file path=ppt/notesSlides/notesSlide2.xml><?xml version="1.0" encoding="utf-8"?>
 <p:notes xmlns:a="http://schemas.openxmlformats.org/drawingml/2006/main" xmlns:r="http://schemas.openxmlformats.org/officeDocument/2006/relationships" xmlns:p="http://schemas.openxmlformats.org/presentationml/2006/main">
   <p:cSld>
@@ -804,7 +1100,7 @@
           <a:p>
             <a:r>
               <a:rPr lang="vi-VN" dirty="0" smtClean="0"/>
-              <a:t>Trong suốt quá trình ứng dụng chạy, đồng hồ sẽ liên tục đồng bộ dữ liệu với điện thoại </a:t>
+              <a:t>Trước hết. Điện thoại cần phải được pair với đồng hồ qua giao thức bluetooth.</a:t>
             </a:r>
             <a:endParaRPr lang="en-US" dirty="0"/>
           </a:p>
@@ -836,7 +1132,7 @@
     </p:spTree>
     <p:extLst>
       <p:ext uri="{BB962C8B-B14F-4D97-AF65-F5344CB8AC3E}">
-        <p14:creationId xmlns:p14="http://schemas.microsoft.com/office/powerpoint/2010/main" val="640469086"/>
+        <p14:creationId xmlns:p14="http://schemas.microsoft.com/office/powerpoint/2010/main" val="855710681"/>
       </p:ext>
     </p:extLst>
   </p:cSld>
@@ -892,23 +1188,7 @@
           <a:p>
             <a:r>
               <a:rPr lang="vi-VN" dirty="0" smtClean="0"/>
-              <a:t>Việc trao nhận dữ liệu có thể sử dụng MessageAPI. </a:t>
-            </a:r>
-          </a:p>
-          <a:p>
-            <a:r>
-              <a:rPr lang="vi-VN" dirty="0" smtClean="0"/>
-              <a:t>MessageAPI là một giao thức tin cậy. </a:t>
-            </a:r>
-          </a:p>
-          <a:p>
-            <a:r>
-              <a:rPr lang="vi-VN" dirty="0" smtClean="0"/>
-              <a:t>Khi điện thoai và đồng hồ mất kết nối,</a:t>
-            </a:r>
-            <a:r>
-              <a:rPr lang="vi-VN" baseline="0" dirty="0" smtClean="0"/>
-              <a:t> dữ liệu sẽ được tự động lưu trữ và tự động gửi lại khi việc kết nối thành công.</a:t>
+              <a:t>Trước hết. Điện thoại cần phải được pair với đồng hồ qua giao thức bluetooth.</a:t>
             </a:r>
             <a:endParaRPr lang="en-US" dirty="0"/>
           </a:p>
@@ -940,7 +1220,7 @@
     </p:spTree>
     <p:extLst>
       <p:ext uri="{BB962C8B-B14F-4D97-AF65-F5344CB8AC3E}">
-        <p14:creationId xmlns:p14="http://schemas.microsoft.com/office/powerpoint/2010/main" val="65743516"/>
+        <p14:creationId xmlns:p14="http://schemas.microsoft.com/office/powerpoint/2010/main" val="855710681"/>
       </p:ext>
     </p:extLst>
   </p:cSld>
@@ -996,7 +1276,7 @@
           <a:p>
             <a:r>
               <a:rPr lang="vi-VN" dirty="0" smtClean="0"/>
-              <a:t>DataAPI dùng để gửi nhận các file có kích thước lớn hơn 1MB, tuy nhiên không đảm bảo tính tin cậy như MessageAPI</a:t>
+              <a:t>Trước hết. Điện thoại cần phải được pair với đồng hồ qua giao thức bluetooth.</a:t>
             </a:r>
             <a:endParaRPr lang="en-US" dirty="0"/>
           </a:p>
@@ -1028,7 +1308,7 @@
     </p:spTree>
     <p:extLst>
       <p:ext uri="{BB962C8B-B14F-4D97-AF65-F5344CB8AC3E}">
-        <p14:creationId xmlns:p14="http://schemas.microsoft.com/office/powerpoint/2010/main" val="218218548"/>
+        <p14:creationId xmlns:p14="http://schemas.microsoft.com/office/powerpoint/2010/main" val="855710681"/>
       </p:ext>
     </p:extLst>
   </p:cSld>
@@ -1084,7 +1364,7 @@
           <a:p>
             <a:r>
               <a:rPr lang="vi-VN" dirty="0" smtClean="0"/>
-              <a:t>Gói thông tin gửi nhận được đóng gói qua DataMap </a:t>
+              <a:t>Trước hết. Điện thoại cần phải được pair với đồng hồ qua giao thức bluetooth.</a:t>
             </a:r>
             <a:endParaRPr lang="en-US" dirty="0"/>
           </a:p>
@@ -1116,7 +1396,7 @@
     </p:spTree>
     <p:extLst>
       <p:ext uri="{BB962C8B-B14F-4D97-AF65-F5344CB8AC3E}">
-        <p14:creationId xmlns:p14="http://schemas.microsoft.com/office/powerpoint/2010/main" val="801273836"/>
+        <p14:creationId xmlns:p14="http://schemas.microsoft.com/office/powerpoint/2010/main" val="855710681"/>
       </p:ext>
     </p:extLst>
   </p:cSld>
@@ -1170,6 +1450,26 @@
           <a:bodyPr/>
           <a:lstStyle/>
           <a:p>
+            <a:r>
+              <a:rPr lang="vi-VN" dirty="0" smtClean="0"/>
+              <a:t>Việc trao nhận dữ liệu có thể sử dụng MessageAPI. </a:t>
+            </a:r>
+          </a:p>
+          <a:p>
+            <a:r>
+              <a:rPr lang="vi-VN" dirty="0" smtClean="0"/>
+              <a:t>MessageAPI là một giao thức tin cậy. </a:t>
+            </a:r>
+          </a:p>
+          <a:p>
+            <a:r>
+              <a:rPr lang="vi-VN" dirty="0" smtClean="0"/>
+              <a:t>Khi điện thoai và đồng hồ mất kết nối,</a:t>
+            </a:r>
+            <a:r>
+              <a:rPr lang="vi-VN" baseline="0" dirty="0" smtClean="0"/>
+              <a:t> dữ liệu sẽ được tự động lưu trữ và tự động gửi lại khi việc kết nối thành công.</a:t>
+            </a:r>
             <a:endParaRPr lang="en-US" dirty="0"/>
           </a:p>
         </p:txBody>
@@ -1200,7 +1500,111 @@
     </p:spTree>
     <p:extLst>
       <p:ext uri="{BB962C8B-B14F-4D97-AF65-F5344CB8AC3E}">
-        <p14:creationId xmlns:p14="http://schemas.microsoft.com/office/powerpoint/2010/main" val="1993064984"/>
+        <p14:creationId xmlns:p14="http://schemas.microsoft.com/office/powerpoint/2010/main" val="65743516"/>
+      </p:ext>
+    </p:extLst>
+  </p:cSld>
+  <p:clrMapOvr>
+    <a:masterClrMapping/>
+  </p:clrMapOvr>
+</p:notes>
+</file>
+
+<file path=ppt/notesSlides/notesSlide9.xml><?xml version="1.0" encoding="utf-8"?>
+<p:notes xmlns:a="http://schemas.openxmlformats.org/drawingml/2006/main" xmlns:r="http://schemas.openxmlformats.org/officeDocument/2006/relationships" xmlns:p="http://schemas.openxmlformats.org/presentationml/2006/main">
+  <p:cSld>
+    <p:spTree>
+      <p:nvGrpSpPr>
+        <p:cNvPr id="1" name=""/>
+        <p:cNvGrpSpPr/>
+        <p:nvPr/>
+      </p:nvGrpSpPr>
+      <p:grpSpPr>
+        <a:xfrm>
+          <a:off x="0" y="0"/>
+          <a:ext cx="0" cy="0"/>
+          <a:chOff x="0" y="0"/>
+          <a:chExt cx="0" cy="0"/>
+        </a:xfrm>
+      </p:grpSpPr>
+      <p:sp>
+        <p:nvSpPr>
+          <p:cNvPr id="2" name="Slide Image Placeholder 1"/>
+          <p:cNvSpPr>
+            <a:spLocks noGrp="1" noRot="1" noChangeAspect="1"/>
+          </p:cNvSpPr>
+          <p:nvPr>
+            <p:ph type="sldImg"/>
+          </p:nvPr>
+        </p:nvSpPr>
+        <p:spPr/>
+      </p:sp>
+      <p:sp>
+        <p:nvSpPr>
+          <p:cNvPr id="3" name="Notes Placeholder 2"/>
+          <p:cNvSpPr>
+            <a:spLocks noGrp="1"/>
+          </p:cNvSpPr>
+          <p:nvPr>
+            <p:ph type="body" idx="1"/>
+          </p:nvPr>
+        </p:nvSpPr>
+        <p:spPr/>
+        <p:txBody>
+          <a:bodyPr/>
+          <a:lstStyle/>
+          <a:p>
+            <a:r>
+              <a:rPr lang="vi-VN" dirty="0" smtClean="0"/>
+              <a:t>Việc trao nhận dữ liệu có thể sử dụng MessageAPI. </a:t>
+            </a:r>
+          </a:p>
+          <a:p>
+            <a:r>
+              <a:rPr lang="vi-VN" dirty="0" smtClean="0"/>
+              <a:t>MessageAPI là một giao thức tin cậy. </a:t>
+            </a:r>
+          </a:p>
+          <a:p>
+            <a:r>
+              <a:rPr lang="vi-VN" dirty="0" smtClean="0"/>
+              <a:t>Khi điện thoai và đồng hồ mất kết nối,</a:t>
+            </a:r>
+            <a:r>
+              <a:rPr lang="vi-VN" baseline="0" dirty="0" smtClean="0"/>
+              <a:t> dữ liệu sẽ được tự động lưu trữ và tự động gửi lại khi việc kết nối thành công.</a:t>
+            </a:r>
+            <a:endParaRPr lang="en-US" dirty="0"/>
+          </a:p>
+        </p:txBody>
+      </p:sp>
+      <p:sp>
+        <p:nvSpPr>
+          <p:cNvPr id="4" name="Slide Number Placeholder 3"/>
+          <p:cNvSpPr>
+            <a:spLocks noGrp="1"/>
+          </p:cNvSpPr>
+          <p:nvPr>
+            <p:ph type="sldNum" sz="quarter" idx="10"/>
+          </p:nvPr>
+        </p:nvSpPr>
+        <p:spPr/>
+        <p:txBody>
+          <a:bodyPr/>
+          <a:lstStyle/>
+          <a:p>
+            <a:fld id="{91FD8968-C20D-B548-8F38-158084641085}" type="slidenum">
+              <a:rPr lang="en-US" smtClean="0"/>
+              <a:t>9</a:t>
+            </a:fld>
+            <a:endParaRPr lang="en-US"/>
+          </a:p>
+        </p:txBody>
+      </p:sp>
+    </p:spTree>
+    <p:extLst>
+      <p:ext uri="{BB962C8B-B14F-4D97-AF65-F5344CB8AC3E}">
+        <p14:creationId xmlns:p14="http://schemas.microsoft.com/office/powerpoint/2010/main" val="65743516"/>
       </p:ext>
     </p:extLst>
   </p:cSld>
@@ -1341,7 +1745,7 @@
           <a:p>
             <a:fld id="{94B1E4EC-92D8-4A33-94B0-5CDDBDDA3BE9}" type="datetimeFigureOut">
               <a:rPr lang="en-US" smtClean="0"/>
-              <a:t>12/11/15</a:t>
+              <a:t>12/12/2015</a:t>
             </a:fld>
             <a:endParaRPr lang="en-US"/>
           </a:p>
@@ -1511,7 +1915,7 @@
           <a:p>
             <a:fld id="{94B1E4EC-92D8-4A33-94B0-5CDDBDDA3BE9}" type="datetimeFigureOut">
               <a:rPr lang="en-US" smtClean="0"/>
-              <a:t>12/11/15</a:t>
+              <a:t>12/12/2015</a:t>
             </a:fld>
             <a:endParaRPr lang="en-US"/>
           </a:p>
@@ -1691,7 +2095,7 @@
           <a:p>
             <a:fld id="{94B1E4EC-92D8-4A33-94B0-5CDDBDDA3BE9}" type="datetimeFigureOut">
               <a:rPr lang="en-US" smtClean="0"/>
-              <a:t>12/11/15</a:t>
+              <a:t>12/12/2015</a:t>
             </a:fld>
             <a:endParaRPr lang="en-US"/>
           </a:p>
@@ -2156,7 +2560,7 @@
           <a:p>
             <a:fld id="{94B1E4EC-92D8-4A33-94B0-5CDDBDDA3BE9}" type="datetimeFigureOut">
               <a:rPr lang="en-US" smtClean="0"/>
-              <a:t>12/11/15</a:t>
+              <a:t>12/12/2015</a:t>
             </a:fld>
             <a:endParaRPr lang="en-US"/>
           </a:p>
@@ -2400,7 +2804,7 @@
           <a:p>
             <a:fld id="{94B1E4EC-92D8-4A33-94B0-5CDDBDDA3BE9}" type="datetimeFigureOut">
               <a:rPr lang="en-US" smtClean="0"/>
-              <a:t>12/11/15</a:t>
+              <a:t>12/12/2015</a:t>
             </a:fld>
             <a:endParaRPr lang="en-US"/>
           </a:p>
@@ -2632,7 +3036,7 @@
           <a:p>
             <a:fld id="{94B1E4EC-92D8-4A33-94B0-5CDDBDDA3BE9}" type="datetimeFigureOut">
               <a:rPr lang="en-US" smtClean="0"/>
-              <a:t>12/11/15</a:t>
+              <a:t>12/12/2015</a:t>
             </a:fld>
             <a:endParaRPr lang="en-US"/>
           </a:p>
@@ -2999,7 +3403,7 @@
           <a:p>
             <a:fld id="{94B1E4EC-92D8-4A33-94B0-5CDDBDDA3BE9}" type="datetimeFigureOut">
               <a:rPr lang="en-US" smtClean="0"/>
-              <a:t>12/11/15</a:t>
+              <a:t>12/12/2015</a:t>
             </a:fld>
             <a:endParaRPr lang="en-US"/>
           </a:p>
@@ -3117,7 +3521,7 @@
           <a:p>
             <a:fld id="{94B1E4EC-92D8-4A33-94B0-5CDDBDDA3BE9}" type="datetimeFigureOut">
               <a:rPr lang="en-US" smtClean="0"/>
-              <a:t>12/11/15</a:t>
+              <a:t>12/12/2015</a:t>
             </a:fld>
             <a:endParaRPr lang="en-US"/>
           </a:p>
@@ -3212,7 +3616,7 @@
           <a:p>
             <a:fld id="{94B1E4EC-92D8-4A33-94B0-5CDDBDDA3BE9}" type="datetimeFigureOut">
               <a:rPr lang="en-US" smtClean="0"/>
-              <a:t>12/11/15</a:t>
+              <a:t>12/12/2015</a:t>
             </a:fld>
             <a:endParaRPr lang="en-US"/>
           </a:p>
@@ -3489,7 +3893,7 @@
           <a:p>
             <a:fld id="{94B1E4EC-92D8-4A33-94B0-5CDDBDDA3BE9}" type="datetimeFigureOut">
               <a:rPr lang="en-US" smtClean="0"/>
-              <a:t>12/11/15</a:t>
+              <a:t>12/12/2015</a:t>
             </a:fld>
             <a:endParaRPr lang="en-US"/>
           </a:p>
@@ -3746,7 +4150,7 @@
           <a:p>
             <a:fld id="{94B1E4EC-92D8-4A33-94B0-5CDDBDDA3BE9}" type="datetimeFigureOut">
               <a:rPr lang="en-US" smtClean="0"/>
-              <a:t>12/11/15</a:t>
+              <a:t>12/12/2015</a:t>
             </a:fld>
             <a:endParaRPr lang="en-US"/>
           </a:p>
@@ -3959,7 +4363,7 @@
           <a:p>
             <a:fld id="{94B1E4EC-92D8-4A33-94B0-5CDDBDDA3BE9}" type="datetimeFigureOut">
               <a:rPr lang="en-US" smtClean="0"/>
-              <a:t>12/11/15</a:t>
+              <a:t>12/12/2015</a:t>
             </a:fld>
             <a:endParaRPr lang="en-US"/>
           </a:p>
@@ -4424,6 +4828,7 @@
                 <a:solidFill>
                   <a:schemeClr val="bg1"/>
                 </a:solidFill>
+                <a:latin typeface="Cambria" pitchFamily="18" charset="0"/>
               </a:rPr>
               <a:t>Problem</a:t>
             </a:r>
@@ -4431,6 +4836,7 @@
               <a:solidFill>
                 <a:schemeClr val="bg1"/>
               </a:solidFill>
+              <a:latin typeface="Cambria" pitchFamily="18" charset="0"/>
             </a:endParaRPr>
           </a:p>
         </p:txBody>
@@ -4444,7 +4850,7 @@
         <p:spPr>
           <a:xfrm>
             <a:off x="457200" y="2071302"/>
-            <a:ext cx="7772400" cy="1569660"/>
+            <a:ext cx="8318090" cy="1569660"/>
           </a:xfrm>
           <a:prstGeom prst="rect">
             <a:avLst/>
@@ -4458,37 +4864,53 @@
           <a:lstStyle/>
           <a:p>
             <a:r>
-              <a:rPr lang="en-US" sz="2400" dirty="0"/>
+              <a:rPr lang="en-US" sz="2400" dirty="0">
+                <a:latin typeface="Cambria" pitchFamily="18" charset="0"/>
+              </a:rPr>
               <a:t>Now, Mr. </a:t>
             </a:r>
             <a:r>
-              <a:rPr lang="en-US" sz="2400" dirty="0" err="1" smtClean="0"/>
+              <a:rPr lang="en-US" sz="2400" dirty="0" err="1" smtClean="0">
+                <a:latin typeface="Cambria" pitchFamily="18" charset="0"/>
+              </a:rPr>
               <a:t>Khuong</a:t>
             </a:r>
             <a:r>
-              <a:rPr lang="en-US" sz="2400" dirty="0" smtClean="0"/>
+              <a:rPr lang="en-US" sz="2400" dirty="0" smtClean="0">
+                <a:latin typeface="Cambria" pitchFamily="18" charset="0"/>
+              </a:rPr>
               <a:t> </a:t>
             </a:r>
             <a:r>
-              <a:rPr lang="en-US" sz="2400" dirty="0"/>
+              <a:rPr lang="en-US" sz="2400" dirty="0">
+                <a:latin typeface="Cambria" pitchFamily="18" charset="0"/>
+              </a:rPr>
               <a:t>has application, which help him to know what he should do.</a:t>
             </a:r>
           </a:p>
           <a:p>
             <a:r>
-              <a:rPr lang="en-US" sz="2400" dirty="0"/>
+              <a:rPr lang="en-US" sz="2400" dirty="0">
+                <a:latin typeface="Cambria" pitchFamily="18" charset="0"/>
+              </a:rPr>
               <a:t>But theft is everywhere. And Mr. </a:t>
             </a:r>
             <a:r>
-              <a:rPr lang="en-US" sz="2400" dirty="0" err="1" smtClean="0"/>
+              <a:rPr lang="en-US" sz="2400" dirty="0" err="1" smtClean="0">
+                <a:latin typeface="Cambria" pitchFamily="18" charset="0"/>
+              </a:rPr>
               <a:t>Khuong</a:t>
             </a:r>
             <a:r>
-              <a:rPr lang="en-US" sz="2400" dirty="0" smtClean="0"/>
+              <a:rPr lang="en-US" sz="2400" dirty="0" smtClean="0">
+                <a:latin typeface="Cambria" pitchFamily="18" charset="0"/>
+              </a:rPr>
               <a:t>  </a:t>
             </a:r>
             <a:r>
-              <a:rPr lang="en-US" sz="2400" dirty="0"/>
+              <a:rPr lang="en-US" sz="2400" dirty="0">
+                <a:latin typeface="Cambria" pitchFamily="18" charset="0"/>
+              </a:rPr>
               <a:t>is timid, suspicious, afraid man. He doesn’t want to lost his mobile.</a:t>
             </a:r>
           </a:p>
@@ -4545,10 +4967,17 @@
   <p:clrMapOvr>
     <a:masterClrMapping/>
   </p:clrMapOvr>
+  <p:timing>
+    <p:tnLst>
+      <p:par>
+        <p:cTn id="1" dur="indefinite" restart="never" nodeType="tmRoot"/>
+      </p:par>
+    </p:tnLst>
+  </p:timing>
 </p:sld>
 </file>
 
-<file path=ppt/slides/slide2.xml><?xml version="1.0" encoding="utf-8"?>
+<file path=ppt/slides/slide10.xml><?xml version="1.0" encoding="utf-8"?>
 <p:sld xmlns:a="http://schemas.openxmlformats.org/drawingml/2006/main" xmlns:r="http://schemas.openxmlformats.org/officeDocument/2006/relationships" xmlns:p="http://schemas.openxmlformats.org/presentationml/2006/main">
   <p:cSld>
     <p:spTree>
@@ -4587,7 +5016,7 @@
                 </a:solidFill>
               </a:rPr>
               <a:pPr/>
-              <a:t>2</a:t>
+              <a:t>10</a:t>
             </a:fld>
             <a:endParaRPr lang="en">
               <a:solidFill>
@@ -4606,7 +5035,7 @@
         <p:spPr>
           <a:xfrm>
             <a:off x="457200" y="676870"/>
-            <a:ext cx="2685351" cy="923330"/>
+            <a:ext cx="3877985" cy="923330"/>
           </a:xfrm>
           <a:prstGeom prst="rect">
             <a:avLst/>
@@ -4624,27 +5053,107 @@
                 <a:solidFill>
                   <a:schemeClr val="bg1"/>
                 </a:solidFill>
+                <a:latin typeface="Cambria" pitchFamily="18" charset="0"/>
               </a:rPr>
-              <a:t>Solution</a:t>
+              <a:t>Architecture</a:t>
             </a:r>
             <a:endParaRPr lang="en-US" sz="5400" dirty="0">
               <a:solidFill>
                 <a:schemeClr val="bg1"/>
               </a:solidFill>
+              <a:latin typeface="Cambria" pitchFamily="18" charset="0"/>
             </a:endParaRPr>
           </a:p>
         </p:txBody>
       </p:sp>
-      <p:sp>
-        <p:nvSpPr>
-          <p:cNvPr id="5" name="TextBox 4"/>
+      <p:pic>
+        <p:nvPicPr>
+          <p:cNvPr id="9" name="Picture 8" descr="http://imshopping.rediff.com/imgshop/800-1280/shopping/pixs/3777/g/greenberry_z8._greenberry-z8-mobile-quad-core-processor-dual-sim.jpg"/>
+          <p:cNvPicPr>
+            <a:picLocks noChangeAspect="1" noChangeArrowheads="1"/>
+          </p:cNvPicPr>
+          <p:nvPr/>
+        </p:nvPicPr>
+        <p:blipFill>
+          <a:blip r:embed="rId3" cstate="print">
+            <a:extLst>
+              <a:ext uri="{28A0092B-C50C-407E-A947-70E740481C1C}">
+                <a14:useLocalDpi xmlns:a14="http://schemas.microsoft.com/office/drawing/2010/main" val="0"/>
+              </a:ext>
+            </a:extLst>
+          </a:blip>
+          <a:srcRect/>
+          <a:stretch>
+            <a:fillRect/>
+          </a:stretch>
+        </p:blipFill>
+        <p:spPr bwMode="auto">
+          <a:xfrm>
+            <a:off x="457199" y="2244473"/>
+            <a:ext cx="1727565" cy="1727565"/>
+          </a:xfrm>
+          <a:prstGeom prst="rect">
+            <a:avLst/>
+          </a:prstGeom>
+          <a:noFill/>
+          <a:extLst>
+            <a:ext uri="{909E8E84-426E-40DD-AFC4-6F175D3DCCD1}">
+              <a14:hiddenFill xmlns:a14="http://schemas.microsoft.com/office/drawing/2010/main">
+                <a:solidFill>
+                  <a:srgbClr val="FFFFFF"/>
+                </a:solidFill>
+              </a14:hiddenFill>
+            </a:ext>
+          </a:extLst>
+        </p:spPr>
+      </p:pic>
+      <p:cxnSp>
+        <p:nvCxnSpPr>
+          <p:cNvPr id="10" name="Straight Arrow Connector 9"/>
+          <p:cNvCxnSpPr/>
+          <p:nvPr/>
+        </p:nvCxnSpPr>
+        <p:spPr>
+          <a:xfrm flipH="1">
+            <a:off x="2275942" y="3108256"/>
+            <a:ext cx="2509999" cy="0"/>
+          </a:xfrm>
+          <a:prstGeom prst="straightConnector1">
+            <a:avLst/>
+          </a:prstGeom>
+          <a:ln w="38100">
+            <a:solidFill>
+              <a:schemeClr val="tx1"/>
+            </a:solidFill>
+            <a:headEnd type="arrow" w="med" len="med"/>
+            <a:tailEnd type="none" w="med" len="med"/>
+          </a:ln>
+        </p:spPr>
+        <p:style>
+          <a:lnRef idx="1">
+            <a:schemeClr val="accent1"/>
+          </a:lnRef>
+          <a:fillRef idx="0">
+            <a:schemeClr val="accent1"/>
+          </a:fillRef>
+          <a:effectRef idx="0">
+            <a:schemeClr val="accent1"/>
+          </a:effectRef>
+          <a:fontRef idx="minor">
+            <a:schemeClr val="tx1"/>
+          </a:fontRef>
+        </p:style>
+      </p:cxnSp>
+      <p:sp>
+        <p:nvSpPr>
+          <p:cNvPr id="11" name="TextBox 10"/>
           <p:cNvSpPr txBox="1"/>
           <p:nvPr/>
         </p:nvSpPr>
         <p:spPr>
           <a:xfrm>
-            <a:off x="457200" y="2071302"/>
-            <a:ext cx="7772400" cy="830997"/>
+            <a:off x="2396191" y="2590730"/>
+            <a:ext cx="1840568" cy="461665"/>
           </a:xfrm>
           <a:prstGeom prst="rect">
             <a:avLst/>
@@ -4652,39 +5161,369 @@
           <a:noFill/>
         </p:spPr>
         <p:txBody>
-          <a:bodyPr wrap="square" rtlCol="0">
+          <a:bodyPr wrap="none" rtlCol="0">
             <a:spAutoFit/>
           </a:bodyPr>
           <a:lstStyle/>
           <a:p>
             <a:r>
-              <a:rPr lang="en-US" sz="2400" dirty="0"/>
-              <a:t>Provide application on smart wear. </a:t>
-            </a:r>
-          </a:p>
-          <a:p>
-            <a:r>
-              <a:rPr lang="en-US" sz="2400" dirty="0"/>
-              <a:t>Help user view map and see notification.</a:t>
-            </a:r>
-            <a:endParaRPr lang="en-US" sz="2400" dirty="0"/>
+              <a:rPr lang="en-US" sz="2400" dirty="0" smtClean="0">
+                <a:latin typeface="Cambria" pitchFamily="18" charset="0"/>
+              </a:rPr>
+              <a:t>Message API</a:t>
+            </a:r>
+            <a:endParaRPr lang="en-US" sz="2400" dirty="0">
+              <a:latin typeface="Cambria" pitchFamily="18" charset="0"/>
+            </a:endParaRPr>
+          </a:p>
+        </p:txBody>
+      </p:sp>
+      <p:sp>
+        <p:nvSpPr>
+          <p:cNvPr id="3" name="Rectangle 2"/>
+          <p:cNvSpPr/>
+          <p:nvPr/>
+        </p:nvSpPr>
+        <p:spPr>
+          <a:xfrm>
+            <a:off x="5107367" y="1822473"/>
+            <a:ext cx="3505690" cy="2873885"/>
+          </a:xfrm>
+          <a:prstGeom prst="rect">
+            <a:avLst/>
+          </a:prstGeom>
+          <a:noFill/>
+        </p:spPr>
+        <p:style>
+          <a:lnRef idx="2">
+            <a:schemeClr val="accent1">
+              <a:shade val="50000"/>
+            </a:schemeClr>
+          </a:lnRef>
+          <a:fillRef idx="1">
+            <a:schemeClr val="accent1"/>
+          </a:fillRef>
+          <a:effectRef idx="0">
+            <a:schemeClr val="accent1"/>
+          </a:effectRef>
+          <a:fontRef idx="minor">
+            <a:schemeClr val="lt1"/>
+          </a:fontRef>
+        </p:style>
+        <p:txBody>
+          <a:bodyPr rtlCol="0" anchor="ctr"/>
+          <a:lstStyle/>
+          <a:p>
+            <a:pPr algn="ctr"/>
+            <a:endParaRPr lang="en-US"/>
+          </a:p>
+        </p:txBody>
+      </p:sp>
+      <p:sp>
+        <p:nvSpPr>
+          <p:cNvPr id="6" name="Flowchart: Magnetic Disk 5"/>
+          <p:cNvSpPr/>
+          <p:nvPr/>
+        </p:nvSpPr>
+        <p:spPr>
+          <a:xfrm>
+            <a:off x="5338917" y="2244473"/>
+            <a:ext cx="1150374" cy="2165295"/>
+          </a:xfrm>
+          <a:prstGeom prst="flowChartMagneticDisk">
+            <a:avLst/>
+          </a:prstGeom>
+          <a:solidFill>
+            <a:schemeClr val="bg2">
+              <a:lumMod val="90000"/>
+            </a:schemeClr>
+          </a:solidFill>
+        </p:spPr>
+        <p:style>
+          <a:lnRef idx="2">
+            <a:schemeClr val="accent1">
+              <a:shade val="50000"/>
+            </a:schemeClr>
+          </a:lnRef>
+          <a:fillRef idx="1">
+            <a:schemeClr val="accent1"/>
+          </a:fillRef>
+          <a:effectRef idx="0">
+            <a:schemeClr val="accent1"/>
+          </a:effectRef>
+          <a:fontRef idx="minor">
+            <a:schemeClr val="lt1"/>
+          </a:fontRef>
+        </p:style>
+        <p:txBody>
+          <a:bodyPr rtlCol="0" anchor="ctr"/>
+          <a:lstStyle/>
+          <a:p>
+            <a:pPr algn="ctr"/>
+            <a:r>
+              <a:rPr lang="en-US" b="1" dirty="0" smtClean="0">
+                <a:solidFill>
+                  <a:srgbClr val="FF0000"/>
+                </a:solidFill>
+                <a:latin typeface="Cambria" pitchFamily="18" charset="0"/>
+              </a:rPr>
+              <a:t>Data layer service</a:t>
+            </a:r>
+            <a:endParaRPr lang="en-US" b="1" dirty="0">
+              <a:solidFill>
+                <a:srgbClr val="FF0000"/>
+              </a:solidFill>
+              <a:latin typeface="Cambria" pitchFamily="18" charset="0"/>
+            </a:endParaRPr>
+          </a:p>
+        </p:txBody>
+      </p:sp>
+      <p:sp>
+        <p:nvSpPr>
+          <p:cNvPr id="7" name="Rectangle 6"/>
+          <p:cNvSpPr/>
+          <p:nvPr/>
+        </p:nvSpPr>
+        <p:spPr>
+          <a:xfrm>
+            <a:off x="7123470" y="2244474"/>
+            <a:ext cx="1327355" cy="690456"/>
+          </a:xfrm>
+          <a:prstGeom prst="rect">
+            <a:avLst/>
+          </a:prstGeom>
+          <a:solidFill>
+            <a:schemeClr val="bg2">
+              <a:lumMod val="90000"/>
+            </a:schemeClr>
+          </a:solidFill>
+        </p:spPr>
+        <p:style>
+          <a:lnRef idx="2">
+            <a:schemeClr val="accent1">
+              <a:shade val="50000"/>
+            </a:schemeClr>
+          </a:lnRef>
+          <a:fillRef idx="1">
+            <a:schemeClr val="accent1"/>
+          </a:fillRef>
+          <a:effectRef idx="0">
+            <a:schemeClr val="accent1"/>
+          </a:effectRef>
+          <a:fontRef idx="minor">
+            <a:schemeClr val="lt1"/>
+          </a:fontRef>
+        </p:style>
+        <p:txBody>
+          <a:bodyPr rtlCol="0" anchor="ctr"/>
+          <a:lstStyle/>
+          <a:p>
+            <a:pPr algn="ctr"/>
+            <a:r>
+              <a:rPr lang="en-US" b="1" dirty="0" smtClean="0">
+                <a:solidFill>
+                  <a:srgbClr val="FF0000"/>
+                </a:solidFill>
+                <a:latin typeface="Cambria" pitchFamily="18" charset="0"/>
+              </a:rPr>
+              <a:t>Activity</a:t>
+            </a:r>
+            <a:endParaRPr lang="en-US" b="1" dirty="0">
+              <a:solidFill>
+                <a:srgbClr val="FF0000"/>
+              </a:solidFill>
+              <a:latin typeface="Cambria" pitchFamily="18" charset="0"/>
+            </a:endParaRPr>
+          </a:p>
+        </p:txBody>
+      </p:sp>
+      <p:sp>
+        <p:nvSpPr>
+          <p:cNvPr id="12" name="Oval 11"/>
+          <p:cNvSpPr/>
+          <p:nvPr/>
+        </p:nvSpPr>
+        <p:spPr>
+          <a:xfrm>
+            <a:off x="2751698" y="3196441"/>
+            <a:ext cx="564777" cy="564777"/>
+          </a:xfrm>
+          <a:prstGeom prst="ellipse">
+            <a:avLst/>
+          </a:prstGeom>
+        </p:spPr>
+        <p:style>
+          <a:lnRef idx="2">
+            <a:schemeClr val="accent1">
+              <a:shade val="50000"/>
+            </a:schemeClr>
+          </a:lnRef>
+          <a:fillRef idx="1">
+            <a:schemeClr val="accent1"/>
+          </a:fillRef>
+          <a:effectRef idx="0">
+            <a:schemeClr val="accent1"/>
+          </a:effectRef>
+          <a:fontRef idx="minor">
+            <a:schemeClr val="lt1"/>
+          </a:fontRef>
+        </p:style>
+        <p:txBody>
+          <a:bodyPr rtlCol="0" anchor="ctr"/>
+          <a:lstStyle/>
+          <a:p>
+            <a:pPr algn="ctr"/>
+            <a:r>
+              <a:rPr lang="en-US" sz="2400" b="1" dirty="0" smtClean="0">
+                <a:latin typeface="Cambria" pitchFamily="18" charset="0"/>
+              </a:rPr>
+              <a:t>1</a:t>
+            </a:r>
+            <a:endParaRPr lang="en-US" sz="2400" b="1" dirty="0">
+              <a:latin typeface="Cambria" pitchFamily="18" charset="0"/>
+            </a:endParaRPr>
+          </a:p>
+        </p:txBody>
+      </p:sp>
+      <p:sp>
+        <p:nvSpPr>
+          <p:cNvPr id="13" name="TextBox 12"/>
+          <p:cNvSpPr txBox="1"/>
+          <p:nvPr/>
+        </p:nvSpPr>
+        <p:spPr>
+          <a:xfrm>
+            <a:off x="2590859" y="2221398"/>
+            <a:ext cx="1327608" cy="461665"/>
+          </a:xfrm>
+          <a:prstGeom prst="rect">
+            <a:avLst/>
+          </a:prstGeom>
+          <a:noFill/>
+        </p:spPr>
+        <p:txBody>
+          <a:bodyPr wrap="none" rtlCol="0">
+            <a:spAutoFit/>
+          </a:bodyPr>
+          <a:lstStyle/>
+          <a:p>
+            <a:r>
+              <a:rPr lang="en-US" sz="2400" dirty="0">
+                <a:latin typeface="Cambria" pitchFamily="18" charset="0"/>
+              </a:rPr>
+              <a:t>Data API</a:t>
+            </a:r>
+            <a:endParaRPr lang="en-US" sz="2400" dirty="0">
+              <a:latin typeface="Cambria" pitchFamily="18" charset="0"/>
+            </a:endParaRPr>
+          </a:p>
+        </p:txBody>
+      </p:sp>
+      <p:cxnSp>
+        <p:nvCxnSpPr>
+          <p:cNvPr id="8" name="Straight Arrow Connector 7"/>
+          <p:cNvCxnSpPr/>
+          <p:nvPr/>
+        </p:nvCxnSpPr>
+        <p:spPr>
+          <a:xfrm>
+            <a:off x="6489291" y="2683063"/>
+            <a:ext cx="634179" cy="0"/>
+          </a:xfrm>
+          <a:prstGeom prst="straightConnector1">
+            <a:avLst/>
+          </a:prstGeom>
+          <a:ln w="38100">
+            <a:solidFill>
+              <a:schemeClr val="tx1"/>
+            </a:solidFill>
+            <a:tailEnd type="arrow"/>
+          </a:ln>
+        </p:spPr>
+        <p:style>
+          <a:lnRef idx="1">
+            <a:schemeClr val="accent1"/>
+          </a:lnRef>
+          <a:fillRef idx="0">
+            <a:schemeClr val="accent1"/>
+          </a:fillRef>
+          <a:effectRef idx="0">
+            <a:schemeClr val="accent1"/>
+          </a:effectRef>
+          <a:fontRef idx="minor">
+            <a:schemeClr val="tx1"/>
+          </a:fontRef>
+        </p:style>
+      </p:cxnSp>
+      <p:sp>
+        <p:nvSpPr>
+          <p:cNvPr id="17" name="Oval 16"/>
+          <p:cNvSpPr/>
+          <p:nvPr/>
+        </p:nvSpPr>
+        <p:spPr>
+          <a:xfrm>
+            <a:off x="6489291" y="1962085"/>
+            <a:ext cx="564777" cy="564777"/>
+          </a:xfrm>
+          <a:prstGeom prst="ellipse">
+            <a:avLst/>
+          </a:prstGeom>
+        </p:spPr>
+        <p:style>
+          <a:lnRef idx="2">
+            <a:schemeClr val="accent1">
+              <a:shade val="50000"/>
+            </a:schemeClr>
+          </a:lnRef>
+          <a:fillRef idx="1">
+            <a:schemeClr val="accent1"/>
+          </a:fillRef>
+          <a:effectRef idx="0">
+            <a:schemeClr val="accent1"/>
+          </a:effectRef>
+          <a:fontRef idx="minor">
+            <a:schemeClr val="lt1"/>
+          </a:fontRef>
+        </p:style>
+        <p:txBody>
+          <a:bodyPr rtlCol="0" anchor="ctr"/>
+          <a:lstStyle/>
+          <a:p>
+            <a:pPr algn="ctr"/>
+            <a:r>
+              <a:rPr lang="en-US" sz="2400" b="1" dirty="0">
+                <a:latin typeface="Cambria" pitchFamily="18" charset="0"/>
+              </a:rPr>
+              <a:t>2</a:t>
+            </a:r>
+            <a:endParaRPr lang="en-US" sz="2400" b="1" dirty="0">
+              <a:latin typeface="Cambria" pitchFamily="18" charset="0"/>
+            </a:endParaRPr>
           </a:p>
         </p:txBody>
       </p:sp>
     </p:spTree>
     <p:extLst>
       <p:ext uri="{BB962C8B-B14F-4D97-AF65-F5344CB8AC3E}">
-        <p14:creationId xmlns:p14="http://schemas.microsoft.com/office/powerpoint/2010/main" val="1441161450"/>
+        <p14:creationId xmlns:p14="http://schemas.microsoft.com/office/powerpoint/2010/main" val="2964519313"/>
       </p:ext>
     </p:extLst>
   </p:cSld>
   <p:clrMapOvr>
     <a:masterClrMapping/>
   </p:clrMapOvr>
+  <p:timing>
+    <p:tnLst>
+      <p:par>
+        <p:cTn id="1" dur="indefinite" restart="never" nodeType="tmRoot"/>
+      </p:par>
+    </p:tnLst>
+  </p:timing>
 </p:sld>
 </file>
 
-<file path=ppt/slides/slide3.xml><?xml version="1.0" encoding="utf-8"?>
+<file path=ppt/slides/slide11.xml><?xml version="1.0" encoding="utf-8"?>
 <p:sld xmlns:a="http://schemas.openxmlformats.org/drawingml/2006/main" xmlns:r="http://schemas.openxmlformats.org/officeDocument/2006/relationships" xmlns:p="http://schemas.openxmlformats.org/presentationml/2006/main">
   <p:cSld>
     <p:spTree>
@@ -4723,7 +5562,7 @@
                 </a:solidFill>
               </a:rPr>
               <a:pPr/>
-              <a:t>3</a:t>
+              <a:t>11</a:t>
             </a:fld>
             <a:endParaRPr lang="en">
               <a:solidFill>
@@ -4760,6 +5599,7 @@
                 <a:solidFill>
                   <a:schemeClr val="bg1"/>
                 </a:solidFill>
+                <a:latin typeface="Cambria" pitchFamily="18" charset="0"/>
               </a:rPr>
               <a:t>Architecture</a:t>
             </a:r>
@@ -4767,49 +5607,21 @@
               <a:solidFill>
                 <a:schemeClr val="bg1"/>
               </a:solidFill>
+              <a:latin typeface="Cambria" pitchFamily="18" charset="0"/>
             </a:endParaRPr>
           </a:p>
         </p:txBody>
       </p:sp>
       <p:pic>
         <p:nvPicPr>
-          <p:cNvPr id="6" name="image2.jpg"/>
-          <p:cNvPicPr>
-            <a:picLocks noChangeAspect="1"/>
-          </p:cNvPicPr>
-          <p:nvPr/>
-        </p:nvPicPr>
-        <p:blipFill>
-          <a:blip r:embed="rId3">
-            <a:extLst/>
-          </a:blip>
-          <a:stretch>
-            <a:fillRect/>
-          </a:stretch>
-        </p:blipFill>
-        <p:spPr>
-          <a:xfrm>
-            <a:off x="6040942" y="3306318"/>
-            <a:ext cx="1326775" cy="1326775"/>
-          </a:xfrm>
-          <a:prstGeom prst="rect">
-            <a:avLst/>
-          </a:prstGeom>
-          <a:ln w="12700">
-            <a:miter lim="400000"/>
-          </a:ln>
-        </p:spPr>
-      </p:pic>
-      <p:pic>
-        <p:nvPicPr>
-          <p:cNvPr id="7" name="Picture 6" descr="http://imshopping.rediff.com/imgshop/800-1280/shopping/pixs/3777/g/greenberry_z8._greenberry-z8-mobile-quad-core-processor-dual-sim.jpg"/>
+          <p:cNvPr id="9" name="Picture 8" descr="http://imshopping.rediff.com/imgshop/800-1280/shopping/pixs/3777/g/greenberry_z8._greenberry-z8-mobile-quad-core-processor-dual-sim.jpg"/>
           <p:cNvPicPr>
             <a:picLocks noChangeAspect="1" noChangeArrowheads="1"/>
           </p:cNvPicPr>
           <p:nvPr/>
         </p:nvPicPr>
         <p:blipFill>
-          <a:blip r:embed="rId4" cstate="print">
+          <a:blip r:embed="rId3" cstate="print">
             <a:extLst>
               <a:ext uri="{28A0092B-C50C-407E-A947-70E740481C1C}">
                 <a14:useLocalDpi xmlns:a14="http://schemas.microsoft.com/office/drawing/2010/main" val="0"/>
@@ -4823,7 +5635,7 @@
         </p:blipFill>
         <p:spPr bwMode="auto">
           <a:xfrm>
-            <a:off x="1933125" y="3120917"/>
+            <a:off x="457199" y="2244473"/>
             <a:ext cx="1727565" cy="1727565"/>
           </a:xfrm>
           <a:prstGeom prst="rect">
@@ -4843,13 +5655,13 @@
       </p:pic>
       <p:cxnSp>
         <p:nvCxnSpPr>
-          <p:cNvPr id="8" name="Straight Arrow Connector 7"/>
+          <p:cNvPr id="10" name="Straight Arrow Connector 9"/>
           <p:cNvCxnSpPr/>
           <p:nvPr/>
         </p:nvCxnSpPr>
         <p:spPr>
           <a:xfrm flipH="1">
-            <a:off x="3530943" y="3972039"/>
+            <a:off x="2275942" y="3108256"/>
             <a:ext cx="2509999" cy="0"/>
           </a:xfrm>
           <a:prstGeom prst="straightConnector1">
@@ -4880,14 +5692,14 @@
       </p:cxnSp>
       <p:sp>
         <p:nvSpPr>
-          <p:cNvPr id="9" name="TextBox 8"/>
+          <p:cNvPr id="11" name="TextBox 10"/>
           <p:cNvSpPr txBox="1"/>
           <p:nvPr/>
         </p:nvSpPr>
         <p:spPr>
           <a:xfrm>
-            <a:off x="4300751" y="3590573"/>
-            <a:ext cx="542008" cy="369332"/>
+            <a:off x="2396191" y="2590730"/>
+            <a:ext cx="1840568" cy="461665"/>
           </a:xfrm>
           <a:prstGeom prst="rect">
             <a:avLst/>
@@ -4901,23 +5713,234 @@
           <a:lstStyle/>
           <a:p>
             <a:r>
-              <a:rPr lang="en-US" dirty="0" smtClean="0"/>
-              <a:t>Pair</a:t>
-            </a:r>
-            <a:endParaRPr lang="en-US" dirty="0"/>
-          </a:p>
-        </p:txBody>
-      </p:sp>
-      <p:sp>
-        <p:nvSpPr>
-          <p:cNvPr id="10" name="TextBox 9"/>
+              <a:rPr lang="en-US" sz="2400" dirty="0" smtClean="0">
+                <a:latin typeface="Cambria" pitchFamily="18" charset="0"/>
+              </a:rPr>
+              <a:t>Message API</a:t>
+            </a:r>
+            <a:endParaRPr lang="en-US" sz="2400" dirty="0">
+              <a:latin typeface="Cambria" pitchFamily="18" charset="0"/>
+            </a:endParaRPr>
+          </a:p>
+        </p:txBody>
+      </p:sp>
+      <p:sp>
+        <p:nvSpPr>
+          <p:cNvPr id="3" name="Rectangle 2"/>
+          <p:cNvSpPr/>
+          <p:nvPr/>
+        </p:nvSpPr>
+        <p:spPr>
+          <a:xfrm>
+            <a:off x="5107367" y="1822473"/>
+            <a:ext cx="3505690" cy="2873885"/>
+          </a:xfrm>
+          <a:prstGeom prst="rect">
+            <a:avLst/>
+          </a:prstGeom>
+          <a:noFill/>
+        </p:spPr>
+        <p:style>
+          <a:lnRef idx="2">
+            <a:schemeClr val="accent1">
+              <a:shade val="50000"/>
+            </a:schemeClr>
+          </a:lnRef>
+          <a:fillRef idx="1">
+            <a:schemeClr val="accent1"/>
+          </a:fillRef>
+          <a:effectRef idx="0">
+            <a:schemeClr val="accent1"/>
+          </a:effectRef>
+          <a:fontRef idx="minor">
+            <a:schemeClr val="lt1"/>
+          </a:fontRef>
+        </p:style>
+        <p:txBody>
+          <a:bodyPr rtlCol="0" anchor="ctr"/>
+          <a:lstStyle/>
+          <a:p>
+            <a:pPr algn="ctr"/>
+            <a:endParaRPr lang="en-US"/>
+          </a:p>
+        </p:txBody>
+      </p:sp>
+      <p:sp>
+        <p:nvSpPr>
+          <p:cNvPr id="6" name="Flowchart: Magnetic Disk 5"/>
+          <p:cNvSpPr/>
+          <p:nvPr/>
+        </p:nvSpPr>
+        <p:spPr>
+          <a:xfrm>
+            <a:off x="5338917" y="2244473"/>
+            <a:ext cx="1150374" cy="2165295"/>
+          </a:xfrm>
+          <a:prstGeom prst="flowChartMagneticDisk">
+            <a:avLst/>
+          </a:prstGeom>
+          <a:solidFill>
+            <a:schemeClr val="bg2">
+              <a:lumMod val="90000"/>
+            </a:schemeClr>
+          </a:solidFill>
+        </p:spPr>
+        <p:style>
+          <a:lnRef idx="2">
+            <a:schemeClr val="accent1">
+              <a:shade val="50000"/>
+            </a:schemeClr>
+          </a:lnRef>
+          <a:fillRef idx="1">
+            <a:schemeClr val="accent1"/>
+          </a:fillRef>
+          <a:effectRef idx="0">
+            <a:schemeClr val="accent1"/>
+          </a:effectRef>
+          <a:fontRef idx="minor">
+            <a:schemeClr val="lt1"/>
+          </a:fontRef>
+        </p:style>
+        <p:txBody>
+          <a:bodyPr rtlCol="0" anchor="ctr"/>
+          <a:lstStyle/>
+          <a:p>
+            <a:pPr algn="ctr"/>
+            <a:r>
+              <a:rPr lang="en-US" b="1" dirty="0" smtClean="0">
+                <a:solidFill>
+                  <a:srgbClr val="FF0000"/>
+                </a:solidFill>
+                <a:latin typeface="Cambria" pitchFamily="18" charset="0"/>
+              </a:rPr>
+              <a:t>Data layer service</a:t>
+            </a:r>
+            <a:endParaRPr lang="en-US" b="1" dirty="0">
+              <a:solidFill>
+                <a:srgbClr val="FF0000"/>
+              </a:solidFill>
+              <a:latin typeface="Cambria" pitchFamily="18" charset="0"/>
+            </a:endParaRPr>
+          </a:p>
+        </p:txBody>
+      </p:sp>
+      <p:sp>
+        <p:nvSpPr>
+          <p:cNvPr id="7" name="Rectangle 6"/>
+          <p:cNvSpPr/>
+          <p:nvPr/>
+        </p:nvSpPr>
+        <p:spPr>
+          <a:xfrm>
+            <a:off x="7123470" y="2244474"/>
+            <a:ext cx="1327355" cy="690456"/>
+          </a:xfrm>
+          <a:prstGeom prst="rect">
+            <a:avLst/>
+          </a:prstGeom>
+          <a:solidFill>
+            <a:schemeClr val="bg2">
+              <a:lumMod val="90000"/>
+            </a:schemeClr>
+          </a:solidFill>
+        </p:spPr>
+        <p:style>
+          <a:lnRef idx="2">
+            <a:schemeClr val="accent1">
+              <a:shade val="50000"/>
+            </a:schemeClr>
+          </a:lnRef>
+          <a:fillRef idx="1">
+            <a:schemeClr val="accent1"/>
+          </a:fillRef>
+          <a:effectRef idx="0">
+            <a:schemeClr val="accent1"/>
+          </a:effectRef>
+          <a:fontRef idx="minor">
+            <a:schemeClr val="lt1"/>
+          </a:fontRef>
+        </p:style>
+        <p:txBody>
+          <a:bodyPr rtlCol="0" anchor="ctr"/>
+          <a:lstStyle/>
+          <a:p>
+            <a:pPr algn="ctr"/>
+            <a:r>
+              <a:rPr lang="en-US" b="1" dirty="0" smtClean="0">
+                <a:solidFill>
+                  <a:srgbClr val="FF0000"/>
+                </a:solidFill>
+                <a:latin typeface="Cambria" pitchFamily="18" charset="0"/>
+              </a:rPr>
+              <a:t>Activity</a:t>
+            </a:r>
+            <a:endParaRPr lang="en-US" b="1" dirty="0">
+              <a:solidFill>
+                <a:srgbClr val="FF0000"/>
+              </a:solidFill>
+              <a:latin typeface="Cambria" pitchFamily="18" charset="0"/>
+            </a:endParaRPr>
+          </a:p>
+        </p:txBody>
+      </p:sp>
+      <p:sp>
+        <p:nvSpPr>
+          <p:cNvPr id="12" name="Oval 11"/>
+          <p:cNvSpPr/>
+          <p:nvPr/>
+        </p:nvSpPr>
+        <p:spPr>
+          <a:xfrm>
+            <a:off x="2751698" y="3196441"/>
+            <a:ext cx="564777" cy="564777"/>
+          </a:xfrm>
+          <a:prstGeom prst="ellipse">
+            <a:avLst/>
+          </a:prstGeom>
+        </p:spPr>
+        <p:style>
+          <a:lnRef idx="2">
+            <a:schemeClr val="accent1">
+              <a:shade val="50000"/>
+            </a:schemeClr>
+          </a:lnRef>
+          <a:fillRef idx="1">
+            <a:schemeClr val="accent1"/>
+          </a:fillRef>
+          <a:effectRef idx="0">
+            <a:schemeClr val="accent1"/>
+          </a:effectRef>
+          <a:fontRef idx="minor">
+            <a:schemeClr val="lt1"/>
+          </a:fontRef>
+        </p:style>
+        <p:txBody>
+          <a:bodyPr rtlCol="0" anchor="ctr"/>
+          <a:lstStyle/>
+          <a:p>
+            <a:pPr algn="ctr"/>
+            <a:r>
+              <a:rPr lang="en-US" sz="2400" b="1" dirty="0" smtClean="0">
+                <a:latin typeface="Cambria" pitchFamily="18" charset="0"/>
+              </a:rPr>
+              <a:t>1</a:t>
+            </a:r>
+            <a:endParaRPr lang="en-US" sz="2400" b="1" dirty="0">
+              <a:latin typeface="Cambria" pitchFamily="18" charset="0"/>
+            </a:endParaRPr>
+          </a:p>
+        </p:txBody>
+      </p:sp>
+      <p:sp>
+        <p:nvSpPr>
+          <p:cNvPr id="13" name="TextBox 12"/>
           <p:cNvSpPr txBox="1"/>
           <p:nvPr/>
         </p:nvSpPr>
         <p:spPr>
           <a:xfrm>
-            <a:off x="4014122" y="3984008"/>
-            <a:ext cx="1115755" cy="369332"/>
+            <a:off x="2590859" y="2221398"/>
+            <a:ext cx="1327608" cy="461665"/>
           </a:xfrm>
           <a:prstGeom prst="rect">
             <a:avLst/>
@@ -4931,27 +5954,303 @@
           <a:lstStyle/>
           <a:p>
             <a:r>
-              <a:rPr lang="en-US" dirty="0" smtClean="0"/>
-              <a:t>Bluetooth</a:t>
-            </a:r>
-            <a:endParaRPr lang="en-US" dirty="0"/>
+              <a:rPr lang="en-US" sz="2400" dirty="0">
+                <a:latin typeface="Cambria" pitchFamily="18" charset="0"/>
+              </a:rPr>
+              <a:t>Data API</a:t>
+            </a:r>
+            <a:endParaRPr lang="en-US" sz="2400" dirty="0">
+              <a:latin typeface="Cambria" pitchFamily="18" charset="0"/>
+            </a:endParaRPr>
+          </a:p>
+        </p:txBody>
+      </p:sp>
+      <p:cxnSp>
+        <p:nvCxnSpPr>
+          <p:cNvPr id="8" name="Straight Arrow Connector 7"/>
+          <p:cNvCxnSpPr/>
+          <p:nvPr/>
+        </p:nvCxnSpPr>
+        <p:spPr>
+          <a:xfrm>
+            <a:off x="6489291" y="2683063"/>
+            <a:ext cx="634179" cy="0"/>
+          </a:xfrm>
+          <a:prstGeom prst="straightConnector1">
+            <a:avLst/>
+          </a:prstGeom>
+          <a:ln w="38100">
+            <a:solidFill>
+              <a:schemeClr val="tx1"/>
+            </a:solidFill>
+            <a:tailEnd type="arrow"/>
+          </a:ln>
+        </p:spPr>
+        <p:style>
+          <a:lnRef idx="1">
+            <a:schemeClr val="accent1"/>
+          </a:lnRef>
+          <a:fillRef idx="0">
+            <a:schemeClr val="accent1"/>
+          </a:fillRef>
+          <a:effectRef idx="0">
+            <a:schemeClr val="accent1"/>
+          </a:effectRef>
+          <a:fontRef idx="minor">
+            <a:schemeClr val="tx1"/>
+          </a:fontRef>
+        </p:style>
+      </p:cxnSp>
+      <p:sp>
+        <p:nvSpPr>
+          <p:cNvPr id="17" name="Oval 16"/>
+          <p:cNvSpPr/>
+          <p:nvPr/>
+        </p:nvSpPr>
+        <p:spPr>
+          <a:xfrm>
+            <a:off x="6489291" y="1962085"/>
+            <a:ext cx="564777" cy="564777"/>
+          </a:xfrm>
+          <a:prstGeom prst="ellipse">
+            <a:avLst/>
+          </a:prstGeom>
+        </p:spPr>
+        <p:style>
+          <a:lnRef idx="2">
+            <a:schemeClr val="accent1">
+              <a:shade val="50000"/>
+            </a:schemeClr>
+          </a:lnRef>
+          <a:fillRef idx="1">
+            <a:schemeClr val="accent1"/>
+          </a:fillRef>
+          <a:effectRef idx="0">
+            <a:schemeClr val="accent1"/>
+          </a:effectRef>
+          <a:fontRef idx="minor">
+            <a:schemeClr val="lt1"/>
+          </a:fontRef>
+        </p:style>
+        <p:txBody>
+          <a:bodyPr rtlCol="0" anchor="ctr"/>
+          <a:lstStyle/>
+          <a:p>
+            <a:pPr algn="ctr"/>
+            <a:r>
+              <a:rPr lang="en-US" sz="2400" b="1" dirty="0">
+                <a:latin typeface="Cambria" pitchFamily="18" charset="0"/>
+              </a:rPr>
+              <a:t>2</a:t>
+            </a:r>
+            <a:endParaRPr lang="en-US" sz="2400" b="1" dirty="0">
+              <a:latin typeface="Cambria" pitchFamily="18" charset="0"/>
+            </a:endParaRPr>
+          </a:p>
+        </p:txBody>
+      </p:sp>
+      <p:sp>
+        <p:nvSpPr>
+          <p:cNvPr id="14" name="Rectangle 13"/>
+          <p:cNvSpPr/>
+          <p:nvPr/>
+        </p:nvSpPr>
+        <p:spPr>
+          <a:xfrm>
+            <a:off x="7123470" y="3697451"/>
+            <a:ext cx="1327355" cy="690456"/>
+          </a:xfrm>
+          <a:prstGeom prst="rect">
+            <a:avLst/>
+          </a:prstGeom>
+          <a:solidFill>
+            <a:schemeClr val="bg2">
+              <a:lumMod val="90000"/>
+            </a:schemeClr>
+          </a:solidFill>
+        </p:spPr>
+        <p:style>
+          <a:lnRef idx="2">
+            <a:schemeClr val="accent1">
+              <a:shade val="50000"/>
+            </a:schemeClr>
+          </a:lnRef>
+          <a:fillRef idx="1">
+            <a:schemeClr val="accent1"/>
+          </a:fillRef>
+          <a:effectRef idx="0">
+            <a:schemeClr val="accent1"/>
+          </a:effectRef>
+          <a:fontRef idx="minor">
+            <a:schemeClr val="lt1"/>
+          </a:fontRef>
+        </p:style>
+        <p:txBody>
+          <a:bodyPr rtlCol="0" anchor="ctr"/>
+          <a:lstStyle/>
+          <a:p>
+            <a:pPr algn="ctr"/>
+            <a:r>
+              <a:rPr lang="en-US" b="1" dirty="0" smtClean="0">
+                <a:solidFill>
+                  <a:srgbClr val="FF0000"/>
+                </a:solidFill>
+                <a:latin typeface="Cambria" pitchFamily="18" charset="0"/>
+              </a:rPr>
+              <a:t>GPS</a:t>
+            </a:r>
+            <a:endParaRPr lang="en-US" b="1" dirty="0">
+              <a:solidFill>
+                <a:srgbClr val="FF0000"/>
+              </a:solidFill>
+              <a:latin typeface="Cambria" pitchFamily="18" charset="0"/>
+            </a:endParaRPr>
+          </a:p>
+        </p:txBody>
+      </p:sp>
+      <p:cxnSp>
+        <p:nvCxnSpPr>
+          <p:cNvPr id="15" name="Elbow Connector 14"/>
+          <p:cNvCxnSpPr>
+            <a:stCxn id="14" idx="2"/>
+            <a:endCxn id="9" idx="2"/>
+          </p:cNvCxnSpPr>
+          <p:nvPr/>
+        </p:nvCxnSpPr>
+        <p:spPr>
+          <a:xfrm rot="5400000" flipH="1">
+            <a:off x="4346130" y="946890"/>
+            <a:ext cx="415869" cy="6466166"/>
+          </a:xfrm>
+          <a:prstGeom prst="bentConnector3">
+            <a:avLst>
+              <a:gd name="adj1" fmla="val -182639"/>
+            </a:avLst>
+          </a:prstGeom>
+          <a:ln w="38100">
+            <a:solidFill>
+              <a:schemeClr val="tx1"/>
+            </a:solidFill>
+          </a:ln>
+        </p:spPr>
+        <p:style>
+          <a:lnRef idx="1">
+            <a:schemeClr val="accent1"/>
+          </a:lnRef>
+          <a:fillRef idx="0">
+            <a:schemeClr val="accent1"/>
+          </a:fillRef>
+          <a:effectRef idx="0">
+            <a:schemeClr val="accent1"/>
+          </a:effectRef>
+          <a:fontRef idx="minor">
+            <a:schemeClr val="tx1"/>
+          </a:fontRef>
+        </p:style>
+      </p:cxnSp>
+      <p:sp>
+        <p:nvSpPr>
+          <p:cNvPr id="18" name="TextBox 17"/>
+          <p:cNvSpPr txBox="1"/>
+          <p:nvPr/>
+        </p:nvSpPr>
+        <p:spPr>
+          <a:xfrm>
+            <a:off x="1751038" y="4585364"/>
+            <a:ext cx="2809102" cy="461665"/>
+          </a:xfrm>
+          <a:prstGeom prst="rect">
+            <a:avLst/>
+          </a:prstGeom>
+          <a:noFill/>
+        </p:spPr>
+        <p:txBody>
+          <a:bodyPr wrap="none" rtlCol="0">
+            <a:spAutoFit/>
+          </a:bodyPr>
+          <a:lstStyle/>
+          <a:p>
+            <a:r>
+              <a:rPr lang="en-US" sz="2400" dirty="0" smtClean="0">
+                <a:latin typeface="Cambria" pitchFamily="18" charset="0"/>
+              </a:rPr>
+              <a:t>Get GPS from Phone</a:t>
+            </a:r>
+            <a:endParaRPr lang="en-US" sz="2400" dirty="0">
+              <a:latin typeface="Cambria" pitchFamily="18" charset="0"/>
+            </a:endParaRPr>
+          </a:p>
+        </p:txBody>
+      </p:sp>
+      <p:sp>
+        <p:nvSpPr>
+          <p:cNvPr id="19" name="Oval 18"/>
+          <p:cNvSpPr/>
+          <p:nvPr/>
+        </p:nvSpPr>
+        <p:spPr>
+          <a:xfrm>
+            <a:off x="4348021" y="5251383"/>
+            <a:ext cx="564777" cy="564777"/>
+          </a:xfrm>
+          <a:prstGeom prst="ellipse">
+            <a:avLst/>
+          </a:prstGeom>
+        </p:spPr>
+        <p:style>
+          <a:lnRef idx="2">
+            <a:schemeClr val="accent1">
+              <a:shade val="50000"/>
+            </a:schemeClr>
+          </a:lnRef>
+          <a:fillRef idx="1">
+            <a:schemeClr val="accent1"/>
+          </a:fillRef>
+          <a:effectRef idx="0">
+            <a:schemeClr val="accent1"/>
+          </a:effectRef>
+          <a:fontRef idx="minor">
+            <a:schemeClr val="lt1"/>
+          </a:fontRef>
+        </p:style>
+        <p:txBody>
+          <a:bodyPr rtlCol="0" anchor="ctr"/>
+          <a:lstStyle/>
+          <a:p>
+            <a:pPr algn="ctr"/>
+            <a:r>
+              <a:rPr lang="en-US" sz="2400" b="1" dirty="0">
+                <a:latin typeface="Cambria" pitchFamily="18" charset="0"/>
+              </a:rPr>
+              <a:t>3</a:t>
+            </a:r>
+            <a:endParaRPr lang="en-US" sz="2400" b="1" dirty="0">
+              <a:latin typeface="Cambria" pitchFamily="18" charset="0"/>
+            </a:endParaRPr>
           </a:p>
         </p:txBody>
       </p:sp>
     </p:spTree>
     <p:extLst>
       <p:ext uri="{BB962C8B-B14F-4D97-AF65-F5344CB8AC3E}">
-        <p14:creationId xmlns:p14="http://schemas.microsoft.com/office/powerpoint/2010/main" val="1945397408"/>
+        <p14:creationId xmlns:p14="http://schemas.microsoft.com/office/powerpoint/2010/main" val="2544972624"/>
       </p:ext>
     </p:extLst>
   </p:cSld>
   <p:clrMapOvr>
     <a:masterClrMapping/>
   </p:clrMapOvr>
+  <p:timing>
+    <p:tnLst>
+      <p:par>
+        <p:cTn id="1" dur="indefinite" restart="never" nodeType="tmRoot"/>
+      </p:par>
+    </p:tnLst>
+  </p:timing>
 </p:sld>
 </file>
 
-<file path=ppt/slides/slide4.xml><?xml version="1.0" encoding="utf-8"?>
+<file path=ppt/slides/slide12.xml><?xml version="1.0" encoding="utf-8"?>
 <p:sld xmlns:a="http://schemas.openxmlformats.org/drawingml/2006/main" xmlns:r="http://schemas.openxmlformats.org/officeDocument/2006/relationships" xmlns:p="http://schemas.openxmlformats.org/presentationml/2006/main">
   <p:cSld>
     <p:spTree>
@@ -4990,1045 +6289,7 @@
                 </a:solidFill>
               </a:rPr>
               <a:pPr/>
-              <a:t>4</a:t>
-            </a:fld>
-            <a:endParaRPr lang="en">
-              <a:solidFill>
-                <a:srgbClr val="000000"/>
-              </a:solidFill>
-            </a:endParaRPr>
-          </a:p>
-        </p:txBody>
-      </p:sp>
-      <p:sp>
-        <p:nvSpPr>
-          <p:cNvPr id="2" name="TextBox 1"/>
-          <p:cNvSpPr txBox="1"/>
-          <p:nvPr/>
-        </p:nvSpPr>
-        <p:spPr>
-          <a:xfrm>
-            <a:off x="457200" y="676870"/>
-            <a:ext cx="3877985" cy="923330"/>
-          </a:xfrm>
-          <a:prstGeom prst="rect">
-            <a:avLst/>
-          </a:prstGeom>
-          <a:noFill/>
-        </p:spPr>
-        <p:txBody>
-          <a:bodyPr wrap="none" rtlCol="0">
-            <a:spAutoFit/>
-          </a:bodyPr>
-          <a:lstStyle/>
-          <a:p>
-            <a:r>
-              <a:rPr lang="vi-VN" sz="5400" dirty="0" smtClean="0">
-                <a:solidFill>
-                  <a:schemeClr val="bg1"/>
-                </a:solidFill>
-              </a:rPr>
-              <a:t>Architecture</a:t>
-            </a:r>
-            <a:endParaRPr lang="en-US" sz="5400" dirty="0">
-              <a:solidFill>
-                <a:schemeClr val="bg1"/>
-              </a:solidFill>
-            </a:endParaRPr>
-          </a:p>
-        </p:txBody>
-      </p:sp>
-      <p:pic>
-        <p:nvPicPr>
-          <p:cNvPr id="15" name="image2.jpg"/>
-          <p:cNvPicPr>
-            <a:picLocks noChangeAspect="1"/>
-          </p:cNvPicPr>
-          <p:nvPr/>
-        </p:nvPicPr>
-        <p:blipFill>
-          <a:blip r:embed="rId3">
-            <a:extLst/>
-          </a:blip>
-          <a:stretch>
-            <a:fillRect/>
-          </a:stretch>
-        </p:blipFill>
-        <p:spPr>
-          <a:xfrm>
-            <a:off x="6040942" y="3306318"/>
-            <a:ext cx="1326775" cy="1326775"/>
-          </a:xfrm>
-          <a:prstGeom prst="rect">
-            <a:avLst/>
-          </a:prstGeom>
-          <a:ln w="12700">
-            <a:miter lim="400000"/>
-          </a:ln>
-        </p:spPr>
-      </p:pic>
-      <p:pic>
-        <p:nvPicPr>
-          <p:cNvPr id="16" name="Picture 15" descr="http://imshopping.rediff.com/imgshop/800-1280/shopping/pixs/3777/g/greenberry_z8._greenberry-z8-mobile-quad-core-processor-dual-sim.jpg"/>
-          <p:cNvPicPr>
-            <a:picLocks noChangeAspect="1" noChangeArrowheads="1"/>
-          </p:cNvPicPr>
-          <p:nvPr/>
-        </p:nvPicPr>
-        <p:blipFill>
-          <a:blip r:embed="rId4" cstate="print">
-            <a:extLst>
-              <a:ext uri="{28A0092B-C50C-407E-A947-70E740481C1C}">
-                <a14:useLocalDpi xmlns:a14="http://schemas.microsoft.com/office/drawing/2010/main" val="0"/>
-              </a:ext>
-            </a:extLst>
-          </a:blip>
-          <a:srcRect/>
-          <a:stretch>
-            <a:fillRect/>
-          </a:stretch>
-        </p:blipFill>
-        <p:spPr bwMode="auto">
-          <a:xfrm>
-            <a:off x="1933125" y="3120917"/>
-            <a:ext cx="1727565" cy="1727565"/>
-          </a:xfrm>
-          <a:prstGeom prst="rect">
-            <a:avLst/>
-          </a:prstGeom>
-          <a:noFill/>
-          <a:extLst>
-            <a:ext uri="{909E8E84-426E-40DD-AFC4-6F175D3DCCD1}">
-              <a14:hiddenFill xmlns:a14="http://schemas.microsoft.com/office/drawing/2010/main">
-                <a:solidFill>
-                  <a:srgbClr val="FFFFFF"/>
-                </a:solidFill>
-              </a14:hiddenFill>
-            </a:ext>
-          </a:extLst>
-        </p:spPr>
-      </p:pic>
-      <p:cxnSp>
-        <p:nvCxnSpPr>
-          <p:cNvPr id="17" name="Straight Arrow Connector 16"/>
-          <p:cNvCxnSpPr/>
-          <p:nvPr/>
-        </p:nvCxnSpPr>
-        <p:spPr>
-          <a:xfrm flipH="1">
-            <a:off x="3530943" y="3972039"/>
-            <a:ext cx="2509999" cy="0"/>
-          </a:xfrm>
-          <a:prstGeom prst="straightConnector1">
-            <a:avLst/>
-          </a:prstGeom>
-          <a:ln w="38100">
-            <a:solidFill>
-              <a:schemeClr val="tx1"/>
-            </a:solidFill>
-            <a:headEnd type="arrow" w="med" len="med"/>
-            <a:tailEnd type="none" w="med" len="med"/>
-          </a:ln>
-        </p:spPr>
-        <p:style>
-          <a:lnRef idx="1">
-            <a:schemeClr val="accent1"/>
-          </a:lnRef>
-          <a:fillRef idx="0">
-            <a:schemeClr val="accent1"/>
-          </a:fillRef>
-          <a:effectRef idx="0">
-            <a:schemeClr val="accent1"/>
-          </a:effectRef>
-          <a:fontRef idx="minor">
-            <a:schemeClr val="tx1"/>
-          </a:fontRef>
-        </p:style>
-      </p:cxnSp>
-      <p:sp>
-        <p:nvSpPr>
-          <p:cNvPr id="18" name="TextBox 17"/>
-          <p:cNvSpPr txBox="1"/>
-          <p:nvPr/>
-        </p:nvSpPr>
-        <p:spPr>
-          <a:xfrm>
-            <a:off x="4170228" y="3454513"/>
-            <a:ext cx="1307859" cy="369332"/>
-          </a:xfrm>
-          <a:prstGeom prst="rect">
-            <a:avLst/>
-          </a:prstGeom>
-          <a:noFill/>
-        </p:spPr>
-        <p:txBody>
-          <a:bodyPr wrap="none" rtlCol="0">
-            <a:spAutoFit/>
-          </a:bodyPr>
-          <a:lstStyle/>
-          <a:p>
-            <a:r>
-              <a:rPr lang="en-US" dirty="0" smtClean="0"/>
-              <a:t>Synchronize</a:t>
-            </a:r>
-            <a:endParaRPr lang="en-US" dirty="0"/>
-          </a:p>
-        </p:txBody>
-      </p:sp>
-    </p:spTree>
-    <p:extLst>
-      <p:ext uri="{BB962C8B-B14F-4D97-AF65-F5344CB8AC3E}">
-        <p14:creationId xmlns:p14="http://schemas.microsoft.com/office/powerpoint/2010/main" val="229263172"/>
-      </p:ext>
-    </p:extLst>
-  </p:cSld>
-  <p:clrMapOvr>
-    <a:masterClrMapping/>
-  </p:clrMapOvr>
-</p:sld>
-</file>
-
-<file path=ppt/slides/slide5.xml><?xml version="1.0" encoding="utf-8"?>
-<p:sld xmlns:a="http://schemas.openxmlformats.org/drawingml/2006/main" xmlns:r="http://schemas.openxmlformats.org/officeDocument/2006/relationships" xmlns:p="http://schemas.openxmlformats.org/presentationml/2006/main">
-  <p:cSld>
-    <p:spTree>
-      <p:nvGrpSpPr>
-        <p:cNvPr id="1" name=""/>
-        <p:cNvGrpSpPr/>
-        <p:nvPr/>
-      </p:nvGrpSpPr>
-      <p:grpSpPr>
-        <a:xfrm>
-          <a:off x="0" y="0"/>
-          <a:ext cx="0" cy="0"/>
-          <a:chOff x="0" y="0"/>
-          <a:chExt cx="0" cy="0"/>
-        </a:xfrm>
-      </p:grpSpPr>
-      <p:sp>
-        <p:nvSpPr>
-          <p:cNvPr id="4" name="Slide Number Placeholder 3"/>
-          <p:cNvSpPr>
-            <a:spLocks noGrp="1"/>
-          </p:cNvSpPr>
-          <p:nvPr>
-            <p:ph type="sldNum" idx="12"/>
-          </p:nvPr>
-        </p:nvSpPr>
-        <p:spPr/>
-        <p:txBody>
-          <a:bodyPr/>
-          <a:lstStyle/>
-          <a:p>
-            <a:fld id="{00000000-1234-1234-1234-123412341234}" type="slidenum">
-              <a:rPr lang="en" smtClean="0">
-                <a:solidFill>
-                  <a:srgbClr val="000000"/>
-                </a:solidFill>
-              </a:rPr>
-              <a:pPr/>
-              <a:t>5</a:t>
-            </a:fld>
-            <a:endParaRPr lang="en">
-              <a:solidFill>
-                <a:srgbClr val="000000"/>
-              </a:solidFill>
-            </a:endParaRPr>
-          </a:p>
-        </p:txBody>
-      </p:sp>
-      <p:sp>
-        <p:nvSpPr>
-          <p:cNvPr id="2" name="TextBox 1"/>
-          <p:cNvSpPr txBox="1"/>
-          <p:nvPr/>
-        </p:nvSpPr>
-        <p:spPr>
-          <a:xfrm>
-            <a:off x="457200" y="676870"/>
-            <a:ext cx="3877985" cy="923330"/>
-          </a:xfrm>
-          <a:prstGeom prst="rect">
-            <a:avLst/>
-          </a:prstGeom>
-          <a:noFill/>
-        </p:spPr>
-        <p:txBody>
-          <a:bodyPr wrap="none" rtlCol="0">
-            <a:spAutoFit/>
-          </a:bodyPr>
-          <a:lstStyle/>
-          <a:p>
-            <a:r>
-              <a:rPr lang="vi-VN" sz="5400" dirty="0" smtClean="0">
-                <a:solidFill>
-                  <a:schemeClr val="bg1"/>
-                </a:solidFill>
-              </a:rPr>
-              <a:t>Architecture</a:t>
-            </a:r>
-            <a:endParaRPr lang="en-US" sz="5400" dirty="0">
-              <a:solidFill>
-                <a:schemeClr val="bg1"/>
-              </a:solidFill>
-            </a:endParaRPr>
-          </a:p>
-        </p:txBody>
-      </p:sp>
-      <p:pic>
-        <p:nvPicPr>
-          <p:cNvPr id="8" name="image2.jpg"/>
-          <p:cNvPicPr>
-            <a:picLocks noChangeAspect="1"/>
-          </p:cNvPicPr>
-          <p:nvPr/>
-        </p:nvPicPr>
-        <p:blipFill>
-          <a:blip r:embed="rId3">
-            <a:extLst/>
-          </a:blip>
-          <a:stretch>
-            <a:fillRect/>
-          </a:stretch>
-        </p:blipFill>
-        <p:spPr>
-          <a:xfrm>
-            <a:off x="6040942" y="3306318"/>
-            <a:ext cx="1326775" cy="1326775"/>
-          </a:xfrm>
-          <a:prstGeom prst="rect">
-            <a:avLst/>
-          </a:prstGeom>
-          <a:ln w="12700">
-            <a:miter lim="400000"/>
-          </a:ln>
-        </p:spPr>
-      </p:pic>
-      <p:pic>
-        <p:nvPicPr>
-          <p:cNvPr id="9" name="Picture 8" descr="http://imshopping.rediff.com/imgshop/800-1280/shopping/pixs/3777/g/greenberry_z8._greenberry-z8-mobile-quad-core-processor-dual-sim.jpg"/>
-          <p:cNvPicPr>
-            <a:picLocks noChangeAspect="1" noChangeArrowheads="1"/>
-          </p:cNvPicPr>
-          <p:nvPr/>
-        </p:nvPicPr>
-        <p:blipFill>
-          <a:blip r:embed="rId4" cstate="print">
-            <a:extLst>
-              <a:ext uri="{28A0092B-C50C-407E-A947-70E740481C1C}">
-                <a14:useLocalDpi xmlns:a14="http://schemas.microsoft.com/office/drawing/2010/main" val="0"/>
-              </a:ext>
-            </a:extLst>
-          </a:blip>
-          <a:srcRect/>
-          <a:stretch>
-            <a:fillRect/>
-          </a:stretch>
-        </p:blipFill>
-        <p:spPr bwMode="auto">
-          <a:xfrm>
-            <a:off x="1933125" y="3120917"/>
-            <a:ext cx="1727565" cy="1727565"/>
-          </a:xfrm>
-          <a:prstGeom prst="rect">
-            <a:avLst/>
-          </a:prstGeom>
-          <a:noFill/>
-          <a:extLst>
-            <a:ext uri="{909E8E84-426E-40DD-AFC4-6F175D3DCCD1}">
-              <a14:hiddenFill xmlns:a14="http://schemas.microsoft.com/office/drawing/2010/main">
-                <a:solidFill>
-                  <a:srgbClr val="FFFFFF"/>
-                </a:solidFill>
-              </a14:hiddenFill>
-            </a:ext>
-          </a:extLst>
-        </p:spPr>
-      </p:pic>
-      <p:cxnSp>
-        <p:nvCxnSpPr>
-          <p:cNvPr id="10" name="Straight Arrow Connector 9"/>
-          <p:cNvCxnSpPr/>
-          <p:nvPr/>
-        </p:nvCxnSpPr>
-        <p:spPr>
-          <a:xfrm flipH="1">
-            <a:off x="3530943" y="3972039"/>
-            <a:ext cx="2509999" cy="0"/>
-          </a:xfrm>
-          <a:prstGeom prst="straightConnector1">
-            <a:avLst/>
-          </a:prstGeom>
-          <a:ln w="38100">
-            <a:solidFill>
-              <a:schemeClr val="tx1"/>
-            </a:solidFill>
-            <a:headEnd type="arrow" w="med" len="med"/>
-            <a:tailEnd type="none" w="med" len="med"/>
-          </a:ln>
-        </p:spPr>
-        <p:style>
-          <a:lnRef idx="1">
-            <a:schemeClr val="accent1"/>
-          </a:lnRef>
-          <a:fillRef idx="0">
-            <a:schemeClr val="accent1"/>
-          </a:fillRef>
-          <a:effectRef idx="0">
-            <a:schemeClr val="accent1"/>
-          </a:effectRef>
-          <a:fontRef idx="minor">
-            <a:schemeClr val="tx1"/>
-          </a:fontRef>
-        </p:style>
-      </p:cxnSp>
-      <p:sp>
-        <p:nvSpPr>
-          <p:cNvPr id="11" name="TextBox 10"/>
-          <p:cNvSpPr txBox="1"/>
-          <p:nvPr/>
-        </p:nvSpPr>
-        <p:spPr>
-          <a:xfrm>
-            <a:off x="4170228" y="3454513"/>
-            <a:ext cx="1372171" cy="369332"/>
-          </a:xfrm>
-          <a:prstGeom prst="rect">
-            <a:avLst/>
-          </a:prstGeom>
-          <a:noFill/>
-        </p:spPr>
-        <p:txBody>
-          <a:bodyPr wrap="none" rtlCol="0">
-            <a:spAutoFit/>
-          </a:bodyPr>
-          <a:lstStyle/>
-          <a:p>
-            <a:r>
-              <a:rPr lang="en-US" dirty="0" smtClean="0"/>
-              <a:t>Message API</a:t>
-            </a:r>
-            <a:endParaRPr lang="en-US" dirty="0"/>
-          </a:p>
-        </p:txBody>
-      </p:sp>
-    </p:spTree>
-    <p:extLst>
-      <p:ext uri="{BB962C8B-B14F-4D97-AF65-F5344CB8AC3E}">
-        <p14:creationId xmlns:p14="http://schemas.microsoft.com/office/powerpoint/2010/main" val="1551042407"/>
-      </p:ext>
-    </p:extLst>
-  </p:cSld>
-  <p:clrMapOvr>
-    <a:masterClrMapping/>
-  </p:clrMapOvr>
-</p:sld>
-</file>
-
-<file path=ppt/slides/slide6.xml><?xml version="1.0" encoding="utf-8"?>
-<p:sld xmlns:a="http://schemas.openxmlformats.org/drawingml/2006/main" xmlns:r="http://schemas.openxmlformats.org/officeDocument/2006/relationships" xmlns:p="http://schemas.openxmlformats.org/presentationml/2006/main">
-  <p:cSld>
-    <p:spTree>
-      <p:nvGrpSpPr>
-        <p:cNvPr id="1" name=""/>
-        <p:cNvGrpSpPr/>
-        <p:nvPr/>
-      </p:nvGrpSpPr>
-      <p:grpSpPr>
-        <a:xfrm>
-          <a:off x="0" y="0"/>
-          <a:ext cx="0" cy="0"/>
-          <a:chOff x="0" y="0"/>
-          <a:chExt cx="0" cy="0"/>
-        </a:xfrm>
-      </p:grpSpPr>
-      <p:sp>
-        <p:nvSpPr>
-          <p:cNvPr id="4" name="Slide Number Placeholder 3"/>
-          <p:cNvSpPr>
-            <a:spLocks noGrp="1"/>
-          </p:cNvSpPr>
-          <p:nvPr>
-            <p:ph type="sldNum" idx="12"/>
-          </p:nvPr>
-        </p:nvSpPr>
-        <p:spPr/>
-        <p:txBody>
-          <a:bodyPr/>
-          <a:lstStyle/>
-          <a:p>
-            <a:fld id="{00000000-1234-1234-1234-123412341234}" type="slidenum">
-              <a:rPr lang="en" smtClean="0">
-                <a:solidFill>
-                  <a:srgbClr val="000000"/>
-                </a:solidFill>
-              </a:rPr>
-              <a:pPr/>
-              <a:t>6</a:t>
-            </a:fld>
-            <a:endParaRPr lang="en">
-              <a:solidFill>
-                <a:srgbClr val="000000"/>
-              </a:solidFill>
-            </a:endParaRPr>
-          </a:p>
-        </p:txBody>
-      </p:sp>
-      <p:sp>
-        <p:nvSpPr>
-          <p:cNvPr id="2" name="TextBox 1"/>
-          <p:cNvSpPr txBox="1"/>
-          <p:nvPr/>
-        </p:nvSpPr>
-        <p:spPr>
-          <a:xfrm>
-            <a:off x="457200" y="676870"/>
-            <a:ext cx="3877985" cy="923330"/>
-          </a:xfrm>
-          <a:prstGeom prst="rect">
-            <a:avLst/>
-          </a:prstGeom>
-          <a:noFill/>
-        </p:spPr>
-        <p:txBody>
-          <a:bodyPr wrap="none" rtlCol="0">
-            <a:spAutoFit/>
-          </a:bodyPr>
-          <a:lstStyle/>
-          <a:p>
-            <a:r>
-              <a:rPr lang="vi-VN" sz="5400" dirty="0" smtClean="0">
-                <a:solidFill>
-                  <a:schemeClr val="bg1"/>
-                </a:solidFill>
-              </a:rPr>
-              <a:t>Architecture</a:t>
-            </a:r>
-            <a:endParaRPr lang="en-US" sz="5400" dirty="0">
-              <a:solidFill>
-                <a:schemeClr val="bg1"/>
-              </a:solidFill>
-            </a:endParaRPr>
-          </a:p>
-        </p:txBody>
-      </p:sp>
-      <p:pic>
-        <p:nvPicPr>
-          <p:cNvPr id="17" name="image2.jpg"/>
-          <p:cNvPicPr>
-            <a:picLocks noChangeAspect="1"/>
-          </p:cNvPicPr>
-          <p:nvPr/>
-        </p:nvPicPr>
-        <p:blipFill>
-          <a:blip r:embed="rId3">
-            <a:extLst/>
-          </a:blip>
-          <a:stretch>
-            <a:fillRect/>
-          </a:stretch>
-        </p:blipFill>
-        <p:spPr>
-          <a:xfrm>
-            <a:off x="6040942" y="3306318"/>
-            <a:ext cx="1326775" cy="1326775"/>
-          </a:xfrm>
-          <a:prstGeom prst="rect">
-            <a:avLst/>
-          </a:prstGeom>
-          <a:ln w="12700">
-            <a:miter lim="400000"/>
-          </a:ln>
-        </p:spPr>
-      </p:pic>
-      <p:pic>
-        <p:nvPicPr>
-          <p:cNvPr id="18" name="Picture 17" descr="http://imshopping.rediff.com/imgshop/800-1280/shopping/pixs/3777/g/greenberry_z8._greenberry-z8-mobile-quad-core-processor-dual-sim.jpg"/>
-          <p:cNvPicPr>
-            <a:picLocks noChangeAspect="1" noChangeArrowheads="1"/>
-          </p:cNvPicPr>
-          <p:nvPr/>
-        </p:nvPicPr>
-        <p:blipFill>
-          <a:blip r:embed="rId4" cstate="print">
-            <a:extLst>
-              <a:ext uri="{28A0092B-C50C-407E-A947-70E740481C1C}">
-                <a14:useLocalDpi xmlns:a14="http://schemas.microsoft.com/office/drawing/2010/main" val="0"/>
-              </a:ext>
-            </a:extLst>
-          </a:blip>
-          <a:srcRect/>
-          <a:stretch>
-            <a:fillRect/>
-          </a:stretch>
-        </p:blipFill>
-        <p:spPr bwMode="auto">
-          <a:xfrm>
-            <a:off x="1933125" y="3120917"/>
-            <a:ext cx="1727565" cy="1727565"/>
-          </a:xfrm>
-          <a:prstGeom prst="rect">
-            <a:avLst/>
-          </a:prstGeom>
-          <a:noFill/>
-          <a:extLst>
-            <a:ext uri="{909E8E84-426E-40DD-AFC4-6F175D3DCCD1}">
-              <a14:hiddenFill xmlns:a14="http://schemas.microsoft.com/office/drawing/2010/main">
-                <a:solidFill>
-                  <a:srgbClr val="FFFFFF"/>
-                </a:solidFill>
-              </a14:hiddenFill>
-            </a:ext>
-          </a:extLst>
-        </p:spPr>
-      </p:pic>
-      <p:cxnSp>
-        <p:nvCxnSpPr>
-          <p:cNvPr id="19" name="Straight Arrow Connector 18"/>
-          <p:cNvCxnSpPr/>
-          <p:nvPr/>
-        </p:nvCxnSpPr>
-        <p:spPr>
-          <a:xfrm flipH="1">
-            <a:off x="3530943" y="3972039"/>
-            <a:ext cx="2509999" cy="0"/>
-          </a:xfrm>
-          <a:prstGeom prst="straightConnector1">
-            <a:avLst/>
-          </a:prstGeom>
-          <a:ln w="38100">
-            <a:solidFill>
-              <a:schemeClr val="tx1"/>
-            </a:solidFill>
-            <a:headEnd type="arrow" w="med" len="med"/>
-            <a:tailEnd type="none" w="med" len="med"/>
-          </a:ln>
-        </p:spPr>
-        <p:style>
-          <a:lnRef idx="1">
-            <a:schemeClr val="accent1"/>
-          </a:lnRef>
-          <a:fillRef idx="0">
-            <a:schemeClr val="accent1"/>
-          </a:fillRef>
-          <a:effectRef idx="0">
-            <a:schemeClr val="accent1"/>
-          </a:effectRef>
-          <a:fontRef idx="minor">
-            <a:schemeClr val="tx1"/>
-          </a:fontRef>
-        </p:style>
-      </p:cxnSp>
-      <p:sp>
-        <p:nvSpPr>
-          <p:cNvPr id="20" name="TextBox 19"/>
-          <p:cNvSpPr txBox="1"/>
-          <p:nvPr/>
-        </p:nvSpPr>
-        <p:spPr>
-          <a:xfrm>
-            <a:off x="4294525" y="3095597"/>
-            <a:ext cx="982833" cy="369332"/>
-          </a:xfrm>
-          <a:prstGeom prst="rect">
-            <a:avLst/>
-          </a:prstGeom>
-          <a:noFill/>
-        </p:spPr>
-        <p:txBody>
-          <a:bodyPr wrap="none" rtlCol="0">
-            <a:spAutoFit/>
-          </a:bodyPr>
-          <a:lstStyle/>
-          <a:p>
-            <a:r>
-              <a:rPr lang="en-US" dirty="0" smtClean="0"/>
-              <a:t>Data API</a:t>
-            </a:r>
-            <a:endParaRPr lang="en-US" dirty="0"/>
-          </a:p>
-        </p:txBody>
-      </p:sp>
-      <p:sp>
-        <p:nvSpPr>
-          <p:cNvPr id="21" name="TextBox 20"/>
-          <p:cNvSpPr txBox="1"/>
-          <p:nvPr/>
-        </p:nvSpPr>
-        <p:spPr>
-          <a:xfrm>
-            <a:off x="4170228" y="3454513"/>
-            <a:ext cx="1372171" cy="369332"/>
-          </a:xfrm>
-          <a:prstGeom prst="rect">
-            <a:avLst/>
-          </a:prstGeom>
-          <a:noFill/>
-        </p:spPr>
-        <p:txBody>
-          <a:bodyPr wrap="none" rtlCol="0">
-            <a:spAutoFit/>
-          </a:bodyPr>
-          <a:lstStyle/>
-          <a:p>
-            <a:r>
-              <a:rPr lang="en-US" dirty="0" smtClean="0"/>
-              <a:t>Message API</a:t>
-            </a:r>
-            <a:endParaRPr lang="en-US" dirty="0"/>
-          </a:p>
-        </p:txBody>
-      </p:sp>
-    </p:spTree>
-    <p:extLst>
-      <p:ext uri="{BB962C8B-B14F-4D97-AF65-F5344CB8AC3E}">
-        <p14:creationId xmlns:p14="http://schemas.microsoft.com/office/powerpoint/2010/main" val="1132977671"/>
-      </p:ext>
-    </p:extLst>
-  </p:cSld>
-  <p:clrMapOvr>
-    <a:masterClrMapping/>
-  </p:clrMapOvr>
-</p:sld>
-</file>
-
-<file path=ppt/slides/slide7.xml><?xml version="1.0" encoding="utf-8"?>
-<p:sld xmlns:a="http://schemas.openxmlformats.org/drawingml/2006/main" xmlns:r="http://schemas.openxmlformats.org/officeDocument/2006/relationships" xmlns:p="http://schemas.openxmlformats.org/presentationml/2006/main">
-  <p:cSld>
-    <p:spTree>
-      <p:nvGrpSpPr>
-        <p:cNvPr id="1" name=""/>
-        <p:cNvGrpSpPr/>
-        <p:nvPr/>
-      </p:nvGrpSpPr>
-      <p:grpSpPr>
-        <a:xfrm>
-          <a:off x="0" y="0"/>
-          <a:ext cx="0" cy="0"/>
-          <a:chOff x="0" y="0"/>
-          <a:chExt cx="0" cy="0"/>
-        </a:xfrm>
-      </p:grpSpPr>
-      <p:sp>
-        <p:nvSpPr>
-          <p:cNvPr id="4" name="Slide Number Placeholder 3"/>
-          <p:cNvSpPr>
-            <a:spLocks noGrp="1"/>
-          </p:cNvSpPr>
-          <p:nvPr>
-            <p:ph type="sldNum" idx="12"/>
-          </p:nvPr>
-        </p:nvSpPr>
-        <p:spPr/>
-        <p:txBody>
-          <a:bodyPr/>
-          <a:lstStyle/>
-          <a:p>
-            <a:fld id="{00000000-1234-1234-1234-123412341234}" type="slidenum">
-              <a:rPr lang="en" smtClean="0">
-                <a:solidFill>
-                  <a:srgbClr val="000000"/>
-                </a:solidFill>
-              </a:rPr>
-              <a:pPr/>
-              <a:t>7</a:t>
-            </a:fld>
-            <a:endParaRPr lang="en">
-              <a:solidFill>
-                <a:srgbClr val="000000"/>
-              </a:solidFill>
-            </a:endParaRPr>
-          </a:p>
-        </p:txBody>
-      </p:sp>
-      <p:sp>
-        <p:nvSpPr>
-          <p:cNvPr id="2" name="TextBox 1"/>
-          <p:cNvSpPr txBox="1"/>
-          <p:nvPr/>
-        </p:nvSpPr>
-        <p:spPr>
-          <a:xfrm>
-            <a:off x="457200" y="676870"/>
-            <a:ext cx="3877985" cy="923330"/>
-          </a:xfrm>
-          <a:prstGeom prst="rect">
-            <a:avLst/>
-          </a:prstGeom>
-          <a:noFill/>
-        </p:spPr>
-        <p:txBody>
-          <a:bodyPr wrap="none" rtlCol="0">
-            <a:spAutoFit/>
-          </a:bodyPr>
-          <a:lstStyle/>
-          <a:p>
-            <a:r>
-              <a:rPr lang="vi-VN" sz="5400" dirty="0" smtClean="0">
-                <a:solidFill>
-                  <a:schemeClr val="bg1"/>
-                </a:solidFill>
-              </a:rPr>
-              <a:t>Architecture</a:t>
-            </a:r>
-            <a:endParaRPr lang="en-US" sz="5400" dirty="0">
-              <a:solidFill>
-                <a:schemeClr val="bg1"/>
-              </a:solidFill>
-            </a:endParaRPr>
-          </a:p>
-        </p:txBody>
-      </p:sp>
-      <p:pic>
-        <p:nvPicPr>
-          <p:cNvPr id="9" name="image2.jpg"/>
-          <p:cNvPicPr>
-            <a:picLocks noChangeAspect="1"/>
-          </p:cNvPicPr>
-          <p:nvPr/>
-        </p:nvPicPr>
-        <p:blipFill>
-          <a:blip r:embed="rId3">
-            <a:extLst/>
-          </a:blip>
-          <a:stretch>
-            <a:fillRect/>
-          </a:stretch>
-        </p:blipFill>
-        <p:spPr>
-          <a:xfrm>
-            <a:off x="6040942" y="3306318"/>
-            <a:ext cx="1326775" cy="1326775"/>
-          </a:xfrm>
-          <a:prstGeom prst="rect">
-            <a:avLst/>
-          </a:prstGeom>
-          <a:ln w="12700">
-            <a:miter lim="400000"/>
-          </a:ln>
-        </p:spPr>
-      </p:pic>
-      <p:pic>
-        <p:nvPicPr>
-          <p:cNvPr id="10" name="Picture 9" descr="http://imshopping.rediff.com/imgshop/800-1280/shopping/pixs/3777/g/greenberry_z8._greenberry-z8-mobile-quad-core-processor-dual-sim.jpg"/>
-          <p:cNvPicPr>
-            <a:picLocks noChangeAspect="1" noChangeArrowheads="1"/>
-          </p:cNvPicPr>
-          <p:nvPr/>
-        </p:nvPicPr>
-        <p:blipFill>
-          <a:blip r:embed="rId4" cstate="print">
-            <a:extLst>
-              <a:ext uri="{28A0092B-C50C-407E-A947-70E740481C1C}">
-                <a14:useLocalDpi xmlns:a14="http://schemas.microsoft.com/office/drawing/2010/main" val="0"/>
-              </a:ext>
-            </a:extLst>
-          </a:blip>
-          <a:srcRect/>
-          <a:stretch>
-            <a:fillRect/>
-          </a:stretch>
-        </p:blipFill>
-        <p:spPr bwMode="auto">
-          <a:xfrm>
-            <a:off x="1933125" y="3120917"/>
-            <a:ext cx="1727565" cy="1727565"/>
-          </a:xfrm>
-          <a:prstGeom prst="rect">
-            <a:avLst/>
-          </a:prstGeom>
-          <a:noFill/>
-          <a:extLst>
-            <a:ext uri="{909E8E84-426E-40DD-AFC4-6F175D3DCCD1}">
-              <a14:hiddenFill xmlns:a14="http://schemas.microsoft.com/office/drawing/2010/main">
-                <a:solidFill>
-                  <a:srgbClr val="FFFFFF"/>
-                </a:solidFill>
-              </a14:hiddenFill>
-            </a:ext>
-          </a:extLst>
-        </p:spPr>
-      </p:pic>
-      <p:cxnSp>
-        <p:nvCxnSpPr>
-          <p:cNvPr id="11" name="Straight Arrow Connector 10"/>
-          <p:cNvCxnSpPr/>
-          <p:nvPr/>
-        </p:nvCxnSpPr>
-        <p:spPr>
-          <a:xfrm flipH="1">
-            <a:off x="3530943" y="3972039"/>
-            <a:ext cx="2509999" cy="0"/>
-          </a:xfrm>
-          <a:prstGeom prst="straightConnector1">
-            <a:avLst/>
-          </a:prstGeom>
-          <a:ln w="38100">
-            <a:solidFill>
-              <a:schemeClr val="tx1"/>
-            </a:solidFill>
-            <a:headEnd type="arrow" w="med" len="med"/>
-            <a:tailEnd type="none" w="med" len="med"/>
-          </a:ln>
-        </p:spPr>
-        <p:style>
-          <a:lnRef idx="1">
-            <a:schemeClr val="accent1"/>
-          </a:lnRef>
-          <a:fillRef idx="0">
-            <a:schemeClr val="accent1"/>
-          </a:fillRef>
-          <a:effectRef idx="0">
-            <a:schemeClr val="accent1"/>
-          </a:effectRef>
-          <a:fontRef idx="minor">
-            <a:schemeClr val="tx1"/>
-          </a:fontRef>
-        </p:style>
-      </p:cxnSp>
-      <p:sp>
-        <p:nvSpPr>
-          <p:cNvPr id="12" name="TextBox 11"/>
-          <p:cNvSpPr txBox="1"/>
-          <p:nvPr/>
-        </p:nvSpPr>
-        <p:spPr>
-          <a:xfrm>
-            <a:off x="4294525" y="3095597"/>
-            <a:ext cx="982833" cy="369332"/>
-          </a:xfrm>
-          <a:prstGeom prst="rect">
-            <a:avLst/>
-          </a:prstGeom>
-          <a:noFill/>
-        </p:spPr>
-        <p:txBody>
-          <a:bodyPr wrap="none" rtlCol="0">
-            <a:spAutoFit/>
-          </a:bodyPr>
-          <a:lstStyle/>
-          <a:p>
-            <a:r>
-              <a:rPr lang="en-US" dirty="0" smtClean="0"/>
-              <a:t>Data API</a:t>
-            </a:r>
-            <a:endParaRPr lang="en-US" dirty="0"/>
-          </a:p>
-        </p:txBody>
-      </p:sp>
-      <p:sp>
-        <p:nvSpPr>
-          <p:cNvPr id="13" name="TextBox 12"/>
-          <p:cNvSpPr txBox="1"/>
-          <p:nvPr/>
-        </p:nvSpPr>
-        <p:spPr>
-          <a:xfrm>
-            <a:off x="4170228" y="3454513"/>
-            <a:ext cx="1372171" cy="369332"/>
-          </a:xfrm>
-          <a:prstGeom prst="rect">
-            <a:avLst/>
-          </a:prstGeom>
-          <a:noFill/>
-        </p:spPr>
-        <p:txBody>
-          <a:bodyPr wrap="none" rtlCol="0">
-            <a:spAutoFit/>
-          </a:bodyPr>
-          <a:lstStyle/>
-          <a:p>
-            <a:r>
-              <a:rPr lang="en-US" dirty="0" smtClean="0"/>
-              <a:t>Message API</a:t>
-            </a:r>
-            <a:endParaRPr lang="en-US" dirty="0"/>
-          </a:p>
-        </p:txBody>
-      </p:sp>
-      <p:sp>
-        <p:nvSpPr>
-          <p:cNvPr id="14" name="TextBox 13"/>
-          <p:cNvSpPr txBox="1"/>
-          <p:nvPr/>
-        </p:nvSpPr>
-        <p:spPr>
-          <a:xfrm>
-            <a:off x="4234411" y="4040929"/>
-            <a:ext cx="1103059" cy="369332"/>
-          </a:xfrm>
-          <a:prstGeom prst="rect">
-            <a:avLst/>
-          </a:prstGeom>
-          <a:noFill/>
-        </p:spPr>
-        <p:txBody>
-          <a:bodyPr wrap="none" rtlCol="0">
-            <a:spAutoFit/>
-          </a:bodyPr>
-          <a:lstStyle/>
-          <a:p>
-            <a:r>
-              <a:rPr lang="en-US" dirty="0" smtClean="0"/>
-              <a:t>Data Map</a:t>
-            </a:r>
-            <a:endParaRPr lang="en-US" dirty="0"/>
-          </a:p>
-        </p:txBody>
-      </p:sp>
-    </p:spTree>
-    <p:extLst>
-      <p:ext uri="{BB962C8B-B14F-4D97-AF65-F5344CB8AC3E}">
-        <p14:creationId xmlns:p14="http://schemas.microsoft.com/office/powerpoint/2010/main" val="1633372091"/>
-      </p:ext>
-    </p:extLst>
-  </p:cSld>
-  <p:clrMapOvr>
-    <a:masterClrMapping/>
-  </p:clrMapOvr>
-</p:sld>
-</file>
-
-<file path=ppt/slides/slide8.xml><?xml version="1.0" encoding="utf-8"?>
-<p:sld xmlns:a="http://schemas.openxmlformats.org/drawingml/2006/main" xmlns:r="http://schemas.openxmlformats.org/officeDocument/2006/relationships" xmlns:p="http://schemas.openxmlformats.org/presentationml/2006/main">
-  <p:cSld>
-    <p:spTree>
-      <p:nvGrpSpPr>
-        <p:cNvPr id="1" name=""/>
-        <p:cNvGrpSpPr/>
-        <p:nvPr/>
-      </p:nvGrpSpPr>
-      <p:grpSpPr>
-        <a:xfrm>
-          <a:off x="0" y="0"/>
-          <a:ext cx="0" cy="0"/>
-          <a:chOff x="0" y="0"/>
-          <a:chExt cx="0" cy="0"/>
-        </a:xfrm>
-      </p:grpSpPr>
-      <p:sp>
-        <p:nvSpPr>
-          <p:cNvPr id="4" name="Slide Number Placeholder 3"/>
-          <p:cNvSpPr>
-            <a:spLocks noGrp="1"/>
-          </p:cNvSpPr>
-          <p:nvPr>
-            <p:ph type="sldNum" idx="12"/>
-          </p:nvPr>
-        </p:nvSpPr>
-        <p:spPr/>
-        <p:txBody>
-          <a:bodyPr/>
-          <a:lstStyle/>
-          <a:p>
-            <a:fld id="{00000000-1234-1234-1234-123412341234}" type="slidenum">
-              <a:rPr lang="en" smtClean="0">
-                <a:solidFill>
-                  <a:srgbClr val="000000"/>
-                </a:solidFill>
-              </a:rPr>
-              <a:pPr/>
-              <a:t>8</a:t>
+              <a:t>12</a:t>
             </a:fld>
             <a:endParaRPr lang="en">
               <a:solidFill>
@@ -6304,6 +6565,3532 @@
   <p:clrMapOvr>
     <a:masterClrMapping/>
   </p:clrMapOvr>
+  <p:timing>
+    <p:tnLst>
+      <p:par>
+        <p:cTn id="1" dur="indefinite" restart="never" nodeType="tmRoot"/>
+      </p:par>
+    </p:tnLst>
+  </p:timing>
+</p:sld>
+</file>
+
+<file path=ppt/slides/slide2.xml><?xml version="1.0" encoding="utf-8"?>
+<p:sld xmlns:a="http://schemas.openxmlformats.org/drawingml/2006/main" xmlns:r="http://schemas.openxmlformats.org/officeDocument/2006/relationships" xmlns:p="http://schemas.openxmlformats.org/presentationml/2006/main">
+  <p:cSld>
+    <p:spTree>
+      <p:nvGrpSpPr>
+        <p:cNvPr id="1" name=""/>
+        <p:cNvGrpSpPr/>
+        <p:nvPr/>
+      </p:nvGrpSpPr>
+      <p:grpSpPr>
+        <a:xfrm>
+          <a:off x="0" y="0"/>
+          <a:ext cx="0" cy="0"/>
+          <a:chOff x="0" y="0"/>
+          <a:chExt cx="0" cy="0"/>
+        </a:xfrm>
+      </p:grpSpPr>
+      <p:sp>
+        <p:nvSpPr>
+          <p:cNvPr id="4" name="Slide Number Placeholder 3"/>
+          <p:cNvSpPr>
+            <a:spLocks noGrp="1"/>
+          </p:cNvSpPr>
+          <p:nvPr>
+            <p:ph type="sldNum" idx="12"/>
+          </p:nvPr>
+        </p:nvSpPr>
+        <p:spPr/>
+        <p:txBody>
+          <a:bodyPr/>
+          <a:lstStyle/>
+          <a:p>
+            <a:fld id="{00000000-1234-1234-1234-123412341234}" type="slidenum">
+              <a:rPr lang="en" smtClean="0">
+                <a:solidFill>
+                  <a:srgbClr val="000000"/>
+                </a:solidFill>
+              </a:rPr>
+              <a:pPr/>
+              <a:t>2</a:t>
+            </a:fld>
+            <a:endParaRPr lang="en">
+              <a:solidFill>
+                <a:srgbClr val="000000"/>
+              </a:solidFill>
+            </a:endParaRPr>
+          </a:p>
+        </p:txBody>
+      </p:sp>
+      <p:sp>
+        <p:nvSpPr>
+          <p:cNvPr id="2" name="TextBox 1"/>
+          <p:cNvSpPr txBox="1"/>
+          <p:nvPr/>
+        </p:nvSpPr>
+        <p:spPr>
+          <a:xfrm>
+            <a:off x="457200" y="676870"/>
+            <a:ext cx="2685351" cy="923330"/>
+          </a:xfrm>
+          <a:prstGeom prst="rect">
+            <a:avLst/>
+          </a:prstGeom>
+          <a:noFill/>
+        </p:spPr>
+        <p:txBody>
+          <a:bodyPr wrap="none" rtlCol="0">
+            <a:spAutoFit/>
+          </a:bodyPr>
+          <a:lstStyle/>
+          <a:p>
+            <a:r>
+              <a:rPr lang="vi-VN" sz="5400" dirty="0" smtClean="0">
+                <a:solidFill>
+                  <a:schemeClr val="bg1"/>
+                </a:solidFill>
+                <a:latin typeface="Cambria" pitchFamily="18" charset="0"/>
+              </a:rPr>
+              <a:t>Solution</a:t>
+            </a:r>
+            <a:endParaRPr lang="en-US" sz="5400" dirty="0">
+              <a:solidFill>
+                <a:schemeClr val="bg1"/>
+              </a:solidFill>
+              <a:latin typeface="Cambria" pitchFamily="18" charset="0"/>
+            </a:endParaRPr>
+          </a:p>
+        </p:txBody>
+      </p:sp>
+      <p:sp>
+        <p:nvSpPr>
+          <p:cNvPr id="5" name="TextBox 4"/>
+          <p:cNvSpPr txBox="1"/>
+          <p:nvPr/>
+        </p:nvSpPr>
+        <p:spPr>
+          <a:xfrm>
+            <a:off x="457200" y="2071302"/>
+            <a:ext cx="7772400" cy="830997"/>
+          </a:xfrm>
+          <a:prstGeom prst="rect">
+            <a:avLst/>
+          </a:prstGeom>
+          <a:noFill/>
+        </p:spPr>
+        <p:txBody>
+          <a:bodyPr wrap="square" rtlCol="0">
+            <a:spAutoFit/>
+          </a:bodyPr>
+          <a:lstStyle/>
+          <a:p>
+            <a:r>
+              <a:rPr lang="en-US" sz="2400" dirty="0">
+                <a:latin typeface="Cambria" pitchFamily="18" charset="0"/>
+              </a:rPr>
+              <a:t>Provide application on smart wear. </a:t>
+            </a:r>
+          </a:p>
+          <a:p>
+            <a:r>
+              <a:rPr lang="en-US" sz="2400" dirty="0">
+                <a:latin typeface="Cambria" pitchFamily="18" charset="0"/>
+              </a:rPr>
+              <a:t>Help user view map and see notification.</a:t>
+            </a:r>
+          </a:p>
+        </p:txBody>
+      </p:sp>
+    </p:spTree>
+    <p:extLst>
+      <p:ext uri="{BB962C8B-B14F-4D97-AF65-F5344CB8AC3E}">
+        <p14:creationId xmlns:p14="http://schemas.microsoft.com/office/powerpoint/2010/main" val="1441161450"/>
+      </p:ext>
+    </p:extLst>
+  </p:cSld>
+  <p:clrMapOvr>
+    <a:masterClrMapping/>
+  </p:clrMapOvr>
+  <p:timing>
+    <p:tnLst>
+      <p:par>
+        <p:cTn id="1" dur="indefinite" restart="never" nodeType="tmRoot"/>
+      </p:par>
+    </p:tnLst>
+  </p:timing>
+</p:sld>
+</file>
+
+<file path=ppt/slides/slide3.xml><?xml version="1.0" encoding="utf-8"?>
+<p:sld xmlns:a="http://schemas.openxmlformats.org/drawingml/2006/main" xmlns:r="http://schemas.openxmlformats.org/officeDocument/2006/relationships" xmlns:p="http://schemas.openxmlformats.org/presentationml/2006/main">
+  <p:cSld>
+    <p:spTree>
+      <p:nvGrpSpPr>
+        <p:cNvPr id="1" name=""/>
+        <p:cNvGrpSpPr/>
+        <p:nvPr/>
+      </p:nvGrpSpPr>
+      <p:grpSpPr>
+        <a:xfrm>
+          <a:off x="0" y="0"/>
+          <a:ext cx="0" cy="0"/>
+          <a:chOff x="0" y="0"/>
+          <a:chExt cx="0" cy="0"/>
+        </a:xfrm>
+      </p:grpSpPr>
+      <p:sp>
+        <p:nvSpPr>
+          <p:cNvPr id="4" name="Slide Number Placeholder 3"/>
+          <p:cNvSpPr>
+            <a:spLocks noGrp="1"/>
+          </p:cNvSpPr>
+          <p:nvPr>
+            <p:ph type="sldNum" idx="12"/>
+          </p:nvPr>
+        </p:nvSpPr>
+        <p:spPr/>
+        <p:txBody>
+          <a:bodyPr/>
+          <a:lstStyle/>
+          <a:p>
+            <a:fld id="{00000000-1234-1234-1234-123412341234}" type="slidenum">
+              <a:rPr lang="en" smtClean="0">
+                <a:solidFill>
+                  <a:srgbClr val="000000"/>
+                </a:solidFill>
+              </a:rPr>
+              <a:pPr/>
+              <a:t>3</a:t>
+            </a:fld>
+            <a:endParaRPr lang="en">
+              <a:solidFill>
+                <a:srgbClr val="000000"/>
+              </a:solidFill>
+            </a:endParaRPr>
+          </a:p>
+        </p:txBody>
+      </p:sp>
+      <p:sp>
+        <p:nvSpPr>
+          <p:cNvPr id="2" name="TextBox 1"/>
+          <p:cNvSpPr txBox="1"/>
+          <p:nvPr/>
+        </p:nvSpPr>
+        <p:spPr>
+          <a:xfrm>
+            <a:off x="457200" y="676870"/>
+            <a:ext cx="3877985" cy="923330"/>
+          </a:xfrm>
+          <a:prstGeom prst="rect">
+            <a:avLst/>
+          </a:prstGeom>
+          <a:noFill/>
+        </p:spPr>
+        <p:txBody>
+          <a:bodyPr wrap="none" rtlCol="0">
+            <a:spAutoFit/>
+          </a:bodyPr>
+          <a:lstStyle/>
+          <a:p>
+            <a:r>
+              <a:rPr lang="vi-VN" sz="5400" dirty="0" smtClean="0">
+                <a:solidFill>
+                  <a:schemeClr val="bg1"/>
+                </a:solidFill>
+                <a:latin typeface="Cambria" pitchFamily="18" charset="0"/>
+              </a:rPr>
+              <a:t>Architecture</a:t>
+            </a:r>
+            <a:endParaRPr lang="en-US" sz="5400" dirty="0">
+              <a:solidFill>
+                <a:schemeClr val="bg1"/>
+              </a:solidFill>
+              <a:latin typeface="Cambria" pitchFamily="18" charset="0"/>
+            </a:endParaRPr>
+          </a:p>
+        </p:txBody>
+      </p:sp>
+      <p:pic>
+        <p:nvPicPr>
+          <p:cNvPr id="6" name="image2.jpg"/>
+          <p:cNvPicPr>
+            <a:picLocks noChangeAspect="1"/>
+          </p:cNvPicPr>
+          <p:nvPr/>
+        </p:nvPicPr>
+        <p:blipFill>
+          <a:blip r:embed="rId3">
+            <a:extLst/>
+          </a:blip>
+          <a:stretch>
+            <a:fillRect/>
+          </a:stretch>
+        </p:blipFill>
+        <p:spPr>
+          <a:xfrm>
+            <a:off x="6837354" y="1947032"/>
+            <a:ext cx="1326775" cy="1326775"/>
+          </a:xfrm>
+          <a:prstGeom prst="rect">
+            <a:avLst/>
+          </a:prstGeom>
+          <a:ln w="12700">
+            <a:miter lim="400000"/>
+          </a:ln>
+        </p:spPr>
+      </p:pic>
+      <p:pic>
+        <p:nvPicPr>
+          <p:cNvPr id="7" name="Picture 6" descr="http://imshopping.rediff.com/imgshop/800-1280/shopping/pixs/3777/g/greenberry_z8._greenberry-z8-mobile-quad-core-processor-dual-sim.jpg"/>
+          <p:cNvPicPr>
+            <a:picLocks noChangeAspect="1" noChangeArrowheads="1"/>
+          </p:cNvPicPr>
+          <p:nvPr/>
+        </p:nvPicPr>
+        <p:blipFill>
+          <a:blip r:embed="rId4" cstate="print">
+            <a:extLst>
+              <a:ext uri="{28A0092B-C50C-407E-A947-70E740481C1C}">
+                <a14:useLocalDpi xmlns:a14="http://schemas.microsoft.com/office/drawing/2010/main" val="0"/>
+              </a:ext>
+            </a:extLst>
+          </a:blip>
+          <a:srcRect/>
+          <a:stretch>
+            <a:fillRect/>
+          </a:stretch>
+        </p:blipFill>
+        <p:spPr bwMode="auto">
+          <a:xfrm>
+            <a:off x="679512" y="1746636"/>
+            <a:ext cx="1727565" cy="1727565"/>
+          </a:xfrm>
+          <a:prstGeom prst="rect">
+            <a:avLst/>
+          </a:prstGeom>
+          <a:noFill/>
+          <a:extLst>
+            <a:ext uri="{909E8E84-426E-40DD-AFC4-6F175D3DCCD1}">
+              <a14:hiddenFill xmlns:a14="http://schemas.microsoft.com/office/drawing/2010/main">
+                <a:solidFill>
+                  <a:srgbClr val="FFFFFF"/>
+                </a:solidFill>
+              </a14:hiddenFill>
+            </a:ext>
+          </a:extLst>
+        </p:spPr>
+      </p:pic>
+      <p:cxnSp>
+        <p:nvCxnSpPr>
+          <p:cNvPr id="8" name="Straight Arrow Connector 7"/>
+          <p:cNvCxnSpPr>
+            <a:stCxn id="6" idx="1"/>
+            <a:endCxn id="7" idx="3"/>
+          </p:cNvCxnSpPr>
+          <p:nvPr/>
+        </p:nvCxnSpPr>
+        <p:spPr>
+          <a:xfrm flipH="1" flipV="1">
+            <a:off x="2407077" y="2610419"/>
+            <a:ext cx="4430277" cy="1"/>
+          </a:xfrm>
+          <a:prstGeom prst="straightConnector1">
+            <a:avLst/>
+          </a:prstGeom>
+          <a:ln w="38100">
+            <a:solidFill>
+              <a:schemeClr val="tx1"/>
+            </a:solidFill>
+            <a:headEnd type="arrow" w="med" len="med"/>
+            <a:tailEnd type="none" w="med" len="med"/>
+          </a:ln>
+        </p:spPr>
+        <p:style>
+          <a:lnRef idx="1">
+            <a:schemeClr val="accent1"/>
+          </a:lnRef>
+          <a:fillRef idx="0">
+            <a:schemeClr val="accent1"/>
+          </a:fillRef>
+          <a:effectRef idx="0">
+            <a:schemeClr val="accent1"/>
+          </a:effectRef>
+          <a:fontRef idx="minor">
+            <a:schemeClr val="tx1"/>
+          </a:fontRef>
+        </p:style>
+      </p:cxnSp>
+      <p:sp>
+        <p:nvSpPr>
+          <p:cNvPr id="9" name="TextBox 8"/>
+          <p:cNvSpPr txBox="1"/>
+          <p:nvPr/>
+        </p:nvSpPr>
+        <p:spPr>
+          <a:xfrm>
+            <a:off x="4212259" y="2068764"/>
+            <a:ext cx="804451" cy="523220"/>
+          </a:xfrm>
+          <a:prstGeom prst="rect">
+            <a:avLst/>
+          </a:prstGeom>
+          <a:noFill/>
+        </p:spPr>
+        <p:txBody>
+          <a:bodyPr wrap="none" rtlCol="0">
+            <a:spAutoFit/>
+          </a:bodyPr>
+          <a:lstStyle/>
+          <a:p>
+            <a:r>
+              <a:rPr lang="en-US" sz="2800" dirty="0" smtClean="0">
+                <a:latin typeface="Cambria" pitchFamily="18" charset="0"/>
+              </a:rPr>
+              <a:t>Pair</a:t>
+            </a:r>
+            <a:endParaRPr lang="en-US" sz="2800" dirty="0">
+              <a:latin typeface="Cambria" pitchFamily="18" charset="0"/>
+            </a:endParaRPr>
+          </a:p>
+        </p:txBody>
+      </p:sp>
+      <p:sp>
+        <p:nvSpPr>
+          <p:cNvPr id="10" name="TextBox 9"/>
+          <p:cNvSpPr txBox="1"/>
+          <p:nvPr/>
+        </p:nvSpPr>
+        <p:spPr>
+          <a:xfrm>
+            <a:off x="3925386" y="2635215"/>
+            <a:ext cx="1696362" cy="523220"/>
+          </a:xfrm>
+          <a:prstGeom prst="rect">
+            <a:avLst/>
+          </a:prstGeom>
+          <a:noFill/>
+        </p:spPr>
+        <p:txBody>
+          <a:bodyPr wrap="none" rtlCol="0">
+            <a:spAutoFit/>
+          </a:bodyPr>
+          <a:lstStyle/>
+          <a:p>
+            <a:r>
+              <a:rPr lang="en-US" sz="2800" dirty="0" smtClean="0">
+                <a:latin typeface="Cambria" pitchFamily="18" charset="0"/>
+              </a:rPr>
+              <a:t>Bluetooth</a:t>
+            </a:r>
+            <a:endParaRPr lang="en-US" sz="2800" dirty="0">
+              <a:latin typeface="Cambria" pitchFamily="18" charset="0"/>
+            </a:endParaRPr>
+          </a:p>
+        </p:txBody>
+      </p:sp>
+    </p:spTree>
+    <p:extLst>
+      <p:ext uri="{BB962C8B-B14F-4D97-AF65-F5344CB8AC3E}">
+        <p14:creationId xmlns:p14="http://schemas.microsoft.com/office/powerpoint/2010/main" val="1945397408"/>
+      </p:ext>
+    </p:extLst>
+  </p:cSld>
+  <p:clrMapOvr>
+    <a:masterClrMapping/>
+  </p:clrMapOvr>
+  <p:timing>
+    <p:tnLst>
+      <p:par>
+        <p:cTn id="1" dur="indefinite" restart="never" nodeType="tmRoot"/>
+      </p:par>
+    </p:tnLst>
+  </p:timing>
+</p:sld>
+</file>
+
+<file path=ppt/slides/slide4.xml><?xml version="1.0" encoding="utf-8"?>
+<p:sld xmlns:a="http://schemas.openxmlformats.org/drawingml/2006/main" xmlns:r="http://schemas.openxmlformats.org/officeDocument/2006/relationships" xmlns:p="http://schemas.openxmlformats.org/presentationml/2006/main">
+  <p:cSld>
+    <p:spTree>
+      <p:nvGrpSpPr>
+        <p:cNvPr id="1" name=""/>
+        <p:cNvGrpSpPr/>
+        <p:nvPr/>
+      </p:nvGrpSpPr>
+      <p:grpSpPr>
+        <a:xfrm>
+          <a:off x="0" y="0"/>
+          <a:ext cx="0" cy="0"/>
+          <a:chOff x="0" y="0"/>
+          <a:chExt cx="0" cy="0"/>
+        </a:xfrm>
+      </p:grpSpPr>
+      <p:sp>
+        <p:nvSpPr>
+          <p:cNvPr id="4" name="Slide Number Placeholder 3"/>
+          <p:cNvSpPr>
+            <a:spLocks noGrp="1"/>
+          </p:cNvSpPr>
+          <p:nvPr>
+            <p:ph type="sldNum" idx="12"/>
+          </p:nvPr>
+        </p:nvSpPr>
+        <p:spPr/>
+        <p:txBody>
+          <a:bodyPr/>
+          <a:lstStyle/>
+          <a:p>
+            <a:fld id="{00000000-1234-1234-1234-123412341234}" type="slidenum">
+              <a:rPr lang="en" smtClean="0">
+                <a:solidFill>
+                  <a:srgbClr val="000000"/>
+                </a:solidFill>
+              </a:rPr>
+              <a:pPr/>
+              <a:t>4</a:t>
+            </a:fld>
+            <a:endParaRPr lang="en">
+              <a:solidFill>
+                <a:srgbClr val="000000"/>
+              </a:solidFill>
+            </a:endParaRPr>
+          </a:p>
+        </p:txBody>
+      </p:sp>
+      <p:sp>
+        <p:nvSpPr>
+          <p:cNvPr id="2" name="TextBox 1"/>
+          <p:cNvSpPr txBox="1"/>
+          <p:nvPr/>
+        </p:nvSpPr>
+        <p:spPr>
+          <a:xfrm>
+            <a:off x="457200" y="676870"/>
+            <a:ext cx="3877985" cy="923330"/>
+          </a:xfrm>
+          <a:prstGeom prst="rect">
+            <a:avLst/>
+          </a:prstGeom>
+          <a:noFill/>
+        </p:spPr>
+        <p:txBody>
+          <a:bodyPr wrap="none" rtlCol="0">
+            <a:spAutoFit/>
+          </a:bodyPr>
+          <a:lstStyle/>
+          <a:p>
+            <a:r>
+              <a:rPr lang="vi-VN" sz="5400" dirty="0" smtClean="0">
+                <a:solidFill>
+                  <a:schemeClr val="bg1"/>
+                </a:solidFill>
+                <a:latin typeface="Cambria" pitchFamily="18" charset="0"/>
+              </a:rPr>
+              <a:t>Architecture</a:t>
+            </a:r>
+            <a:endParaRPr lang="en-US" sz="5400" dirty="0">
+              <a:solidFill>
+                <a:schemeClr val="bg1"/>
+              </a:solidFill>
+              <a:latin typeface="Cambria" pitchFamily="18" charset="0"/>
+            </a:endParaRPr>
+          </a:p>
+        </p:txBody>
+      </p:sp>
+      <p:pic>
+        <p:nvPicPr>
+          <p:cNvPr id="6" name="image2.jpg"/>
+          <p:cNvPicPr>
+            <a:picLocks noChangeAspect="1"/>
+          </p:cNvPicPr>
+          <p:nvPr/>
+        </p:nvPicPr>
+        <p:blipFill>
+          <a:blip r:embed="rId3">
+            <a:extLst/>
+          </a:blip>
+          <a:stretch>
+            <a:fillRect/>
+          </a:stretch>
+        </p:blipFill>
+        <p:spPr>
+          <a:xfrm>
+            <a:off x="6837354" y="1947032"/>
+            <a:ext cx="1326775" cy="1326775"/>
+          </a:xfrm>
+          <a:prstGeom prst="rect">
+            <a:avLst/>
+          </a:prstGeom>
+          <a:ln w="12700">
+            <a:miter lim="400000"/>
+          </a:ln>
+        </p:spPr>
+      </p:pic>
+      <p:pic>
+        <p:nvPicPr>
+          <p:cNvPr id="7" name="Picture 6" descr="http://imshopping.rediff.com/imgshop/800-1280/shopping/pixs/3777/g/greenberry_z8._greenberry-z8-mobile-quad-core-processor-dual-sim.jpg"/>
+          <p:cNvPicPr>
+            <a:picLocks noChangeAspect="1" noChangeArrowheads="1"/>
+          </p:cNvPicPr>
+          <p:nvPr/>
+        </p:nvPicPr>
+        <p:blipFill>
+          <a:blip r:embed="rId4" cstate="print">
+            <a:extLst>
+              <a:ext uri="{28A0092B-C50C-407E-A947-70E740481C1C}">
+                <a14:useLocalDpi xmlns:a14="http://schemas.microsoft.com/office/drawing/2010/main" val="0"/>
+              </a:ext>
+            </a:extLst>
+          </a:blip>
+          <a:srcRect/>
+          <a:stretch>
+            <a:fillRect/>
+          </a:stretch>
+        </p:blipFill>
+        <p:spPr bwMode="auto">
+          <a:xfrm>
+            <a:off x="679512" y="1746636"/>
+            <a:ext cx="1727565" cy="1727565"/>
+          </a:xfrm>
+          <a:prstGeom prst="rect">
+            <a:avLst/>
+          </a:prstGeom>
+          <a:noFill/>
+          <a:extLst>
+            <a:ext uri="{909E8E84-426E-40DD-AFC4-6F175D3DCCD1}">
+              <a14:hiddenFill xmlns:a14="http://schemas.microsoft.com/office/drawing/2010/main">
+                <a:solidFill>
+                  <a:srgbClr val="FFFFFF"/>
+                </a:solidFill>
+              </a14:hiddenFill>
+            </a:ext>
+          </a:extLst>
+        </p:spPr>
+      </p:pic>
+      <p:cxnSp>
+        <p:nvCxnSpPr>
+          <p:cNvPr id="8" name="Straight Arrow Connector 7"/>
+          <p:cNvCxnSpPr>
+            <a:stCxn id="6" idx="1"/>
+            <a:endCxn id="7" idx="3"/>
+          </p:cNvCxnSpPr>
+          <p:nvPr/>
+        </p:nvCxnSpPr>
+        <p:spPr>
+          <a:xfrm flipH="1" flipV="1">
+            <a:off x="2407077" y="2610419"/>
+            <a:ext cx="4430277" cy="1"/>
+          </a:xfrm>
+          <a:prstGeom prst="straightConnector1">
+            <a:avLst/>
+          </a:prstGeom>
+          <a:ln w="38100">
+            <a:solidFill>
+              <a:schemeClr val="tx1"/>
+            </a:solidFill>
+            <a:headEnd type="arrow" w="med" len="med"/>
+            <a:tailEnd type="none" w="med" len="med"/>
+          </a:ln>
+        </p:spPr>
+        <p:style>
+          <a:lnRef idx="1">
+            <a:schemeClr val="accent1"/>
+          </a:lnRef>
+          <a:fillRef idx="0">
+            <a:schemeClr val="accent1"/>
+          </a:fillRef>
+          <a:effectRef idx="0">
+            <a:schemeClr val="accent1"/>
+          </a:effectRef>
+          <a:fontRef idx="minor">
+            <a:schemeClr val="tx1"/>
+          </a:fontRef>
+        </p:style>
+      </p:cxnSp>
+      <p:sp>
+        <p:nvSpPr>
+          <p:cNvPr id="9" name="TextBox 8"/>
+          <p:cNvSpPr txBox="1"/>
+          <p:nvPr/>
+        </p:nvSpPr>
+        <p:spPr>
+          <a:xfrm>
+            <a:off x="4212259" y="2068764"/>
+            <a:ext cx="804451" cy="523220"/>
+          </a:xfrm>
+          <a:prstGeom prst="rect">
+            <a:avLst/>
+          </a:prstGeom>
+          <a:noFill/>
+        </p:spPr>
+        <p:txBody>
+          <a:bodyPr wrap="none" rtlCol="0">
+            <a:spAutoFit/>
+          </a:bodyPr>
+          <a:lstStyle/>
+          <a:p>
+            <a:r>
+              <a:rPr lang="en-US" sz="2800" dirty="0" smtClean="0">
+                <a:latin typeface="Cambria" pitchFamily="18" charset="0"/>
+              </a:rPr>
+              <a:t>Pair</a:t>
+            </a:r>
+            <a:endParaRPr lang="en-US" sz="2800" dirty="0">
+              <a:latin typeface="Cambria" pitchFamily="18" charset="0"/>
+            </a:endParaRPr>
+          </a:p>
+        </p:txBody>
+      </p:sp>
+      <p:sp>
+        <p:nvSpPr>
+          <p:cNvPr id="10" name="TextBox 9"/>
+          <p:cNvSpPr txBox="1"/>
+          <p:nvPr/>
+        </p:nvSpPr>
+        <p:spPr>
+          <a:xfrm>
+            <a:off x="3925386" y="2635215"/>
+            <a:ext cx="1696362" cy="523220"/>
+          </a:xfrm>
+          <a:prstGeom prst="rect">
+            <a:avLst/>
+          </a:prstGeom>
+          <a:noFill/>
+        </p:spPr>
+        <p:txBody>
+          <a:bodyPr wrap="none" rtlCol="0">
+            <a:spAutoFit/>
+          </a:bodyPr>
+          <a:lstStyle/>
+          <a:p>
+            <a:r>
+              <a:rPr lang="en-US" sz="2800" dirty="0" smtClean="0">
+                <a:latin typeface="Cambria" pitchFamily="18" charset="0"/>
+              </a:rPr>
+              <a:t>Bluetooth</a:t>
+            </a:r>
+            <a:endParaRPr lang="en-US" sz="2800" dirty="0">
+              <a:latin typeface="Cambria" pitchFamily="18" charset="0"/>
+            </a:endParaRPr>
+          </a:p>
+        </p:txBody>
+      </p:sp>
+      <p:sp>
+        <p:nvSpPr>
+          <p:cNvPr id="11" name="Rectangle 10"/>
+          <p:cNvSpPr/>
+          <p:nvPr/>
+        </p:nvSpPr>
+        <p:spPr>
+          <a:xfrm>
+            <a:off x="3622325" y="4925962"/>
+            <a:ext cx="2483508" cy="678425"/>
+          </a:xfrm>
+          <a:prstGeom prst="rect">
+            <a:avLst/>
+          </a:prstGeom>
+          <a:solidFill>
+            <a:schemeClr val="bg2"/>
+          </a:solidFill>
+        </p:spPr>
+        <p:style>
+          <a:lnRef idx="2">
+            <a:schemeClr val="accent1">
+              <a:shade val="50000"/>
+            </a:schemeClr>
+          </a:lnRef>
+          <a:fillRef idx="1">
+            <a:schemeClr val="accent1"/>
+          </a:fillRef>
+          <a:effectRef idx="0">
+            <a:schemeClr val="accent1"/>
+          </a:effectRef>
+          <a:fontRef idx="minor">
+            <a:schemeClr val="lt1"/>
+          </a:fontRef>
+        </p:style>
+        <p:txBody>
+          <a:bodyPr rtlCol="0" anchor="ctr"/>
+          <a:lstStyle/>
+          <a:p>
+            <a:pPr algn="ctr"/>
+            <a:r>
+              <a:rPr lang="en-US" sz="2400" dirty="0" smtClean="0">
+                <a:solidFill>
+                  <a:srgbClr val="FF0000"/>
+                </a:solidFill>
+                <a:latin typeface="Cambria" pitchFamily="18" charset="0"/>
+              </a:rPr>
+              <a:t>Smart wear name</a:t>
+            </a:r>
+            <a:endParaRPr lang="en-US" sz="2400" dirty="0">
+              <a:solidFill>
+                <a:srgbClr val="FF0000"/>
+              </a:solidFill>
+              <a:latin typeface="Cambria" pitchFamily="18" charset="0"/>
+            </a:endParaRPr>
+          </a:p>
+        </p:txBody>
+      </p:sp>
+      <p:cxnSp>
+        <p:nvCxnSpPr>
+          <p:cNvPr id="5" name="Straight Arrow Connector 4"/>
+          <p:cNvCxnSpPr/>
+          <p:nvPr/>
+        </p:nvCxnSpPr>
+        <p:spPr>
+          <a:xfrm flipH="1">
+            <a:off x="6105833" y="3613355"/>
+            <a:ext cx="1283109" cy="1076632"/>
+          </a:xfrm>
+          <a:prstGeom prst="straightConnector1">
+            <a:avLst/>
+          </a:prstGeom>
+          <a:ln w="38100">
+            <a:tailEnd type="arrow"/>
+          </a:ln>
+        </p:spPr>
+        <p:style>
+          <a:lnRef idx="3">
+            <a:schemeClr val="dk1"/>
+          </a:lnRef>
+          <a:fillRef idx="0">
+            <a:schemeClr val="dk1"/>
+          </a:fillRef>
+          <a:effectRef idx="2">
+            <a:schemeClr val="dk1"/>
+          </a:effectRef>
+          <a:fontRef idx="minor">
+            <a:schemeClr val="tx1"/>
+          </a:fontRef>
+        </p:style>
+      </p:cxnSp>
+      <p:sp>
+        <p:nvSpPr>
+          <p:cNvPr id="12" name="TextBox 11"/>
+          <p:cNvSpPr txBox="1"/>
+          <p:nvPr/>
+        </p:nvSpPr>
+        <p:spPr>
+          <a:xfrm>
+            <a:off x="6983218" y="4151671"/>
+            <a:ext cx="1721497" cy="523220"/>
+          </a:xfrm>
+          <a:prstGeom prst="rect">
+            <a:avLst/>
+          </a:prstGeom>
+          <a:noFill/>
+        </p:spPr>
+        <p:txBody>
+          <a:bodyPr wrap="none" rtlCol="0">
+            <a:spAutoFit/>
+          </a:bodyPr>
+          <a:lstStyle/>
+          <a:p>
+            <a:r>
+              <a:rPr lang="en-US" sz="2800" dirty="0" smtClean="0">
+                <a:latin typeface="Cambria" pitchFamily="18" charset="0"/>
+              </a:rPr>
+              <a:t>Broadcast</a:t>
+            </a:r>
+            <a:endParaRPr lang="en-US" sz="2800" dirty="0">
+              <a:latin typeface="Cambria" pitchFamily="18" charset="0"/>
+            </a:endParaRPr>
+          </a:p>
+        </p:txBody>
+      </p:sp>
+      <p:sp>
+        <p:nvSpPr>
+          <p:cNvPr id="13" name="Oval 12"/>
+          <p:cNvSpPr/>
+          <p:nvPr/>
+        </p:nvSpPr>
+        <p:spPr>
+          <a:xfrm>
+            <a:off x="5339359" y="4361184"/>
+            <a:ext cx="564777" cy="564777"/>
+          </a:xfrm>
+          <a:prstGeom prst="ellipse">
+            <a:avLst/>
+          </a:prstGeom>
+          <a:solidFill>
+            <a:schemeClr val="tx1">
+              <a:lumMod val="50000"/>
+              <a:lumOff val="50000"/>
+            </a:schemeClr>
+          </a:solidFill>
+        </p:spPr>
+        <p:style>
+          <a:lnRef idx="2">
+            <a:schemeClr val="accent1">
+              <a:shade val="50000"/>
+            </a:schemeClr>
+          </a:lnRef>
+          <a:fillRef idx="1">
+            <a:schemeClr val="accent1"/>
+          </a:fillRef>
+          <a:effectRef idx="0">
+            <a:schemeClr val="accent1"/>
+          </a:effectRef>
+          <a:fontRef idx="minor">
+            <a:schemeClr val="lt1"/>
+          </a:fontRef>
+        </p:style>
+        <p:txBody>
+          <a:bodyPr rtlCol="0" anchor="ctr"/>
+          <a:lstStyle/>
+          <a:p>
+            <a:pPr algn="ctr"/>
+            <a:r>
+              <a:rPr lang="en-US" sz="2400" b="1" dirty="0" smtClean="0">
+                <a:solidFill>
+                  <a:srgbClr val="FF0000"/>
+                </a:solidFill>
+                <a:latin typeface="Cambria" pitchFamily="18" charset="0"/>
+              </a:rPr>
+              <a:t>1</a:t>
+            </a:r>
+            <a:endParaRPr lang="en-US" sz="2400" b="1" dirty="0">
+              <a:solidFill>
+                <a:srgbClr val="FF0000"/>
+              </a:solidFill>
+              <a:latin typeface="Cambria" pitchFamily="18" charset="0"/>
+            </a:endParaRPr>
+          </a:p>
+        </p:txBody>
+      </p:sp>
+    </p:spTree>
+    <p:extLst>
+      <p:ext uri="{BB962C8B-B14F-4D97-AF65-F5344CB8AC3E}">
+        <p14:creationId xmlns:p14="http://schemas.microsoft.com/office/powerpoint/2010/main" val="4184051400"/>
+      </p:ext>
+    </p:extLst>
+  </p:cSld>
+  <p:clrMapOvr>
+    <a:masterClrMapping/>
+  </p:clrMapOvr>
+  <p:timing>
+    <p:tnLst>
+      <p:par>
+        <p:cTn id="1" dur="indefinite" restart="never" nodeType="tmRoot"/>
+      </p:par>
+    </p:tnLst>
+  </p:timing>
+</p:sld>
+</file>
+
+<file path=ppt/slides/slide5.xml><?xml version="1.0" encoding="utf-8"?>
+<p:sld xmlns:a="http://schemas.openxmlformats.org/drawingml/2006/main" xmlns:r="http://schemas.openxmlformats.org/officeDocument/2006/relationships" xmlns:p="http://schemas.openxmlformats.org/presentationml/2006/main">
+  <p:cSld>
+    <p:spTree>
+      <p:nvGrpSpPr>
+        <p:cNvPr id="1" name=""/>
+        <p:cNvGrpSpPr/>
+        <p:nvPr/>
+      </p:nvGrpSpPr>
+      <p:grpSpPr>
+        <a:xfrm>
+          <a:off x="0" y="0"/>
+          <a:ext cx="0" cy="0"/>
+          <a:chOff x="0" y="0"/>
+          <a:chExt cx="0" cy="0"/>
+        </a:xfrm>
+      </p:grpSpPr>
+      <p:sp>
+        <p:nvSpPr>
+          <p:cNvPr id="4" name="Slide Number Placeholder 3"/>
+          <p:cNvSpPr>
+            <a:spLocks noGrp="1"/>
+          </p:cNvSpPr>
+          <p:nvPr>
+            <p:ph type="sldNum" idx="12"/>
+          </p:nvPr>
+        </p:nvSpPr>
+        <p:spPr/>
+        <p:txBody>
+          <a:bodyPr/>
+          <a:lstStyle/>
+          <a:p>
+            <a:fld id="{00000000-1234-1234-1234-123412341234}" type="slidenum">
+              <a:rPr lang="en" smtClean="0">
+                <a:solidFill>
+                  <a:srgbClr val="000000"/>
+                </a:solidFill>
+              </a:rPr>
+              <a:pPr/>
+              <a:t>5</a:t>
+            </a:fld>
+            <a:endParaRPr lang="en">
+              <a:solidFill>
+                <a:srgbClr val="000000"/>
+              </a:solidFill>
+            </a:endParaRPr>
+          </a:p>
+        </p:txBody>
+      </p:sp>
+      <p:sp>
+        <p:nvSpPr>
+          <p:cNvPr id="2" name="TextBox 1"/>
+          <p:cNvSpPr txBox="1"/>
+          <p:nvPr/>
+        </p:nvSpPr>
+        <p:spPr>
+          <a:xfrm>
+            <a:off x="457200" y="676870"/>
+            <a:ext cx="3877985" cy="923330"/>
+          </a:xfrm>
+          <a:prstGeom prst="rect">
+            <a:avLst/>
+          </a:prstGeom>
+          <a:noFill/>
+        </p:spPr>
+        <p:txBody>
+          <a:bodyPr wrap="none" rtlCol="0">
+            <a:spAutoFit/>
+          </a:bodyPr>
+          <a:lstStyle/>
+          <a:p>
+            <a:r>
+              <a:rPr lang="vi-VN" sz="5400" dirty="0" smtClean="0">
+                <a:solidFill>
+                  <a:schemeClr val="bg1"/>
+                </a:solidFill>
+                <a:latin typeface="Cambria" pitchFamily="18" charset="0"/>
+              </a:rPr>
+              <a:t>Architecture</a:t>
+            </a:r>
+            <a:endParaRPr lang="en-US" sz="5400" dirty="0">
+              <a:solidFill>
+                <a:schemeClr val="bg1"/>
+              </a:solidFill>
+              <a:latin typeface="Cambria" pitchFamily="18" charset="0"/>
+            </a:endParaRPr>
+          </a:p>
+        </p:txBody>
+      </p:sp>
+      <p:pic>
+        <p:nvPicPr>
+          <p:cNvPr id="6" name="image2.jpg"/>
+          <p:cNvPicPr>
+            <a:picLocks noChangeAspect="1"/>
+          </p:cNvPicPr>
+          <p:nvPr/>
+        </p:nvPicPr>
+        <p:blipFill>
+          <a:blip r:embed="rId3">
+            <a:extLst/>
+          </a:blip>
+          <a:stretch>
+            <a:fillRect/>
+          </a:stretch>
+        </p:blipFill>
+        <p:spPr>
+          <a:xfrm>
+            <a:off x="6837354" y="1947032"/>
+            <a:ext cx="1326775" cy="1326775"/>
+          </a:xfrm>
+          <a:prstGeom prst="rect">
+            <a:avLst/>
+          </a:prstGeom>
+          <a:ln w="12700">
+            <a:miter lim="400000"/>
+          </a:ln>
+        </p:spPr>
+      </p:pic>
+      <p:pic>
+        <p:nvPicPr>
+          <p:cNvPr id="7" name="Picture 6" descr="http://imshopping.rediff.com/imgshop/800-1280/shopping/pixs/3777/g/greenberry_z8._greenberry-z8-mobile-quad-core-processor-dual-sim.jpg"/>
+          <p:cNvPicPr>
+            <a:picLocks noChangeAspect="1" noChangeArrowheads="1"/>
+          </p:cNvPicPr>
+          <p:nvPr/>
+        </p:nvPicPr>
+        <p:blipFill>
+          <a:blip r:embed="rId4" cstate="print">
+            <a:extLst>
+              <a:ext uri="{28A0092B-C50C-407E-A947-70E740481C1C}">
+                <a14:useLocalDpi xmlns:a14="http://schemas.microsoft.com/office/drawing/2010/main" val="0"/>
+              </a:ext>
+            </a:extLst>
+          </a:blip>
+          <a:srcRect/>
+          <a:stretch>
+            <a:fillRect/>
+          </a:stretch>
+        </p:blipFill>
+        <p:spPr bwMode="auto">
+          <a:xfrm>
+            <a:off x="679512" y="1746636"/>
+            <a:ext cx="1727565" cy="1727565"/>
+          </a:xfrm>
+          <a:prstGeom prst="rect">
+            <a:avLst/>
+          </a:prstGeom>
+          <a:noFill/>
+          <a:extLst>
+            <a:ext uri="{909E8E84-426E-40DD-AFC4-6F175D3DCCD1}">
+              <a14:hiddenFill xmlns:a14="http://schemas.microsoft.com/office/drawing/2010/main">
+                <a:solidFill>
+                  <a:srgbClr val="FFFFFF"/>
+                </a:solidFill>
+              </a14:hiddenFill>
+            </a:ext>
+          </a:extLst>
+        </p:spPr>
+      </p:pic>
+      <p:cxnSp>
+        <p:nvCxnSpPr>
+          <p:cNvPr id="8" name="Straight Arrow Connector 7"/>
+          <p:cNvCxnSpPr>
+            <a:stCxn id="6" idx="1"/>
+            <a:endCxn id="7" idx="3"/>
+          </p:cNvCxnSpPr>
+          <p:nvPr/>
+        </p:nvCxnSpPr>
+        <p:spPr>
+          <a:xfrm flipH="1" flipV="1">
+            <a:off x="2407077" y="2610419"/>
+            <a:ext cx="4430277" cy="1"/>
+          </a:xfrm>
+          <a:prstGeom prst="straightConnector1">
+            <a:avLst/>
+          </a:prstGeom>
+          <a:ln w="38100">
+            <a:solidFill>
+              <a:schemeClr val="tx1"/>
+            </a:solidFill>
+            <a:headEnd type="arrow" w="med" len="med"/>
+            <a:tailEnd type="none" w="med" len="med"/>
+          </a:ln>
+        </p:spPr>
+        <p:style>
+          <a:lnRef idx="1">
+            <a:schemeClr val="accent1"/>
+          </a:lnRef>
+          <a:fillRef idx="0">
+            <a:schemeClr val="accent1"/>
+          </a:fillRef>
+          <a:effectRef idx="0">
+            <a:schemeClr val="accent1"/>
+          </a:effectRef>
+          <a:fontRef idx="minor">
+            <a:schemeClr val="tx1"/>
+          </a:fontRef>
+        </p:style>
+      </p:cxnSp>
+      <p:sp>
+        <p:nvSpPr>
+          <p:cNvPr id="9" name="TextBox 8"/>
+          <p:cNvSpPr txBox="1"/>
+          <p:nvPr/>
+        </p:nvSpPr>
+        <p:spPr>
+          <a:xfrm>
+            <a:off x="4212259" y="2068764"/>
+            <a:ext cx="804451" cy="523220"/>
+          </a:xfrm>
+          <a:prstGeom prst="rect">
+            <a:avLst/>
+          </a:prstGeom>
+          <a:noFill/>
+        </p:spPr>
+        <p:txBody>
+          <a:bodyPr wrap="none" rtlCol="0">
+            <a:spAutoFit/>
+          </a:bodyPr>
+          <a:lstStyle/>
+          <a:p>
+            <a:r>
+              <a:rPr lang="en-US" sz="2800" dirty="0" smtClean="0">
+                <a:latin typeface="Cambria" pitchFamily="18" charset="0"/>
+              </a:rPr>
+              <a:t>Pair</a:t>
+            </a:r>
+            <a:endParaRPr lang="en-US" sz="2800" dirty="0">
+              <a:latin typeface="Cambria" pitchFamily="18" charset="0"/>
+            </a:endParaRPr>
+          </a:p>
+        </p:txBody>
+      </p:sp>
+      <p:sp>
+        <p:nvSpPr>
+          <p:cNvPr id="10" name="TextBox 9"/>
+          <p:cNvSpPr txBox="1"/>
+          <p:nvPr/>
+        </p:nvSpPr>
+        <p:spPr>
+          <a:xfrm>
+            <a:off x="3925386" y="2635215"/>
+            <a:ext cx="1696362" cy="523220"/>
+          </a:xfrm>
+          <a:prstGeom prst="rect">
+            <a:avLst/>
+          </a:prstGeom>
+          <a:noFill/>
+        </p:spPr>
+        <p:txBody>
+          <a:bodyPr wrap="none" rtlCol="0">
+            <a:spAutoFit/>
+          </a:bodyPr>
+          <a:lstStyle/>
+          <a:p>
+            <a:r>
+              <a:rPr lang="en-US" sz="2800" dirty="0" smtClean="0">
+                <a:latin typeface="Cambria" pitchFamily="18" charset="0"/>
+              </a:rPr>
+              <a:t>Bluetooth</a:t>
+            </a:r>
+            <a:endParaRPr lang="en-US" sz="2800" dirty="0">
+              <a:latin typeface="Cambria" pitchFamily="18" charset="0"/>
+            </a:endParaRPr>
+          </a:p>
+        </p:txBody>
+      </p:sp>
+      <p:sp>
+        <p:nvSpPr>
+          <p:cNvPr id="11" name="Rectangle 10"/>
+          <p:cNvSpPr/>
+          <p:nvPr/>
+        </p:nvSpPr>
+        <p:spPr>
+          <a:xfrm>
+            <a:off x="3622325" y="4925962"/>
+            <a:ext cx="2483508" cy="678425"/>
+          </a:xfrm>
+          <a:prstGeom prst="rect">
+            <a:avLst/>
+          </a:prstGeom>
+          <a:solidFill>
+            <a:schemeClr val="bg2"/>
+          </a:solidFill>
+        </p:spPr>
+        <p:style>
+          <a:lnRef idx="2">
+            <a:schemeClr val="accent1">
+              <a:shade val="50000"/>
+            </a:schemeClr>
+          </a:lnRef>
+          <a:fillRef idx="1">
+            <a:schemeClr val="accent1"/>
+          </a:fillRef>
+          <a:effectRef idx="0">
+            <a:schemeClr val="accent1"/>
+          </a:effectRef>
+          <a:fontRef idx="minor">
+            <a:schemeClr val="lt1"/>
+          </a:fontRef>
+        </p:style>
+        <p:txBody>
+          <a:bodyPr rtlCol="0" anchor="ctr"/>
+          <a:lstStyle/>
+          <a:p>
+            <a:pPr algn="ctr"/>
+            <a:r>
+              <a:rPr lang="en-US" sz="2400" dirty="0" smtClean="0">
+                <a:solidFill>
+                  <a:srgbClr val="FF0000"/>
+                </a:solidFill>
+                <a:latin typeface="Cambria" pitchFamily="18" charset="0"/>
+              </a:rPr>
+              <a:t>Smart wear name</a:t>
+            </a:r>
+            <a:endParaRPr lang="en-US" sz="2400" dirty="0">
+              <a:solidFill>
+                <a:srgbClr val="FF0000"/>
+              </a:solidFill>
+              <a:latin typeface="Cambria" pitchFamily="18" charset="0"/>
+            </a:endParaRPr>
+          </a:p>
+        </p:txBody>
+      </p:sp>
+      <p:cxnSp>
+        <p:nvCxnSpPr>
+          <p:cNvPr id="5" name="Straight Arrow Connector 4"/>
+          <p:cNvCxnSpPr/>
+          <p:nvPr/>
+        </p:nvCxnSpPr>
+        <p:spPr>
+          <a:xfrm flipH="1">
+            <a:off x="6105833" y="3613355"/>
+            <a:ext cx="1283109" cy="1076632"/>
+          </a:xfrm>
+          <a:prstGeom prst="straightConnector1">
+            <a:avLst/>
+          </a:prstGeom>
+          <a:ln w="38100">
+            <a:tailEnd type="arrow"/>
+          </a:ln>
+        </p:spPr>
+        <p:style>
+          <a:lnRef idx="3">
+            <a:schemeClr val="dk1"/>
+          </a:lnRef>
+          <a:fillRef idx="0">
+            <a:schemeClr val="dk1"/>
+          </a:fillRef>
+          <a:effectRef idx="2">
+            <a:schemeClr val="dk1"/>
+          </a:effectRef>
+          <a:fontRef idx="minor">
+            <a:schemeClr val="tx1"/>
+          </a:fontRef>
+        </p:style>
+      </p:cxnSp>
+      <p:sp>
+        <p:nvSpPr>
+          <p:cNvPr id="12" name="TextBox 11"/>
+          <p:cNvSpPr txBox="1"/>
+          <p:nvPr/>
+        </p:nvSpPr>
+        <p:spPr>
+          <a:xfrm>
+            <a:off x="6983218" y="4151671"/>
+            <a:ext cx="1721497" cy="523220"/>
+          </a:xfrm>
+          <a:prstGeom prst="rect">
+            <a:avLst/>
+          </a:prstGeom>
+          <a:noFill/>
+        </p:spPr>
+        <p:txBody>
+          <a:bodyPr wrap="none" rtlCol="0">
+            <a:spAutoFit/>
+          </a:bodyPr>
+          <a:lstStyle/>
+          <a:p>
+            <a:r>
+              <a:rPr lang="en-US" sz="2800" dirty="0" smtClean="0">
+                <a:latin typeface="Cambria" pitchFamily="18" charset="0"/>
+              </a:rPr>
+              <a:t>Broadcast</a:t>
+            </a:r>
+            <a:endParaRPr lang="en-US" sz="2800" dirty="0">
+              <a:latin typeface="Cambria" pitchFamily="18" charset="0"/>
+            </a:endParaRPr>
+          </a:p>
+        </p:txBody>
+      </p:sp>
+      <p:sp>
+        <p:nvSpPr>
+          <p:cNvPr id="13" name="Oval 12"/>
+          <p:cNvSpPr/>
+          <p:nvPr/>
+        </p:nvSpPr>
+        <p:spPr>
+          <a:xfrm>
+            <a:off x="5339359" y="4361185"/>
+            <a:ext cx="564777" cy="564777"/>
+          </a:xfrm>
+          <a:prstGeom prst="ellipse">
+            <a:avLst/>
+          </a:prstGeom>
+          <a:solidFill>
+            <a:schemeClr val="tx1">
+              <a:lumMod val="50000"/>
+              <a:lumOff val="50000"/>
+            </a:schemeClr>
+          </a:solidFill>
+        </p:spPr>
+        <p:style>
+          <a:lnRef idx="2">
+            <a:schemeClr val="accent1">
+              <a:shade val="50000"/>
+            </a:schemeClr>
+          </a:lnRef>
+          <a:fillRef idx="1">
+            <a:schemeClr val="accent1"/>
+          </a:fillRef>
+          <a:effectRef idx="0">
+            <a:schemeClr val="accent1"/>
+          </a:effectRef>
+          <a:fontRef idx="minor">
+            <a:schemeClr val="lt1"/>
+          </a:fontRef>
+        </p:style>
+        <p:txBody>
+          <a:bodyPr rtlCol="0" anchor="ctr"/>
+          <a:lstStyle/>
+          <a:p>
+            <a:pPr algn="ctr"/>
+            <a:r>
+              <a:rPr lang="en-US" sz="2400" b="1" dirty="0" smtClean="0">
+                <a:solidFill>
+                  <a:srgbClr val="FF0000"/>
+                </a:solidFill>
+                <a:latin typeface="Cambria" pitchFamily="18" charset="0"/>
+              </a:rPr>
+              <a:t>1</a:t>
+            </a:r>
+            <a:endParaRPr lang="en-US" sz="2400" b="1" dirty="0">
+              <a:solidFill>
+                <a:srgbClr val="FF0000"/>
+              </a:solidFill>
+              <a:latin typeface="Cambria" pitchFamily="18" charset="0"/>
+            </a:endParaRPr>
+          </a:p>
+        </p:txBody>
+      </p:sp>
+      <p:cxnSp>
+        <p:nvCxnSpPr>
+          <p:cNvPr id="17" name="Straight Arrow Connector 16"/>
+          <p:cNvCxnSpPr/>
+          <p:nvPr/>
+        </p:nvCxnSpPr>
+        <p:spPr>
+          <a:xfrm>
+            <a:off x="2064774" y="3731342"/>
+            <a:ext cx="1386349" cy="1061884"/>
+          </a:xfrm>
+          <a:prstGeom prst="straightConnector1">
+            <a:avLst/>
+          </a:prstGeom>
+          <a:ln w="38100">
+            <a:tailEnd type="arrow"/>
+          </a:ln>
+        </p:spPr>
+        <p:style>
+          <a:lnRef idx="2">
+            <a:schemeClr val="dk1"/>
+          </a:lnRef>
+          <a:fillRef idx="0">
+            <a:schemeClr val="dk1"/>
+          </a:fillRef>
+          <a:effectRef idx="1">
+            <a:schemeClr val="dk1"/>
+          </a:effectRef>
+          <a:fontRef idx="minor">
+            <a:schemeClr val="tx1"/>
+          </a:fontRef>
+        </p:style>
+      </p:cxnSp>
+      <p:sp>
+        <p:nvSpPr>
+          <p:cNvPr id="18" name="TextBox 17"/>
+          <p:cNvSpPr txBox="1"/>
+          <p:nvPr/>
+        </p:nvSpPr>
+        <p:spPr>
+          <a:xfrm>
+            <a:off x="2860193" y="3731342"/>
+            <a:ext cx="896399" cy="523220"/>
+          </a:xfrm>
+          <a:prstGeom prst="rect">
+            <a:avLst/>
+          </a:prstGeom>
+          <a:noFill/>
+        </p:spPr>
+        <p:txBody>
+          <a:bodyPr wrap="none" rtlCol="0">
+            <a:spAutoFit/>
+          </a:bodyPr>
+          <a:lstStyle/>
+          <a:p>
+            <a:r>
+              <a:rPr lang="en-US" sz="2800" dirty="0" smtClean="0">
+                <a:latin typeface="Cambria" pitchFamily="18" charset="0"/>
+              </a:rPr>
+              <a:t>Scan</a:t>
+            </a:r>
+            <a:endParaRPr lang="en-US" sz="2800" dirty="0">
+              <a:latin typeface="Cambria" pitchFamily="18" charset="0"/>
+            </a:endParaRPr>
+          </a:p>
+        </p:txBody>
+      </p:sp>
+      <p:sp>
+        <p:nvSpPr>
+          <p:cNvPr id="19" name="Oval 18"/>
+          <p:cNvSpPr/>
+          <p:nvPr/>
+        </p:nvSpPr>
+        <p:spPr>
+          <a:xfrm>
+            <a:off x="2396192" y="3399256"/>
+            <a:ext cx="564777" cy="564777"/>
+          </a:xfrm>
+          <a:prstGeom prst="ellipse">
+            <a:avLst/>
+          </a:prstGeom>
+          <a:solidFill>
+            <a:schemeClr val="tx1">
+              <a:lumMod val="50000"/>
+              <a:lumOff val="50000"/>
+            </a:schemeClr>
+          </a:solidFill>
+        </p:spPr>
+        <p:style>
+          <a:lnRef idx="2">
+            <a:schemeClr val="accent1">
+              <a:shade val="50000"/>
+            </a:schemeClr>
+          </a:lnRef>
+          <a:fillRef idx="1">
+            <a:schemeClr val="accent1"/>
+          </a:fillRef>
+          <a:effectRef idx="0">
+            <a:schemeClr val="accent1"/>
+          </a:effectRef>
+          <a:fontRef idx="minor">
+            <a:schemeClr val="lt1"/>
+          </a:fontRef>
+        </p:style>
+        <p:txBody>
+          <a:bodyPr rtlCol="0" anchor="ctr"/>
+          <a:lstStyle/>
+          <a:p>
+            <a:pPr algn="ctr"/>
+            <a:r>
+              <a:rPr lang="en-US" sz="2400" b="1" dirty="0">
+                <a:solidFill>
+                  <a:srgbClr val="FF0000"/>
+                </a:solidFill>
+                <a:latin typeface="Cambria" pitchFamily="18" charset="0"/>
+              </a:rPr>
+              <a:t>2</a:t>
+            </a:r>
+            <a:endParaRPr lang="en-US" sz="2400" b="1" dirty="0">
+              <a:solidFill>
+                <a:srgbClr val="FF0000"/>
+              </a:solidFill>
+              <a:latin typeface="Cambria" pitchFamily="18" charset="0"/>
+            </a:endParaRPr>
+          </a:p>
+        </p:txBody>
+      </p:sp>
+    </p:spTree>
+    <p:extLst>
+      <p:ext uri="{BB962C8B-B14F-4D97-AF65-F5344CB8AC3E}">
+        <p14:creationId xmlns:p14="http://schemas.microsoft.com/office/powerpoint/2010/main" val="3149675451"/>
+      </p:ext>
+    </p:extLst>
+  </p:cSld>
+  <p:clrMapOvr>
+    <a:masterClrMapping/>
+  </p:clrMapOvr>
+  <p:timing>
+    <p:tnLst>
+      <p:par>
+        <p:cTn id="1" dur="indefinite" restart="never" nodeType="tmRoot"/>
+      </p:par>
+    </p:tnLst>
+  </p:timing>
+</p:sld>
+</file>
+
+<file path=ppt/slides/slide6.xml><?xml version="1.0" encoding="utf-8"?>
+<p:sld xmlns:a="http://schemas.openxmlformats.org/drawingml/2006/main" xmlns:r="http://schemas.openxmlformats.org/officeDocument/2006/relationships" xmlns:p="http://schemas.openxmlformats.org/presentationml/2006/main">
+  <p:cSld>
+    <p:spTree>
+      <p:nvGrpSpPr>
+        <p:cNvPr id="1" name=""/>
+        <p:cNvGrpSpPr/>
+        <p:nvPr/>
+      </p:nvGrpSpPr>
+      <p:grpSpPr>
+        <a:xfrm>
+          <a:off x="0" y="0"/>
+          <a:ext cx="0" cy="0"/>
+          <a:chOff x="0" y="0"/>
+          <a:chExt cx="0" cy="0"/>
+        </a:xfrm>
+      </p:grpSpPr>
+      <p:sp>
+        <p:nvSpPr>
+          <p:cNvPr id="4" name="Slide Number Placeholder 3"/>
+          <p:cNvSpPr>
+            <a:spLocks noGrp="1"/>
+          </p:cNvSpPr>
+          <p:nvPr>
+            <p:ph type="sldNum" idx="12"/>
+          </p:nvPr>
+        </p:nvSpPr>
+        <p:spPr/>
+        <p:txBody>
+          <a:bodyPr/>
+          <a:lstStyle/>
+          <a:p>
+            <a:fld id="{00000000-1234-1234-1234-123412341234}" type="slidenum">
+              <a:rPr lang="en" smtClean="0">
+                <a:solidFill>
+                  <a:srgbClr val="000000"/>
+                </a:solidFill>
+              </a:rPr>
+              <a:pPr/>
+              <a:t>6</a:t>
+            </a:fld>
+            <a:endParaRPr lang="en">
+              <a:solidFill>
+                <a:srgbClr val="000000"/>
+              </a:solidFill>
+            </a:endParaRPr>
+          </a:p>
+        </p:txBody>
+      </p:sp>
+      <p:sp>
+        <p:nvSpPr>
+          <p:cNvPr id="2" name="TextBox 1"/>
+          <p:cNvSpPr txBox="1"/>
+          <p:nvPr/>
+        </p:nvSpPr>
+        <p:spPr>
+          <a:xfrm>
+            <a:off x="457200" y="676870"/>
+            <a:ext cx="3877985" cy="923330"/>
+          </a:xfrm>
+          <a:prstGeom prst="rect">
+            <a:avLst/>
+          </a:prstGeom>
+          <a:noFill/>
+        </p:spPr>
+        <p:txBody>
+          <a:bodyPr wrap="none" rtlCol="0">
+            <a:spAutoFit/>
+          </a:bodyPr>
+          <a:lstStyle/>
+          <a:p>
+            <a:r>
+              <a:rPr lang="vi-VN" sz="5400" dirty="0" smtClean="0">
+                <a:solidFill>
+                  <a:schemeClr val="bg1"/>
+                </a:solidFill>
+                <a:latin typeface="Cambria" pitchFamily="18" charset="0"/>
+              </a:rPr>
+              <a:t>Architecture</a:t>
+            </a:r>
+            <a:endParaRPr lang="en-US" sz="5400" dirty="0">
+              <a:solidFill>
+                <a:schemeClr val="bg1"/>
+              </a:solidFill>
+              <a:latin typeface="Cambria" pitchFamily="18" charset="0"/>
+            </a:endParaRPr>
+          </a:p>
+        </p:txBody>
+      </p:sp>
+      <p:pic>
+        <p:nvPicPr>
+          <p:cNvPr id="6" name="image2.jpg"/>
+          <p:cNvPicPr>
+            <a:picLocks noChangeAspect="1"/>
+          </p:cNvPicPr>
+          <p:nvPr/>
+        </p:nvPicPr>
+        <p:blipFill>
+          <a:blip r:embed="rId3">
+            <a:extLst/>
+          </a:blip>
+          <a:stretch>
+            <a:fillRect/>
+          </a:stretch>
+        </p:blipFill>
+        <p:spPr>
+          <a:xfrm>
+            <a:off x="6837354" y="1947032"/>
+            <a:ext cx="1326775" cy="1326775"/>
+          </a:xfrm>
+          <a:prstGeom prst="rect">
+            <a:avLst/>
+          </a:prstGeom>
+          <a:ln w="12700">
+            <a:miter lim="400000"/>
+          </a:ln>
+        </p:spPr>
+      </p:pic>
+      <p:pic>
+        <p:nvPicPr>
+          <p:cNvPr id="7" name="Picture 6" descr="http://imshopping.rediff.com/imgshop/800-1280/shopping/pixs/3777/g/greenberry_z8._greenberry-z8-mobile-quad-core-processor-dual-sim.jpg"/>
+          <p:cNvPicPr>
+            <a:picLocks noChangeAspect="1" noChangeArrowheads="1"/>
+          </p:cNvPicPr>
+          <p:nvPr/>
+        </p:nvPicPr>
+        <p:blipFill>
+          <a:blip r:embed="rId4" cstate="print">
+            <a:extLst>
+              <a:ext uri="{28A0092B-C50C-407E-A947-70E740481C1C}">
+                <a14:useLocalDpi xmlns:a14="http://schemas.microsoft.com/office/drawing/2010/main" val="0"/>
+              </a:ext>
+            </a:extLst>
+          </a:blip>
+          <a:srcRect/>
+          <a:stretch>
+            <a:fillRect/>
+          </a:stretch>
+        </p:blipFill>
+        <p:spPr bwMode="auto">
+          <a:xfrm>
+            <a:off x="679512" y="1746636"/>
+            <a:ext cx="1727565" cy="1727565"/>
+          </a:xfrm>
+          <a:prstGeom prst="rect">
+            <a:avLst/>
+          </a:prstGeom>
+          <a:noFill/>
+          <a:extLst>
+            <a:ext uri="{909E8E84-426E-40DD-AFC4-6F175D3DCCD1}">
+              <a14:hiddenFill xmlns:a14="http://schemas.microsoft.com/office/drawing/2010/main">
+                <a:solidFill>
+                  <a:srgbClr val="FFFFFF"/>
+                </a:solidFill>
+              </a14:hiddenFill>
+            </a:ext>
+          </a:extLst>
+        </p:spPr>
+      </p:pic>
+      <p:cxnSp>
+        <p:nvCxnSpPr>
+          <p:cNvPr id="8" name="Straight Arrow Connector 7"/>
+          <p:cNvCxnSpPr>
+            <a:stCxn id="6" idx="1"/>
+            <a:endCxn id="7" idx="3"/>
+          </p:cNvCxnSpPr>
+          <p:nvPr/>
+        </p:nvCxnSpPr>
+        <p:spPr>
+          <a:xfrm flipH="1" flipV="1">
+            <a:off x="2407077" y="2610419"/>
+            <a:ext cx="4430277" cy="1"/>
+          </a:xfrm>
+          <a:prstGeom prst="straightConnector1">
+            <a:avLst/>
+          </a:prstGeom>
+          <a:ln w="38100">
+            <a:solidFill>
+              <a:schemeClr val="tx1"/>
+            </a:solidFill>
+            <a:headEnd type="arrow" w="med" len="med"/>
+            <a:tailEnd type="none" w="med" len="med"/>
+          </a:ln>
+        </p:spPr>
+        <p:style>
+          <a:lnRef idx="1">
+            <a:schemeClr val="accent1"/>
+          </a:lnRef>
+          <a:fillRef idx="0">
+            <a:schemeClr val="accent1"/>
+          </a:fillRef>
+          <a:effectRef idx="0">
+            <a:schemeClr val="accent1"/>
+          </a:effectRef>
+          <a:fontRef idx="minor">
+            <a:schemeClr val="tx1"/>
+          </a:fontRef>
+        </p:style>
+      </p:cxnSp>
+      <p:sp>
+        <p:nvSpPr>
+          <p:cNvPr id="9" name="TextBox 8"/>
+          <p:cNvSpPr txBox="1"/>
+          <p:nvPr/>
+        </p:nvSpPr>
+        <p:spPr>
+          <a:xfrm>
+            <a:off x="4212259" y="2068764"/>
+            <a:ext cx="804451" cy="523220"/>
+          </a:xfrm>
+          <a:prstGeom prst="rect">
+            <a:avLst/>
+          </a:prstGeom>
+          <a:noFill/>
+        </p:spPr>
+        <p:txBody>
+          <a:bodyPr wrap="none" rtlCol="0">
+            <a:spAutoFit/>
+          </a:bodyPr>
+          <a:lstStyle/>
+          <a:p>
+            <a:r>
+              <a:rPr lang="en-US" sz="2800" dirty="0" smtClean="0">
+                <a:latin typeface="Cambria" pitchFamily="18" charset="0"/>
+              </a:rPr>
+              <a:t>Pair</a:t>
+            </a:r>
+            <a:endParaRPr lang="en-US" sz="2800" dirty="0">
+              <a:latin typeface="Cambria" pitchFamily="18" charset="0"/>
+            </a:endParaRPr>
+          </a:p>
+        </p:txBody>
+      </p:sp>
+      <p:sp>
+        <p:nvSpPr>
+          <p:cNvPr id="10" name="TextBox 9"/>
+          <p:cNvSpPr txBox="1"/>
+          <p:nvPr/>
+        </p:nvSpPr>
+        <p:spPr>
+          <a:xfrm>
+            <a:off x="3925386" y="2635215"/>
+            <a:ext cx="1696362" cy="523220"/>
+          </a:xfrm>
+          <a:prstGeom prst="rect">
+            <a:avLst/>
+          </a:prstGeom>
+          <a:noFill/>
+        </p:spPr>
+        <p:txBody>
+          <a:bodyPr wrap="none" rtlCol="0">
+            <a:spAutoFit/>
+          </a:bodyPr>
+          <a:lstStyle/>
+          <a:p>
+            <a:r>
+              <a:rPr lang="en-US" sz="2800" dirty="0" smtClean="0">
+                <a:latin typeface="Cambria" pitchFamily="18" charset="0"/>
+              </a:rPr>
+              <a:t>Bluetooth</a:t>
+            </a:r>
+            <a:endParaRPr lang="en-US" sz="2800" dirty="0">
+              <a:latin typeface="Cambria" pitchFamily="18" charset="0"/>
+            </a:endParaRPr>
+          </a:p>
+        </p:txBody>
+      </p:sp>
+      <p:sp>
+        <p:nvSpPr>
+          <p:cNvPr id="11" name="Rectangle 10"/>
+          <p:cNvSpPr/>
+          <p:nvPr/>
+        </p:nvSpPr>
+        <p:spPr>
+          <a:xfrm>
+            <a:off x="3622325" y="4925962"/>
+            <a:ext cx="2483508" cy="678425"/>
+          </a:xfrm>
+          <a:prstGeom prst="rect">
+            <a:avLst/>
+          </a:prstGeom>
+          <a:solidFill>
+            <a:schemeClr val="bg2"/>
+          </a:solidFill>
+        </p:spPr>
+        <p:style>
+          <a:lnRef idx="2">
+            <a:schemeClr val="accent1">
+              <a:shade val="50000"/>
+            </a:schemeClr>
+          </a:lnRef>
+          <a:fillRef idx="1">
+            <a:schemeClr val="accent1"/>
+          </a:fillRef>
+          <a:effectRef idx="0">
+            <a:schemeClr val="accent1"/>
+          </a:effectRef>
+          <a:fontRef idx="minor">
+            <a:schemeClr val="lt1"/>
+          </a:fontRef>
+        </p:style>
+        <p:txBody>
+          <a:bodyPr rtlCol="0" anchor="ctr"/>
+          <a:lstStyle/>
+          <a:p>
+            <a:pPr algn="ctr"/>
+            <a:r>
+              <a:rPr lang="en-US" sz="2400" dirty="0" smtClean="0">
+                <a:solidFill>
+                  <a:srgbClr val="FF0000"/>
+                </a:solidFill>
+                <a:latin typeface="Cambria" pitchFamily="18" charset="0"/>
+              </a:rPr>
+              <a:t>Smart wear name</a:t>
+            </a:r>
+            <a:endParaRPr lang="en-US" sz="2400" dirty="0">
+              <a:solidFill>
+                <a:srgbClr val="FF0000"/>
+              </a:solidFill>
+              <a:latin typeface="Cambria" pitchFamily="18" charset="0"/>
+            </a:endParaRPr>
+          </a:p>
+        </p:txBody>
+      </p:sp>
+      <p:cxnSp>
+        <p:nvCxnSpPr>
+          <p:cNvPr id="5" name="Straight Arrow Connector 4"/>
+          <p:cNvCxnSpPr/>
+          <p:nvPr/>
+        </p:nvCxnSpPr>
+        <p:spPr>
+          <a:xfrm flipH="1">
+            <a:off x="6105833" y="3613355"/>
+            <a:ext cx="1283109" cy="1076632"/>
+          </a:xfrm>
+          <a:prstGeom prst="straightConnector1">
+            <a:avLst/>
+          </a:prstGeom>
+          <a:ln w="38100">
+            <a:tailEnd type="arrow"/>
+          </a:ln>
+        </p:spPr>
+        <p:style>
+          <a:lnRef idx="3">
+            <a:schemeClr val="dk1"/>
+          </a:lnRef>
+          <a:fillRef idx="0">
+            <a:schemeClr val="dk1"/>
+          </a:fillRef>
+          <a:effectRef idx="2">
+            <a:schemeClr val="dk1"/>
+          </a:effectRef>
+          <a:fontRef idx="minor">
+            <a:schemeClr val="tx1"/>
+          </a:fontRef>
+        </p:style>
+      </p:cxnSp>
+      <p:sp>
+        <p:nvSpPr>
+          <p:cNvPr id="12" name="TextBox 11"/>
+          <p:cNvSpPr txBox="1"/>
+          <p:nvPr/>
+        </p:nvSpPr>
+        <p:spPr>
+          <a:xfrm>
+            <a:off x="6983218" y="4151671"/>
+            <a:ext cx="1721497" cy="523220"/>
+          </a:xfrm>
+          <a:prstGeom prst="rect">
+            <a:avLst/>
+          </a:prstGeom>
+          <a:noFill/>
+        </p:spPr>
+        <p:txBody>
+          <a:bodyPr wrap="none" rtlCol="0">
+            <a:spAutoFit/>
+          </a:bodyPr>
+          <a:lstStyle/>
+          <a:p>
+            <a:r>
+              <a:rPr lang="en-US" sz="2800" dirty="0" smtClean="0">
+                <a:latin typeface="Cambria" pitchFamily="18" charset="0"/>
+              </a:rPr>
+              <a:t>Broadcast</a:t>
+            </a:r>
+            <a:endParaRPr lang="en-US" sz="2800" dirty="0">
+              <a:latin typeface="Cambria" pitchFamily="18" charset="0"/>
+            </a:endParaRPr>
+          </a:p>
+        </p:txBody>
+      </p:sp>
+      <p:sp>
+        <p:nvSpPr>
+          <p:cNvPr id="13" name="Oval 12"/>
+          <p:cNvSpPr/>
+          <p:nvPr/>
+        </p:nvSpPr>
+        <p:spPr>
+          <a:xfrm>
+            <a:off x="5339359" y="4361185"/>
+            <a:ext cx="564777" cy="564777"/>
+          </a:xfrm>
+          <a:prstGeom prst="ellipse">
+            <a:avLst/>
+          </a:prstGeom>
+          <a:solidFill>
+            <a:schemeClr val="tx1">
+              <a:lumMod val="50000"/>
+              <a:lumOff val="50000"/>
+            </a:schemeClr>
+          </a:solidFill>
+        </p:spPr>
+        <p:style>
+          <a:lnRef idx="2">
+            <a:schemeClr val="accent1">
+              <a:shade val="50000"/>
+            </a:schemeClr>
+          </a:lnRef>
+          <a:fillRef idx="1">
+            <a:schemeClr val="accent1"/>
+          </a:fillRef>
+          <a:effectRef idx="0">
+            <a:schemeClr val="accent1"/>
+          </a:effectRef>
+          <a:fontRef idx="minor">
+            <a:schemeClr val="lt1"/>
+          </a:fontRef>
+        </p:style>
+        <p:txBody>
+          <a:bodyPr rtlCol="0" anchor="ctr"/>
+          <a:lstStyle/>
+          <a:p>
+            <a:pPr algn="ctr"/>
+            <a:r>
+              <a:rPr lang="en-US" sz="2400" b="1" dirty="0" smtClean="0">
+                <a:solidFill>
+                  <a:srgbClr val="FF0000"/>
+                </a:solidFill>
+                <a:latin typeface="Cambria" pitchFamily="18" charset="0"/>
+              </a:rPr>
+              <a:t>1</a:t>
+            </a:r>
+            <a:endParaRPr lang="en-US" sz="2400" b="1" dirty="0">
+              <a:solidFill>
+                <a:srgbClr val="FF0000"/>
+              </a:solidFill>
+              <a:latin typeface="Cambria" pitchFamily="18" charset="0"/>
+            </a:endParaRPr>
+          </a:p>
+        </p:txBody>
+      </p:sp>
+      <p:cxnSp>
+        <p:nvCxnSpPr>
+          <p:cNvPr id="17" name="Straight Arrow Connector 16"/>
+          <p:cNvCxnSpPr/>
+          <p:nvPr/>
+        </p:nvCxnSpPr>
+        <p:spPr>
+          <a:xfrm>
+            <a:off x="2064774" y="3731342"/>
+            <a:ext cx="1386349" cy="1061884"/>
+          </a:xfrm>
+          <a:prstGeom prst="straightConnector1">
+            <a:avLst/>
+          </a:prstGeom>
+          <a:ln w="38100">
+            <a:tailEnd type="arrow"/>
+          </a:ln>
+        </p:spPr>
+        <p:style>
+          <a:lnRef idx="2">
+            <a:schemeClr val="dk1"/>
+          </a:lnRef>
+          <a:fillRef idx="0">
+            <a:schemeClr val="dk1"/>
+          </a:fillRef>
+          <a:effectRef idx="1">
+            <a:schemeClr val="dk1"/>
+          </a:effectRef>
+          <a:fontRef idx="minor">
+            <a:schemeClr val="tx1"/>
+          </a:fontRef>
+        </p:style>
+      </p:cxnSp>
+      <p:sp>
+        <p:nvSpPr>
+          <p:cNvPr id="18" name="TextBox 17"/>
+          <p:cNvSpPr txBox="1"/>
+          <p:nvPr/>
+        </p:nvSpPr>
+        <p:spPr>
+          <a:xfrm>
+            <a:off x="2860193" y="3731342"/>
+            <a:ext cx="896399" cy="523220"/>
+          </a:xfrm>
+          <a:prstGeom prst="rect">
+            <a:avLst/>
+          </a:prstGeom>
+          <a:noFill/>
+        </p:spPr>
+        <p:txBody>
+          <a:bodyPr wrap="none" rtlCol="0">
+            <a:spAutoFit/>
+          </a:bodyPr>
+          <a:lstStyle/>
+          <a:p>
+            <a:r>
+              <a:rPr lang="en-US" sz="2800" dirty="0" smtClean="0">
+                <a:latin typeface="Cambria" pitchFamily="18" charset="0"/>
+              </a:rPr>
+              <a:t>Scan</a:t>
+            </a:r>
+            <a:endParaRPr lang="en-US" sz="2800" dirty="0">
+              <a:latin typeface="Cambria" pitchFamily="18" charset="0"/>
+            </a:endParaRPr>
+          </a:p>
+        </p:txBody>
+      </p:sp>
+      <p:sp>
+        <p:nvSpPr>
+          <p:cNvPr id="19" name="Oval 18"/>
+          <p:cNvSpPr/>
+          <p:nvPr/>
+        </p:nvSpPr>
+        <p:spPr>
+          <a:xfrm>
+            <a:off x="2396192" y="3399256"/>
+            <a:ext cx="564777" cy="564777"/>
+          </a:xfrm>
+          <a:prstGeom prst="ellipse">
+            <a:avLst/>
+          </a:prstGeom>
+          <a:solidFill>
+            <a:schemeClr val="tx1">
+              <a:lumMod val="50000"/>
+              <a:lumOff val="50000"/>
+            </a:schemeClr>
+          </a:solidFill>
+        </p:spPr>
+        <p:style>
+          <a:lnRef idx="2">
+            <a:schemeClr val="accent1">
+              <a:shade val="50000"/>
+            </a:schemeClr>
+          </a:lnRef>
+          <a:fillRef idx="1">
+            <a:schemeClr val="accent1"/>
+          </a:fillRef>
+          <a:effectRef idx="0">
+            <a:schemeClr val="accent1"/>
+          </a:effectRef>
+          <a:fontRef idx="minor">
+            <a:schemeClr val="lt1"/>
+          </a:fontRef>
+        </p:style>
+        <p:txBody>
+          <a:bodyPr rtlCol="0" anchor="ctr"/>
+          <a:lstStyle/>
+          <a:p>
+            <a:pPr algn="ctr"/>
+            <a:r>
+              <a:rPr lang="en-US" sz="2400" b="1" dirty="0">
+                <a:solidFill>
+                  <a:srgbClr val="FF0000"/>
+                </a:solidFill>
+                <a:latin typeface="Cambria" pitchFamily="18" charset="0"/>
+              </a:rPr>
+              <a:t>2</a:t>
+            </a:r>
+            <a:endParaRPr lang="en-US" sz="2400" b="1" dirty="0">
+              <a:solidFill>
+                <a:srgbClr val="FF0000"/>
+              </a:solidFill>
+              <a:latin typeface="Cambria" pitchFamily="18" charset="0"/>
+            </a:endParaRPr>
+          </a:p>
+        </p:txBody>
+      </p:sp>
+      <p:sp>
+        <p:nvSpPr>
+          <p:cNvPr id="16" name="TextBox 15"/>
+          <p:cNvSpPr txBox="1"/>
+          <p:nvPr/>
+        </p:nvSpPr>
+        <p:spPr>
+          <a:xfrm>
+            <a:off x="1017916" y="4166767"/>
+            <a:ext cx="1433406" cy="523220"/>
+          </a:xfrm>
+          <a:prstGeom prst="rect">
+            <a:avLst/>
+          </a:prstGeom>
+          <a:noFill/>
+        </p:spPr>
+        <p:txBody>
+          <a:bodyPr wrap="none" rtlCol="0">
+            <a:spAutoFit/>
+          </a:bodyPr>
+          <a:lstStyle/>
+          <a:p>
+            <a:r>
+              <a:rPr lang="en-US" sz="2800" dirty="0" smtClean="0">
+                <a:latin typeface="Cambria" pitchFamily="18" charset="0"/>
+              </a:rPr>
+              <a:t>Connect</a:t>
+            </a:r>
+            <a:endParaRPr lang="en-US" sz="2800" dirty="0">
+              <a:latin typeface="Cambria" pitchFamily="18" charset="0"/>
+            </a:endParaRPr>
+          </a:p>
+        </p:txBody>
+      </p:sp>
+      <p:sp>
+        <p:nvSpPr>
+          <p:cNvPr id="20" name="Oval 19"/>
+          <p:cNvSpPr/>
+          <p:nvPr/>
+        </p:nvSpPr>
+        <p:spPr>
+          <a:xfrm>
+            <a:off x="2451322" y="4626119"/>
+            <a:ext cx="564777" cy="564777"/>
+          </a:xfrm>
+          <a:prstGeom prst="ellipse">
+            <a:avLst/>
+          </a:prstGeom>
+          <a:solidFill>
+            <a:schemeClr val="tx1">
+              <a:lumMod val="50000"/>
+              <a:lumOff val="50000"/>
+            </a:schemeClr>
+          </a:solidFill>
+        </p:spPr>
+        <p:style>
+          <a:lnRef idx="2">
+            <a:schemeClr val="accent1">
+              <a:shade val="50000"/>
+            </a:schemeClr>
+          </a:lnRef>
+          <a:fillRef idx="1">
+            <a:schemeClr val="accent1"/>
+          </a:fillRef>
+          <a:effectRef idx="0">
+            <a:schemeClr val="accent1"/>
+          </a:effectRef>
+          <a:fontRef idx="minor">
+            <a:schemeClr val="lt1"/>
+          </a:fontRef>
+        </p:style>
+        <p:txBody>
+          <a:bodyPr rtlCol="0" anchor="ctr"/>
+          <a:lstStyle/>
+          <a:p>
+            <a:pPr algn="ctr"/>
+            <a:r>
+              <a:rPr lang="en-US" sz="2400" b="1" dirty="0" smtClean="0">
+                <a:solidFill>
+                  <a:srgbClr val="FF0000"/>
+                </a:solidFill>
+                <a:latin typeface="Cambria" pitchFamily="18" charset="0"/>
+              </a:rPr>
+              <a:t>3</a:t>
+            </a:r>
+            <a:endParaRPr lang="en-US" sz="2400" b="1" dirty="0">
+              <a:solidFill>
+                <a:srgbClr val="FF0000"/>
+              </a:solidFill>
+              <a:latin typeface="Cambria" pitchFamily="18" charset="0"/>
+            </a:endParaRPr>
+          </a:p>
+        </p:txBody>
+      </p:sp>
+    </p:spTree>
+    <p:extLst>
+      <p:ext uri="{BB962C8B-B14F-4D97-AF65-F5344CB8AC3E}">
+        <p14:creationId xmlns:p14="http://schemas.microsoft.com/office/powerpoint/2010/main" val="4112552684"/>
+      </p:ext>
+    </p:extLst>
+  </p:cSld>
+  <p:clrMapOvr>
+    <a:masterClrMapping/>
+  </p:clrMapOvr>
+  <p:timing>
+    <p:tnLst>
+      <p:par>
+        <p:cTn id="1" dur="indefinite" restart="never" nodeType="tmRoot"/>
+      </p:par>
+    </p:tnLst>
+  </p:timing>
+</p:sld>
+</file>
+
+<file path=ppt/slides/slide7.xml><?xml version="1.0" encoding="utf-8"?>
+<p:sld xmlns:a="http://schemas.openxmlformats.org/drawingml/2006/main" xmlns:r="http://schemas.openxmlformats.org/officeDocument/2006/relationships" xmlns:p="http://schemas.openxmlformats.org/presentationml/2006/main">
+  <p:cSld>
+    <p:spTree>
+      <p:nvGrpSpPr>
+        <p:cNvPr id="1" name=""/>
+        <p:cNvGrpSpPr/>
+        <p:nvPr/>
+      </p:nvGrpSpPr>
+      <p:grpSpPr>
+        <a:xfrm>
+          <a:off x="0" y="0"/>
+          <a:ext cx="0" cy="0"/>
+          <a:chOff x="0" y="0"/>
+          <a:chExt cx="0" cy="0"/>
+        </a:xfrm>
+      </p:grpSpPr>
+      <p:sp>
+        <p:nvSpPr>
+          <p:cNvPr id="4" name="Slide Number Placeholder 3"/>
+          <p:cNvSpPr>
+            <a:spLocks noGrp="1"/>
+          </p:cNvSpPr>
+          <p:nvPr>
+            <p:ph type="sldNum" idx="12"/>
+          </p:nvPr>
+        </p:nvSpPr>
+        <p:spPr/>
+        <p:txBody>
+          <a:bodyPr/>
+          <a:lstStyle/>
+          <a:p>
+            <a:fld id="{00000000-1234-1234-1234-123412341234}" type="slidenum">
+              <a:rPr lang="en" smtClean="0">
+                <a:solidFill>
+                  <a:srgbClr val="000000"/>
+                </a:solidFill>
+              </a:rPr>
+              <a:pPr/>
+              <a:t>7</a:t>
+            </a:fld>
+            <a:endParaRPr lang="en">
+              <a:solidFill>
+                <a:srgbClr val="000000"/>
+              </a:solidFill>
+            </a:endParaRPr>
+          </a:p>
+        </p:txBody>
+      </p:sp>
+      <p:sp>
+        <p:nvSpPr>
+          <p:cNvPr id="2" name="TextBox 1"/>
+          <p:cNvSpPr txBox="1"/>
+          <p:nvPr/>
+        </p:nvSpPr>
+        <p:spPr>
+          <a:xfrm>
+            <a:off x="457200" y="676870"/>
+            <a:ext cx="3877985" cy="923330"/>
+          </a:xfrm>
+          <a:prstGeom prst="rect">
+            <a:avLst/>
+          </a:prstGeom>
+          <a:noFill/>
+        </p:spPr>
+        <p:txBody>
+          <a:bodyPr wrap="none" rtlCol="0">
+            <a:spAutoFit/>
+          </a:bodyPr>
+          <a:lstStyle/>
+          <a:p>
+            <a:r>
+              <a:rPr lang="vi-VN" sz="5400" dirty="0" smtClean="0">
+                <a:solidFill>
+                  <a:schemeClr val="bg1"/>
+                </a:solidFill>
+                <a:latin typeface="Cambria" pitchFamily="18" charset="0"/>
+              </a:rPr>
+              <a:t>Architecture</a:t>
+            </a:r>
+            <a:endParaRPr lang="en-US" sz="5400" dirty="0">
+              <a:solidFill>
+                <a:schemeClr val="bg1"/>
+              </a:solidFill>
+              <a:latin typeface="Cambria" pitchFamily="18" charset="0"/>
+            </a:endParaRPr>
+          </a:p>
+        </p:txBody>
+      </p:sp>
+      <p:pic>
+        <p:nvPicPr>
+          <p:cNvPr id="6" name="image2.jpg"/>
+          <p:cNvPicPr>
+            <a:picLocks noChangeAspect="1"/>
+          </p:cNvPicPr>
+          <p:nvPr/>
+        </p:nvPicPr>
+        <p:blipFill>
+          <a:blip r:embed="rId3">
+            <a:extLst/>
+          </a:blip>
+          <a:stretch>
+            <a:fillRect/>
+          </a:stretch>
+        </p:blipFill>
+        <p:spPr>
+          <a:xfrm>
+            <a:off x="6837354" y="1947032"/>
+            <a:ext cx="1326775" cy="1326775"/>
+          </a:xfrm>
+          <a:prstGeom prst="rect">
+            <a:avLst/>
+          </a:prstGeom>
+          <a:ln w="12700">
+            <a:miter lim="400000"/>
+          </a:ln>
+        </p:spPr>
+      </p:pic>
+      <p:pic>
+        <p:nvPicPr>
+          <p:cNvPr id="7" name="Picture 6" descr="http://imshopping.rediff.com/imgshop/800-1280/shopping/pixs/3777/g/greenberry_z8._greenberry-z8-mobile-quad-core-processor-dual-sim.jpg"/>
+          <p:cNvPicPr>
+            <a:picLocks noChangeAspect="1" noChangeArrowheads="1"/>
+          </p:cNvPicPr>
+          <p:nvPr/>
+        </p:nvPicPr>
+        <p:blipFill>
+          <a:blip r:embed="rId4" cstate="print">
+            <a:extLst>
+              <a:ext uri="{28A0092B-C50C-407E-A947-70E740481C1C}">
+                <a14:useLocalDpi xmlns:a14="http://schemas.microsoft.com/office/drawing/2010/main" val="0"/>
+              </a:ext>
+            </a:extLst>
+          </a:blip>
+          <a:srcRect/>
+          <a:stretch>
+            <a:fillRect/>
+          </a:stretch>
+        </p:blipFill>
+        <p:spPr bwMode="auto">
+          <a:xfrm>
+            <a:off x="679512" y="1746636"/>
+            <a:ext cx="1727565" cy="1727565"/>
+          </a:xfrm>
+          <a:prstGeom prst="rect">
+            <a:avLst/>
+          </a:prstGeom>
+          <a:noFill/>
+          <a:extLst>
+            <a:ext uri="{909E8E84-426E-40DD-AFC4-6F175D3DCCD1}">
+              <a14:hiddenFill xmlns:a14="http://schemas.microsoft.com/office/drawing/2010/main">
+                <a:solidFill>
+                  <a:srgbClr val="FFFFFF"/>
+                </a:solidFill>
+              </a14:hiddenFill>
+            </a:ext>
+          </a:extLst>
+        </p:spPr>
+      </p:pic>
+      <p:cxnSp>
+        <p:nvCxnSpPr>
+          <p:cNvPr id="8" name="Straight Arrow Connector 7"/>
+          <p:cNvCxnSpPr>
+            <a:stCxn id="6" idx="1"/>
+            <a:endCxn id="7" idx="3"/>
+          </p:cNvCxnSpPr>
+          <p:nvPr/>
+        </p:nvCxnSpPr>
+        <p:spPr>
+          <a:xfrm flipH="1" flipV="1">
+            <a:off x="2407077" y="2610419"/>
+            <a:ext cx="4430277" cy="1"/>
+          </a:xfrm>
+          <a:prstGeom prst="straightConnector1">
+            <a:avLst/>
+          </a:prstGeom>
+          <a:ln w="38100">
+            <a:solidFill>
+              <a:schemeClr val="tx1"/>
+            </a:solidFill>
+            <a:headEnd type="arrow" w="med" len="med"/>
+            <a:tailEnd type="none" w="med" len="med"/>
+          </a:ln>
+        </p:spPr>
+        <p:style>
+          <a:lnRef idx="1">
+            <a:schemeClr val="accent1"/>
+          </a:lnRef>
+          <a:fillRef idx="0">
+            <a:schemeClr val="accent1"/>
+          </a:fillRef>
+          <a:effectRef idx="0">
+            <a:schemeClr val="accent1"/>
+          </a:effectRef>
+          <a:fontRef idx="minor">
+            <a:schemeClr val="tx1"/>
+          </a:fontRef>
+        </p:style>
+      </p:cxnSp>
+      <p:sp>
+        <p:nvSpPr>
+          <p:cNvPr id="9" name="TextBox 8"/>
+          <p:cNvSpPr txBox="1"/>
+          <p:nvPr/>
+        </p:nvSpPr>
+        <p:spPr>
+          <a:xfrm>
+            <a:off x="4212259" y="2068764"/>
+            <a:ext cx="804451" cy="523220"/>
+          </a:xfrm>
+          <a:prstGeom prst="rect">
+            <a:avLst/>
+          </a:prstGeom>
+          <a:noFill/>
+        </p:spPr>
+        <p:txBody>
+          <a:bodyPr wrap="none" rtlCol="0">
+            <a:spAutoFit/>
+          </a:bodyPr>
+          <a:lstStyle/>
+          <a:p>
+            <a:r>
+              <a:rPr lang="en-US" sz="2800" dirty="0" smtClean="0">
+                <a:latin typeface="Cambria" pitchFamily="18" charset="0"/>
+              </a:rPr>
+              <a:t>Pair</a:t>
+            </a:r>
+            <a:endParaRPr lang="en-US" sz="2800" dirty="0">
+              <a:latin typeface="Cambria" pitchFamily="18" charset="0"/>
+            </a:endParaRPr>
+          </a:p>
+        </p:txBody>
+      </p:sp>
+      <p:sp>
+        <p:nvSpPr>
+          <p:cNvPr id="10" name="TextBox 9"/>
+          <p:cNvSpPr txBox="1"/>
+          <p:nvPr/>
+        </p:nvSpPr>
+        <p:spPr>
+          <a:xfrm>
+            <a:off x="3925386" y="2635215"/>
+            <a:ext cx="1696362" cy="523220"/>
+          </a:xfrm>
+          <a:prstGeom prst="rect">
+            <a:avLst/>
+          </a:prstGeom>
+          <a:noFill/>
+        </p:spPr>
+        <p:txBody>
+          <a:bodyPr wrap="none" rtlCol="0">
+            <a:spAutoFit/>
+          </a:bodyPr>
+          <a:lstStyle/>
+          <a:p>
+            <a:r>
+              <a:rPr lang="en-US" sz="2800" dirty="0" smtClean="0">
+                <a:latin typeface="Cambria" pitchFamily="18" charset="0"/>
+              </a:rPr>
+              <a:t>Bluetooth</a:t>
+            </a:r>
+            <a:endParaRPr lang="en-US" sz="2800" dirty="0">
+              <a:latin typeface="Cambria" pitchFamily="18" charset="0"/>
+            </a:endParaRPr>
+          </a:p>
+        </p:txBody>
+      </p:sp>
+      <p:sp>
+        <p:nvSpPr>
+          <p:cNvPr id="11" name="Rectangle 10"/>
+          <p:cNvSpPr/>
+          <p:nvPr/>
+        </p:nvSpPr>
+        <p:spPr>
+          <a:xfrm>
+            <a:off x="3622325" y="4925962"/>
+            <a:ext cx="2483508" cy="678425"/>
+          </a:xfrm>
+          <a:prstGeom prst="rect">
+            <a:avLst/>
+          </a:prstGeom>
+          <a:solidFill>
+            <a:schemeClr val="bg2"/>
+          </a:solidFill>
+        </p:spPr>
+        <p:style>
+          <a:lnRef idx="2">
+            <a:schemeClr val="accent1">
+              <a:shade val="50000"/>
+            </a:schemeClr>
+          </a:lnRef>
+          <a:fillRef idx="1">
+            <a:schemeClr val="accent1"/>
+          </a:fillRef>
+          <a:effectRef idx="0">
+            <a:schemeClr val="accent1"/>
+          </a:effectRef>
+          <a:fontRef idx="minor">
+            <a:schemeClr val="lt1"/>
+          </a:fontRef>
+        </p:style>
+        <p:txBody>
+          <a:bodyPr rtlCol="0" anchor="ctr"/>
+          <a:lstStyle/>
+          <a:p>
+            <a:pPr algn="ctr"/>
+            <a:r>
+              <a:rPr lang="en-US" sz="2400" dirty="0" smtClean="0">
+                <a:solidFill>
+                  <a:srgbClr val="FF0000"/>
+                </a:solidFill>
+                <a:latin typeface="Cambria" pitchFamily="18" charset="0"/>
+              </a:rPr>
+              <a:t>Smart wear name</a:t>
+            </a:r>
+            <a:endParaRPr lang="en-US" sz="2400" dirty="0">
+              <a:solidFill>
+                <a:srgbClr val="FF0000"/>
+              </a:solidFill>
+              <a:latin typeface="Cambria" pitchFamily="18" charset="0"/>
+            </a:endParaRPr>
+          </a:p>
+        </p:txBody>
+      </p:sp>
+      <p:cxnSp>
+        <p:nvCxnSpPr>
+          <p:cNvPr id="5" name="Straight Arrow Connector 4"/>
+          <p:cNvCxnSpPr/>
+          <p:nvPr/>
+        </p:nvCxnSpPr>
+        <p:spPr>
+          <a:xfrm flipH="1">
+            <a:off x="6105833" y="3613355"/>
+            <a:ext cx="1283109" cy="1076632"/>
+          </a:xfrm>
+          <a:prstGeom prst="straightConnector1">
+            <a:avLst/>
+          </a:prstGeom>
+          <a:ln w="38100">
+            <a:tailEnd type="arrow"/>
+          </a:ln>
+        </p:spPr>
+        <p:style>
+          <a:lnRef idx="3">
+            <a:schemeClr val="dk1"/>
+          </a:lnRef>
+          <a:fillRef idx="0">
+            <a:schemeClr val="dk1"/>
+          </a:fillRef>
+          <a:effectRef idx="2">
+            <a:schemeClr val="dk1"/>
+          </a:effectRef>
+          <a:fontRef idx="minor">
+            <a:schemeClr val="tx1"/>
+          </a:fontRef>
+        </p:style>
+      </p:cxnSp>
+      <p:sp>
+        <p:nvSpPr>
+          <p:cNvPr id="12" name="TextBox 11"/>
+          <p:cNvSpPr txBox="1"/>
+          <p:nvPr/>
+        </p:nvSpPr>
+        <p:spPr>
+          <a:xfrm>
+            <a:off x="6983218" y="4151671"/>
+            <a:ext cx="1721497" cy="523220"/>
+          </a:xfrm>
+          <a:prstGeom prst="rect">
+            <a:avLst/>
+          </a:prstGeom>
+          <a:noFill/>
+        </p:spPr>
+        <p:txBody>
+          <a:bodyPr wrap="none" rtlCol="0">
+            <a:spAutoFit/>
+          </a:bodyPr>
+          <a:lstStyle/>
+          <a:p>
+            <a:r>
+              <a:rPr lang="en-US" sz="2800" dirty="0" smtClean="0">
+                <a:latin typeface="Cambria" pitchFamily="18" charset="0"/>
+              </a:rPr>
+              <a:t>Broadcast</a:t>
+            </a:r>
+            <a:endParaRPr lang="en-US" sz="2800" dirty="0">
+              <a:latin typeface="Cambria" pitchFamily="18" charset="0"/>
+            </a:endParaRPr>
+          </a:p>
+        </p:txBody>
+      </p:sp>
+      <p:cxnSp>
+        <p:nvCxnSpPr>
+          <p:cNvPr id="14" name="Straight Connector 13"/>
+          <p:cNvCxnSpPr/>
+          <p:nvPr/>
+        </p:nvCxnSpPr>
+        <p:spPr>
+          <a:xfrm>
+            <a:off x="7388942" y="3964033"/>
+            <a:ext cx="1165123" cy="1226863"/>
+          </a:xfrm>
+          <a:prstGeom prst="line">
+            <a:avLst/>
+          </a:prstGeom>
+          <a:ln w="63500">
+            <a:solidFill>
+              <a:srgbClr val="FF0000"/>
+            </a:solidFill>
+          </a:ln>
+        </p:spPr>
+        <p:style>
+          <a:lnRef idx="1">
+            <a:schemeClr val="accent1"/>
+          </a:lnRef>
+          <a:fillRef idx="0">
+            <a:schemeClr val="accent1"/>
+          </a:fillRef>
+          <a:effectRef idx="0">
+            <a:schemeClr val="accent1"/>
+          </a:effectRef>
+          <a:fontRef idx="minor">
+            <a:schemeClr val="tx1"/>
+          </a:fontRef>
+        </p:style>
+      </p:cxnSp>
+      <p:cxnSp>
+        <p:nvCxnSpPr>
+          <p:cNvPr id="21" name="Straight Connector 20"/>
+          <p:cNvCxnSpPr/>
+          <p:nvPr/>
+        </p:nvCxnSpPr>
+        <p:spPr>
+          <a:xfrm flipH="1">
+            <a:off x="7388942" y="3964033"/>
+            <a:ext cx="973393" cy="1226863"/>
+          </a:xfrm>
+          <a:prstGeom prst="line">
+            <a:avLst/>
+          </a:prstGeom>
+          <a:ln w="63500">
+            <a:solidFill>
+              <a:srgbClr val="FF0000"/>
+            </a:solidFill>
+          </a:ln>
+        </p:spPr>
+        <p:style>
+          <a:lnRef idx="1">
+            <a:schemeClr val="accent1"/>
+          </a:lnRef>
+          <a:fillRef idx="0">
+            <a:schemeClr val="accent1"/>
+          </a:fillRef>
+          <a:effectRef idx="0">
+            <a:schemeClr val="accent1"/>
+          </a:effectRef>
+          <a:fontRef idx="minor">
+            <a:schemeClr val="tx1"/>
+          </a:fontRef>
+        </p:style>
+      </p:cxnSp>
+    </p:spTree>
+    <p:extLst>
+      <p:ext uri="{BB962C8B-B14F-4D97-AF65-F5344CB8AC3E}">
+        <p14:creationId xmlns:p14="http://schemas.microsoft.com/office/powerpoint/2010/main" val="2251074235"/>
+      </p:ext>
+    </p:extLst>
+  </p:cSld>
+  <p:clrMapOvr>
+    <a:masterClrMapping/>
+  </p:clrMapOvr>
+  <p:timing>
+    <p:tnLst>
+      <p:par>
+        <p:cTn id="1" dur="indefinite" restart="never" nodeType="tmRoot"/>
+      </p:par>
+    </p:tnLst>
+  </p:timing>
+</p:sld>
+</file>
+
+<file path=ppt/slides/slide8.xml><?xml version="1.0" encoding="utf-8"?>
+<p:sld xmlns:a="http://schemas.openxmlformats.org/drawingml/2006/main" xmlns:r="http://schemas.openxmlformats.org/officeDocument/2006/relationships" xmlns:p="http://schemas.openxmlformats.org/presentationml/2006/main">
+  <p:cSld>
+    <p:spTree>
+      <p:nvGrpSpPr>
+        <p:cNvPr id="1" name=""/>
+        <p:cNvGrpSpPr/>
+        <p:nvPr/>
+      </p:nvGrpSpPr>
+      <p:grpSpPr>
+        <a:xfrm>
+          <a:off x="0" y="0"/>
+          <a:ext cx="0" cy="0"/>
+          <a:chOff x="0" y="0"/>
+          <a:chExt cx="0" cy="0"/>
+        </a:xfrm>
+      </p:grpSpPr>
+      <p:sp>
+        <p:nvSpPr>
+          <p:cNvPr id="4" name="Slide Number Placeholder 3"/>
+          <p:cNvSpPr>
+            <a:spLocks noGrp="1"/>
+          </p:cNvSpPr>
+          <p:nvPr>
+            <p:ph type="sldNum" idx="12"/>
+          </p:nvPr>
+        </p:nvSpPr>
+        <p:spPr/>
+        <p:txBody>
+          <a:bodyPr/>
+          <a:lstStyle/>
+          <a:p>
+            <a:fld id="{00000000-1234-1234-1234-123412341234}" type="slidenum">
+              <a:rPr lang="en" smtClean="0">
+                <a:solidFill>
+                  <a:srgbClr val="000000"/>
+                </a:solidFill>
+              </a:rPr>
+              <a:pPr/>
+              <a:t>8</a:t>
+            </a:fld>
+            <a:endParaRPr lang="en">
+              <a:solidFill>
+                <a:srgbClr val="000000"/>
+              </a:solidFill>
+            </a:endParaRPr>
+          </a:p>
+        </p:txBody>
+      </p:sp>
+      <p:sp>
+        <p:nvSpPr>
+          <p:cNvPr id="2" name="TextBox 1"/>
+          <p:cNvSpPr txBox="1"/>
+          <p:nvPr/>
+        </p:nvSpPr>
+        <p:spPr>
+          <a:xfrm>
+            <a:off x="457200" y="676870"/>
+            <a:ext cx="3877985" cy="923330"/>
+          </a:xfrm>
+          <a:prstGeom prst="rect">
+            <a:avLst/>
+          </a:prstGeom>
+          <a:noFill/>
+        </p:spPr>
+        <p:txBody>
+          <a:bodyPr wrap="none" rtlCol="0">
+            <a:spAutoFit/>
+          </a:bodyPr>
+          <a:lstStyle/>
+          <a:p>
+            <a:r>
+              <a:rPr lang="vi-VN" sz="5400" dirty="0" smtClean="0">
+                <a:solidFill>
+                  <a:schemeClr val="bg1"/>
+                </a:solidFill>
+                <a:latin typeface="Cambria" pitchFamily="18" charset="0"/>
+              </a:rPr>
+              <a:t>Architecture</a:t>
+            </a:r>
+            <a:endParaRPr lang="en-US" sz="5400" dirty="0">
+              <a:solidFill>
+                <a:schemeClr val="bg1"/>
+              </a:solidFill>
+              <a:latin typeface="Cambria" pitchFamily="18" charset="0"/>
+            </a:endParaRPr>
+          </a:p>
+        </p:txBody>
+      </p:sp>
+      <p:pic>
+        <p:nvPicPr>
+          <p:cNvPr id="9" name="Picture 8" descr="http://imshopping.rediff.com/imgshop/800-1280/shopping/pixs/3777/g/greenberry_z8._greenberry-z8-mobile-quad-core-processor-dual-sim.jpg"/>
+          <p:cNvPicPr>
+            <a:picLocks noChangeAspect="1" noChangeArrowheads="1"/>
+          </p:cNvPicPr>
+          <p:nvPr/>
+        </p:nvPicPr>
+        <p:blipFill>
+          <a:blip r:embed="rId3" cstate="print">
+            <a:extLst>
+              <a:ext uri="{28A0092B-C50C-407E-A947-70E740481C1C}">
+                <a14:useLocalDpi xmlns:a14="http://schemas.microsoft.com/office/drawing/2010/main" val="0"/>
+              </a:ext>
+            </a:extLst>
+          </a:blip>
+          <a:srcRect/>
+          <a:stretch>
+            <a:fillRect/>
+          </a:stretch>
+        </p:blipFill>
+        <p:spPr bwMode="auto">
+          <a:xfrm>
+            <a:off x="457199" y="2244473"/>
+            <a:ext cx="1727565" cy="1727565"/>
+          </a:xfrm>
+          <a:prstGeom prst="rect">
+            <a:avLst/>
+          </a:prstGeom>
+          <a:noFill/>
+          <a:extLst>
+            <a:ext uri="{909E8E84-426E-40DD-AFC4-6F175D3DCCD1}">
+              <a14:hiddenFill xmlns:a14="http://schemas.microsoft.com/office/drawing/2010/main">
+                <a:solidFill>
+                  <a:srgbClr val="FFFFFF"/>
+                </a:solidFill>
+              </a14:hiddenFill>
+            </a:ext>
+          </a:extLst>
+        </p:spPr>
+      </p:pic>
+      <p:cxnSp>
+        <p:nvCxnSpPr>
+          <p:cNvPr id="10" name="Straight Arrow Connector 9"/>
+          <p:cNvCxnSpPr/>
+          <p:nvPr/>
+        </p:nvCxnSpPr>
+        <p:spPr>
+          <a:xfrm flipH="1">
+            <a:off x="2275942" y="3108256"/>
+            <a:ext cx="2509999" cy="0"/>
+          </a:xfrm>
+          <a:prstGeom prst="straightConnector1">
+            <a:avLst/>
+          </a:prstGeom>
+          <a:ln w="38100">
+            <a:solidFill>
+              <a:schemeClr val="tx1"/>
+            </a:solidFill>
+            <a:headEnd type="arrow" w="med" len="med"/>
+            <a:tailEnd type="none" w="med" len="med"/>
+          </a:ln>
+        </p:spPr>
+        <p:style>
+          <a:lnRef idx="1">
+            <a:schemeClr val="accent1"/>
+          </a:lnRef>
+          <a:fillRef idx="0">
+            <a:schemeClr val="accent1"/>
+          </a:fillRef>
+          <a:effectRef idx="0">
+            <a:schemeClr val="accent1"/>
+          </a:effectRef>
+          <a:fontRef idx="minor">
+            <a:schemeClr val="tx1"/>
+          </a:fontRef>
+        </p:style>
+      </p:cxnSp>
+      <p:sp>
+        <p:nvSpPr>
+          <p:cNvPr id="11" name="TextBox 10"/>
+          <p:cNvSpPr txBox="1"/>
+          <p:nvPr/>
+        </p:nvSpPr>
+        <p:spPr>
+          <a:xfrm>
+            <a:off x="2396191" y="2590730"/>
+            <a:ext cx="1840568" cy="461665"/>
+          </a:xfrm>
+          <a:prstGeom prst="rect">
+            <a:avLst/>
+          </a:prstGeom>
+          <a:noFill/>
+        </p:spPr>
+        <p:txBody>
+          <a:bodyPr wrap="none" rtlCol="0">
+            <a:spAutoFit/>
+          </a:bodyPr>
+          <a:lstStyle/>
+          <a:p>
+            <a:r>
+              <a:rPr lang="en-US" sz="2400" dirty="0" smtClean="0">
+                <a:latin typeface="Cambria" pitchFamily="18" charset="0"/>
+              </a:rPr>
+              <a:t>Message API</a:t>
+            </a:r>
+            <a:endParaRPr lang="en-US" sz="2400" dirty="0">
+              <a:latin typeface="Cambria" pitchFamily="18" charset="0"/>
+            </a:endParaRPr>
+          </a:p>
+        </p:txBody>
+      </p:sp>
+      <p:sp>
+        <p:nvSpPr>
+          <p:cNvPr id="3" name="Rectangle 2"/>
+          <p:cNvSpPr/>
+          <p:nvPr/>
+        </p:nvSpPr>
+        <p:spPr>
+          <a:xfrm>
+            <a:off x="5107367" y="1822473"/>
+            <a:ext cx="3505690" cy="2873885"/>
+          </a:xfrm>
+          <a:prstGeom prst="rect">
+            <a:avLst/>
+          </a:prstGeom>
+          <a:noFill/>
+        </p:spPr>
+        <p:style>
+          <a:lnRef idx="2">
+            <a:schemeClr val="accent1">
+              <a:shade val="50000"/>
+            </a:schemeClr>
+          </a:lnRef>
+          <a:fillRef idx="1">
+            <a:schemeClr val="accent1"/>
+          </a:fillRef>
+          <a:effectRef idx="0">
+            <a:schemeClr val="accent1"/>
+          </a:effectRef>
+          <a:fontRef idx="minor">
+            <a:schemeClr val="lt1"/>
+          </a:fontRef>
+        </p:style>
+        <p:txBody>
+          <a:bodyPr rtlCol="0" anchor="ctr"/>
+          <a:lstStyle/>
+          <a:p>
+            <a:pPr algn="ctr"/>
+            <a:endParaRPr lang="en-US"/>
+          </a:p>
+        </p:txBody>
+      </p:sp>
+      <p:sp>
+        <p:nvSpPr>
+          <p:cNvPr id="6" name="Flowchart: Magnetic Disk 5"/>
+          <p:cNvSpPr/>
+          <p:nvPr/>
+        </p:nvSpPr>
+        <p:spPr>
+          <a:xfrm>
+            <a:off x="5338916" y="2244473"/>
+            <a:ext cx="1253613" cy="2165295"/>
+          </a:xfrm>
+          <a:prstGeom prst="flowChartMagneticDisk">
+            <a:avLst/>
+          </a:prstGeom>
+          <a:solidFill>
+            <a:schemeClr val="bg2">
+              <a:lumMod val="90000"/>
+            </a:schemeClr>
+          </a:solidFill>
+        </p:spPr>
+        <p:style>
+          <a:lnRef idx="2">
+            <a:schemeClr val="accent1">
+              <a:shade val="50000"/>
+            </a:schemeClr>
+          </a:lnRef>
+          <a:fillRef idx="1">
+            <a:schemeClr val="accent1"/>
+          </a:fillRef>
+          <a:effectRef idx="0">
+            <a:schemeClr val="accent1"/>
+          </a:effectRef>
+          <a:fontRef idx="minor">
+            <a:schemeClr val="lt1"/>
+          </a:fontRef>
+        </p:style>
+        <p:txBody>
+          <a:bodyPr rtlCol="0" anchor="ctr"/>
+          <a:lstStyle/>
+          <a:p>
+            <a:pPr algn="ctr"/>
+            <a:r>
+              <a:rPr lang="en-US" b="1" dirty="0" smtClean="0">
+                <a:solidFill>
+                  <a:srgbClr val="FF0000"/>
+                </a:solidFill>
+                <a:latin typeface="Cambria" pitchFamily="18" charset="0"/>
+              </a:rPr>
+              <a:t>Data layer service</a:t>
+            </a:r>
+            <a:endParaRPr lang="en-US" b="1" dirty="0">
+              <a:solidFill>
+                <a:srgbClr val="FF0000"/>
+              </a:solidFill>
+              <a:latin typeface="Cambria" pitchFamily="18" charset="0"/>
+            </a:endParaRPr>
+          </a:p>
+        </p:txBody>
+      </p:sp>
+      <p:sp>
+        <p:nvSpPr>
+          <p:cNvPr id="7" name="Rectangle 6"/>
+          <p:cNvSpPr/>
+          <p:nvPr/>
+        </p:nvSpPr>
+        <p:spPr>
+          <a:xfrm>
+            <a:off x="6860212" y="2244473"/>
+            <a:ext cx="1590614" cy="863783"/>
+          </a:xfrm>
+          <a:prstGeom prst="rect">
+            <a:avLst/>
+          </a:prstGeom>
+          <a:solidFill>
+            <a:schemeClr val="bg2">
+              <a:lumMod val="90000"/>
+            </a:schemeClr>
+          </a:solidFill>
+        </p:spPr>
+        <p:style>
+          <a:lnRef idx="2">
+            <a:schemeClr val="accent1">
+              <a:shade val="50000"/>
+            </a:schemeClr>
+          </a:lnRef>
+          <a:fillRef idx="1">
+            <a:schemeClr val="accent1"/>
+          </a:fillRef>
+          <a:effectRef idx="0">
+            <a:schemeClr val="accent1"/>
+          </a:effectRef>
+          <a:fontRef idx="minor">
+            <a:schemeClr val="lt1"/>
+          </a:fontRef>
+        </p:style>
+        <p:txBody>
+          <a:bodyPr rtlCol="0" anchor="ctr"/>
+          <a:lstStyle/>
+          <a:p>
+            <a:pPr algn="ctr"/>
+            <a:r>
+              <a:rPr lang="en-US" b="1" dirty="0" smtClean="0">
+                <a:solidFill>
+                  <a:srgbClr val="FF0000"/>
+                </a:solidFill>
+                <a:latin typeface="Cambria" pitchFamily="18" charset="0"/>
+              </a:rPr>
+              <a:t>Activity</a:t>
+            </a:r>
+            <a:endParaRPr lang="en-US" b="1" dirty="0">
+              <a:solidFill>
+                <a:srgbClr val="FF0000"/>
+              </a:solidFill>
+              <a:latin typeface="Cambria" pitchFamily="18" charset="0"/>
+            </a:endParaRPr>
+          </a:p>
+        </p:txBody>
+      </p:sp>
+    </p:spTree>
+    <p:extLst>
+      <p:ext uri="{BB962C8B-B14F-4D97-AF65-F5344CB8AC3E}">
+        <p14:creationId xmlns:p14="http://schemas.microsoft.com/office/powerpoint/2010/main" val="1551042407"/>
+      </p:ext>
+    </p:extLst>
+  </p:cSld>
+  <p:clrMapOvr>
+    <a:masterClrMapping/>
+  </p:clrMapOvr>
+  <p:timing>
+    <p:tnLst>
+      <p:par>
+        <p:cTn id="1" dur="indefinite" restart="never" nodeType="tmRoot"/>
+      </p:par>
+    </p:tnLst>
+  </p:timing>
+</p:sld>
+</file>
+
+<file path=ppt/slides/slide9.xml><?xml version="1.0" encoding="utf-8"?>
+<p:sld xmlns:a="http://schemas.openxmlformats.org/drawingml/2006/main" xmlns:r="http://schemas.openxmlformats.org/officeDocument/2006/relationships" xmlns:p="http://schemas.openxmlformats.org/presentationml/2006/main">
+  <p:cSld>
+    <p:spTree>
+      <p:nvGrpSpPr>
+        <p:cNvPr id="1" name=""/>
+        <p:cNvGrpSpPr/>
+        <p:nvPr/>
+      </p:nvGrpSpPr>
+      <p:grpSpPr>
+        <a:xfrm>
+          <a:off x="0" y="0"/>
+          <a:ext cx="0" cy="0"/>
+          <a:chOff x="0" y="0"/>
+          <a:chExt cx="0" cy="0"/>
+        </a:xfrm>
+      </p:grpSpPr>
+      <p:sp>
+        <p:nvSpPr>
+          <p:cNvPr id="4" name="Slide Number Placeholder 3"/>
+          <p:cNvSpPr>
+            <a:spLocks noGrp="1"/>
+          </p:cNvSpPr>
+          <p:nvPr>
+            <p:ph type="sldNum" idx="12"/>
+          </p:nvPr>
+        </p:nvSpPr>
+        <p:spPr/>
+        <p:txBody>
+          <a:bodyPr/>
+          <a:lstStyle/>
+          <a:p>
+            <a:fld id="{00000000-1234-1234-1234-123412341234}" type="slidenum">
+              <a:rPr lang="en" smtClean="0">
+                <a:solidFill>
+                  <a:srgbClr val="000000"/>
+                </a:solidFill>
+              </a:rPr>
+              <a:pPr/>
+              <a:t>9</a:t>
+            </a:fld>
+            <a:endParaRPr lang="en">
+              <a:solidFill>
+                <a:srgbClr val="000000"/>
+              </a:solidFill>
+            </a:endParaRPr>
+          </a:p>
+        </p:txBody>
+      </p:sp>
+      <p:sp>
+        <p:nvSpPr>
+          <p:cNvPr id="2" name="TextBox 1"/>
+          <p:cNvSpPr txBox="1"/>
+          <p:nvPr/>
+        </p:nvSpPr>
+        <p:spPr>
+          <a:xfrm>
+            <a:off x="457200" y="676870"/>
+            <a:ext cx="3877985" cy="923330"/>
+          </a:xfrm>
+          <a:prstGeom prst="rect">
+            <a:avLst/>
+          </a:prstGeom>
+          <a:noFill/>
+        </p:spPr>
+        <p:txBody>
+          <a:bodyPr wrap="none" rtlCol="0">
+            <a:spAutoFit/>
+          </a:bodyPr>
+          <a:lstStyle/>
+          <a:p>
+            <a:r>
+              <a:rPr lang="vi-VN" sz="5400" dirty="0" smtClean="0">
+                <a:solidFill>
+                  <a:schemeClr val="bg1"/>
+                </a:solidFill>
+                <a:latin typeface="Cambria" pitchFamily="18" charset="0"/>
+              </a:rPr>
+              <a:t>Architecture</a:t>
+            </a:r>
+            <a:endParaRPr lang="en-US" sz="5400" dirty="0">
+              <a:solidFill>
+                <a:schemeClr val="bg1"/>
+              </a:solidFill>
+              <a:latin typeface="Cambria" pitchFamily="18" charset="0"/>
+            </a:endParaRPr>
+          </a:p>
+        </p:txBody>
+      </p:sp>
+      <p:pic>
+        <p:nvPicPr>
+          <p:cNvPr id="9" name="Picture 8" descr="http://imshopping.rediff.com/imgshop/800-1280/shopping/pixs/3777/g/greenberry_z8._greenberry-z8-mobile-quad-core-processor-dual-sim.jpg"/>
+          <p:cNvPicPr>
+            <a:picLocks noChangeAspect="1" noChangeArrowheads="1"/>
+          </p:cNvPicPr>
+          <p:nvPr/>
+        </p:nvPicPr>
+        <p:blipFill>
+          <a:blip r:embed="rId3" cstate="print">
+            <a:extLst>
+              <a:ext uri="{28A0092B-C50C-407E-A947-70E740481C1C}">
+                <a14:useLocalDpi xmlns:a14="http://schemas.microsoft.com/office/drawing/2010/main" val="0"/>
+              </a:ext>
+            </a:extLst>
+          </a:blip>
+          <a:srcRect/>
+          <a:stretch>
+            <a:fillRect/>
+          </a:stretch>
+        </p:blipFill>
+        <p:spPr bwMode="auto">
+          <a:xfrm>
+            <a:off x="457199" y="2244473"/>
+            <a:ext cx="1727565" cy="1727565"/>
+          </a:xfrm>
+          <a:prstGeom prst="rect">
+            <a:avLst/>
+          </a:prstGeom>
+          <a:noFill/>
+          <a:extLst>
+            <a:ext uri="{909E8E84-426E-40DD-AFC4-6F175D3DCCD1}">
+              <a14:hiddenFill xmlns:a14="http://schemas.microsoft.com/office/drawing/2010/main">
+                <a:solidFill>
+                  <a:srgbClr val="FFFFFF"/>
+                </a:solidFill>
+              </a14:hiddenFill>
+            </a:ext>
+          </a:extLst>
+        </p:spPr>
+      </p:pic>
+      <p:cxnSp>
+        <p:nvCxnSpPr>
+          <p:cNvPr id="10" name="Straight Arrow Connector 9"/>
+          <p:cNvCxnSpPr/>
+          <p:nvPr/>
+        </p:nvCxnSpPr>
+        <p:spPr>
+          <a:xfrm flipH="1">
+            <a:off x="2275942" y="3108256"/>
+            <a:ext cx="2509999" cy="0"/>
+          </a:xfrm>
+          <a:prstGeom prst="straightConnector1">
+            <a:avLst/>
+          </a:prstGeom>
+          <a:ln w="38100">
+            <a:solidFill>
+              <a:schemeClr val="tx1"/>
+            </a:solidFill>
+            <a:headEnd type="arrow" w="med" len="med"/>
+            <a:tailEnd type="none" w="med" len="med"/>
+          </a:ln>
+        </p:spPr>
+        <p:style>
+          <a:lnRef idx="1">
+            <a:schemeClr val="accent1"/>
+          </a:lnRef>
+          <a:fillRef idx="0">
+            <a:schemeClr val="accent1"/>
+          </a:fillRef>
+          <a:effectRef idx="0">
+            <a:schemeClr val="accent1"/>
+          </a:effectRef>
+          <a:fontRef idx="minor">
+            <a:schemeClr val="tx1"/>
+          </a:fontRef>
+        </p:style>
+      </p:cxnSp>
+      <p:sp>
+        <p:nvSpPr>
+          <p:cNvPr id="11" name="TextBox 10"/>
+          <p:cNvSpPr txBox="1"/>
+          <p:nvPr/>
+        </p:nvSpPr>
+        <p:spPr>
+          <a:xfrm>
+            <a:off x="2396191" y="2590730"/>
+            <a:ext cx="1840568" cy="461665"/>
+          </a:xfrm>
+          <a:prstGeom prst="rect">
+            <a:avLst/>
+          </a:prstGeom>
+          <a:noFill/>
+        </p:spPr>
+        <p:txBody>
+          <a:bodyPr wrap="none" rtlCol="0">
+            <a:spAutoFit/>
+          </a:bodyPr>
+          <a:lstStyle/>
+          <a:p>
+            <a:r>
+              <a:rPr lang="en-US" sz="2400" dirty="0" smtClean="0">
+                <a:latin typeface="Cambria" pitchFamily="18" charset="0"/>
+              </a:rPr>
+              <a:t>Message API</a:t>
+            </a:r>
+            <a:endParaRPr lang="en-US" sz="2400" dirty="0">
+              <a:latin typeface="Cambria" pitchFamily="18" charset="0"/>
+            </a:endParaRPr>
+          </a:p>
+        </p:txBody>
+      </p:sp>
+      <p:sp>
+        <p:nvSpPr>
+          <p:cNvPr id="3" name="Rectangle 2"/>
+          <p:cNvSpPr/>
+          <p:nvPr/>
+        </p:nvSpPr>
+        <p:spPr>
+          <a:xfrm>
+            <a:off x="5107367" y="1822473"/>
+            <a:ext cx="3505690" cy="2873885"/>
+          </a:xfrm>
+          <a:prstGeom prst="rect">
+            <a:avLst/>
+          </a:prstGeom>
+          <a:noFill/>
+        </p:spPr>
+        <p:style>
+          <a:lnRef idx="2">
+            <a:schemeClr val="accent1">
+              <a:shade val="50000"/>
+            </a:schemeClr>
+          </a:lnRef>
+          <a:fillRef idx="1">
+            <a:schemeClr val="accent1"/>
+          </a:fillRef>
+          <a:effectRef idx="0">
+            <a:schemeClr val="accent1"/>
+          </a:effectRef>
+          <a:fontRef idx="minor">
+            <a:schemeClr val="lt1"/>
+          </a:fontRef>
+        </p:style>
+        <p:txBody>
+          <a:bodyPr rtlCol="0" anchor="ctr"/>
+          <a:lstStyle/>
+          <a:p>
+            <a:pPr algn="ctr"/>
+            <a:endParaRPr lang="en-US"/>
+          </a:p>
+        </p:txBody>
+      </p:sp>
+      <p:sp>
+        <p:nvSpPr>
+          <p:cNvPr id="6" name="Flowchart: Magnetic Disk 5"/>
+          <p:cNvSpPr/>
+          <p:nvPr/>
+        </p:nvSpPr>
+        <p:spPr>
+          <a:xfrm>
+            <a:off x="5338916" y="2244473"/>
+            <a:ext cx="1150373" cy="2165295"/>
+          </a:xfrm>
+          <a:prstGeom prst="flowChartMagneticDisk">
+            <a:avLst/>
+          </a:prstGeom>
+          <a:solidFill>
+            <a:schemeClr val="bg2">
+              <a:lumMod val="90000"/>
+            </a:schemeClr>
+          </a:solidFill>
+        </p:spPr>
+        <p:style>
+          <a:lnRef idx="2">
+            <a:schemeClr val="accent1">
+              <a:shade val="50000"/>
+            </a:schemeClr>
+          </a:lnRef>
+          <a:fillRef idx="1">
+            <a:schemeClr val="accent1"/>
+          </a:fillRef>
+          <a:effectRef idx="0">
+            <a:schemeClr val="accent1"/>
+          </a:effectRef>
+          <a:fontRef idx="minor">
+            <a:schemeClr val="lt1"/>
+          </a:fontRef>
+        </p:style>
+        <p:txBody>
+          <a:bodyPr rtlCol="0" anchor="ctr"/>
+          <a:lstStyle/>
+          <a:p>
+            <a:pPr algn="ctr"/>
+            <a:r>
+              <a:rPr lang="en-US" b="1" dirty="0" smtClean="0">
+                <a:solidFill>
+                  <a:srgbClr val="FF0000"/>
+                </a:solidFill>
+                <a:latin typeface="Cambria" pitchFamily="18" charset="0"/>
+              </a:rPr>
+              <a:t>Data layer service</a:t>
+            </a:r>
+            <a:endParaRPr lang="en-US" b="1" dirty="0">
+              <a:solidFill>
+                <a:srgbClr val="FF0000"/>
+              </a:solidFill>
+              <a:latin typeface="Cambria" pitchFamily="18" charset="0"/>
+            </a:endParaRPr>
+          </a:p>
+        </p:txBody>
+      </p:sp>
+      <p:sp>
+        <p:nvSpPr>
+          <p:cNvPr id="7" name="Rectangle 6"/>
+          <p:cNvSpPr/>
+          <p:nvPr/>
+        </p:nvSpPr>
+        <p:spPr>
+          <a:xfrm>
+            <a:off x="7108722" y="2394519"/>
+            <a:ext cx="1342103" cy="577088"/>
+          </a:xfrm>
+          <a:prstGeom prst="rect">
+            <a:avLst/>
+          </a:prstGeom>
+          <a:solidFill>
+            <a:schemeClr val="bg2">
+              <a:lumMod val="90000"/>
+            </a:schemeClr>
+          </a:solidFill>
+        </p:spPr>
+        <p:style>
+          <a:lnRef idx="2">
+            <a:schemeClr val="accent1">
+              <a:shade val="50000"/>
+            </a:schemeClr>
+          </a:lnRef>
+          <a:fillRef idx="1">
+            <a:schemeClr val="accent1"/>
+          </a:fillRef>
+          <a:effectRef idx="0">
+            <a:schemeClr val="accent1"/>
+          </a:effectRef>
+          <a:fontRef idx="minor">
+            <a:schemeClr val="lt1"/>
+          </a:fontRef>
+        </p:style>
+        <p:txBody>
+          <a:bodyPr rtlCol="0" anchor="ctr"/>
+          <a:lstStyle/>
+          <a:p>
+            <a:pPr algn="ctr"/>
+            <a:r>
+              <a:rPr lang="en-US" b="1" dirty="0" smtClean="0">
+                <a:solidFill>
+                  <a:srgbClr val="FF0000"/>
+                </a:solidFill>
+                <a:latin typeface="Cambria" pitchFamily="18" charset="0"/>
+              </a:rPr>
+              <a:t>Activity</a:t>
+            </a:r>
+            <a:endParaRPr lang="en-US" b="1" dirty="0">
+              <a:solidFill>
+                <a:srgbClr val="FF0000"/>
+              </a:solidFill>
+              <a:latin typeface="Cambria" pitchFamily="18" charset="0"/>
+            </a:endParaRPr>
+          </a:p>
+        </p:txBody>
+      </p:sp>
+      <p:sp>
+        <p:nvSpPr>
+          <p:cNvPr id="12" name="Oval 11"/>
+          <p:cNvSpPr/>
+          <p:nvPr/>
+        </p:nvSpPr>
+        <p:spPr>
+          <a:xfrm>
+            <a:off x="2751698" y="3196441"/>
+            <a:ext cx="564777" cy="564777"/>
+          </a:xfrm>
+          <a:prstGeom prst="ellipse">
+            <a:avLst/>
+          </a:prstGeom>
+        </p:spPr>
+        <p:style>
+          <a:lnRef idx="2">
+            <a:schemeClr val="accent1">
+              <a:shade val="50000"/>
+            </a:schemeClr>
+          </a:lnRef>
+          <a:fillRef idx="1">
+            <a:schemeClr val="accent1"/>
+          </a:fillRef>
+          <a:effectRef idx="0">
+            <a:schemeClr val="accent1"/>
+          </a:effectRef>
+          <a:fontRef idx="minor">
+            <a:schemeClr val="lt1"/>
+          </a:fontRef>
+        </p:style>
+        <p:txBody>
+          <a:bodyPr rtlCol="0" anchor="ctr"/>
+          <a:lstStyle/>
+          <a:p>
+            <a:pPr algn="ctr"/>
+            <a:r>
+              <a:rPr lang="en-US" sz="2400" b="1" dirty="0" smtClean="0">
+                <a:latin typeface="Cambria" pitchFamily="18" charset="0"/>
+              </a:rPr>
+              <a:t>1</a:t>
+            </a:r>
+            <a:endParaRPr lang="en-US" sz="2400" b="1" dirty="0">
+              <a:latin typeface="Cambria" pitchFamily="18" charset="0"/>
+            </a:endParaRPr>
+          </a:p>
+        </p:txBody>
+      </p:sp>
+      <p:sp>
+        <p:nvSpPr>
+          <p:cNvPr id="13" name="TextBox 12"/>
+          <p:cNvSpPr txBox="1"/>
+          <p:nvPr/>
+        </p:nvSpPr>
+        <p:spPr>
+          <a:xfrm>
+            <a:off x="2590859" y="2221398"/>
+            <a:ext cx="1327608" cy="461665"/>
+          </a:xfrm>
+          <a:prstGeom prst="rect">
+            <a:avLst/>
+          </a:prstGeom>
+          <a:noFill/>
+        </p:spPr>
+        <p:txBody>
+          <a:bodyPr wrap="none" rtlCol="0">
+            <a:spAutoFit/>
+          </a:bodyPr>
+          <a:lstStyle/>
+          <a:p>
+            <a:r>
+              <a:rPr lang="en-US" sz="2400" dirty="0">
+                <a:latin typeface="Cambria" pitchFamily="18" charset="0"/>
+              </a:rPr>
+              <a:t>Data API</a:t>
+            </a:r>
+            <a:endParaRPr lang="en-US" sz="2400" dirty="0">
+              <a:latin typeface="Cambria" pitchFamily="18" charset="0"/>
+            </a:endParaRPr>
+          </a:p>
+        </p:txBody>
+      </p:sp>
+    </p:spTree>
+    <p:extLst>
+      <p:ext uri="{BB962C8B-B14F-4D97-AF65-F5344CB8AC3E}">
+        <p14:creationId xmlns:p14="http://schemas.microsoft.com/office/powerpoint/2010/main" val="2964519313"/>
+      </p:ext>
+    </p:extLst>
+  </p:cSld>
+  <p:clrMapOvr>
+    <a:masterClrMapping/>
+  </p:clrMapOvr>
+  <p:timing>
+    <p:tnLst>
+      <p:par>
+        <p:cTn id="1" dur="indefinite" restart="never" nodeType="tmRoot"/>
+      </p:par>
+    </p:tnLst>
+  </p:timing>
 </p:sld>
 </file>
 
@@ -6350,7 +10137,7 @@
     </a:clrScheme>
     <a:fontScheme name="Office Theme">
       <a:majorFont>
-        <a:latin typeface="Calibri Light" panose="020F0302020204030204"/>
+        <a:latin typeface="Calibri Light"/>
         <a:ea typeface=""/>
         <a:cs typeface=""/>
         <a:font script="Jpan" typeface="游ゴシック Light"/>
@@ -6385,7 +10172,7 @@
         <a:font script="Geor" typeface="Sylfaen"/>
       </a:majorFont>
       <a:minorFont>
-        <a:latin typeface="Calibri" panose="020F0502020204030204"/>
+        <a:latin typeface="Calibri"/>
         <a:ea typeface=""/>
         <a:cs typeface=""/>
         <a:font script="Jpan" typeface="游ゴシック"/>
@@ -6562,7 +10349,7 @@
   <a:extraClrSchemeLst/>
   <a:extLst>
     <a:ext uri="{05A4C25C-085E-4340-85A3-A5531E510DB2}">
-      <thm15:themeFamily xmlns:thm15="http://schemas.microsoft.com/office/thememl/2012/main" name="Office Theme" id="{62F939B6-93AF-4DB8-9C6B-D6C7DFDC589F}" vid="{4A3C46E8-61CC-4603-A589-7422A47A8E4A}"/>
+      <thm15:themeFamily xmlns:thm15="http://schemas.microsoft.com/office/thememl/2012/main" xmlns="" name="Office Theme" id="{62F939B6-93AF-4DB8-9C6B-D6C7DFDC589F}" vid="{4A3C46E8-61CC-4603-A589-7422A47A8E4A}"/>
     </a:ext>
   </a:extLst>
 </a:theme>
@@ -6611,7 +10398,7 @@
     </a:clrScheme>
     <a:fontScheme name="Office">
       <a:majorFont>
-        <a:latin typeface="Calibri Light" panose="020F0302020204030204"/>
+        <a:latin typeface="Calibri Light"/>
         <a:ea typeface=""/>
         <a:cs typeface=""/>
         <a:font script="Jpan" typeface="ＭＳ Ｐゴシック"/>
@@ -6646,7 +10433,7 @@
         <a:font script="Geor" typeface="Sylfaen"/>
       </a:majorFont>
       <a:minorFont>
-        <a:latin typeface="Calibri" panose="020F0502020204030204"/>
+        <a:latin typeface="Calibri"/>
         <a:ea typeface=""/>
         <a:cs typeface=""/>
         <a:font script="Jpan" typeface="ＭＳ Ｐゴシック"/>
@@ -6823,7 +10610,7 @@
   <a:extraClrSchemeLst/>
   <a:extLst>
     <a:ext uri="{05A4C25C-085E-4340-85A3-A5531E510DB2}">
-      <thm15:themeFamily xmlns:thm15="http://schemas.microsoft.com/office/thememl/2012/main" name="Office Theme" id="{62F939B6-93AF-4DB8-9C6B-D6C7DFDC589F}" vid="{4A3C46E8-61CC-4603-A589-7422A47A8E4A}"/>
+      <thm15:themeFamily xmlns:thm15="http://schemas.microsoft.com/office/thememl/2012/main" xmlns="" name="Office Theme" id="{62F939B6-93AF-4DB8-9C6B-D6C7DFDC589F}" vid="{4A3C46E8-61CC-4603-A589-7422A47A8E4A}"/>
     </a:ext>
   </a:extLst>
 </a:theme>
